--- a/slides/week1_tues.pptx
+++ b/slides/week1_tues.pptx
@@ -4821,7 +4821,19 @@
             </a:r>
             <a:r>
               <a:rPr lang="en-US" dirty="0" smtClean="0"/>
-              <a:t>), Mercury (or Hg), </a:t>
+              <a:t>)</a:t>
+            </a:r>
+            <a:r>
+              <a:rPr lang="en-US" smtClean="0"/>
+              <a:t>, </a:t>
+            </a:r>
+            <a:r>
+              <a:rPr lang="en-US" smtClean="0"/>
+              <a:t>Mercurial </a:t>
+            </a:r>
+            <a:r>
+              <a:rPr lang="en-US" dirty="0" smtClean="0"/>
+              <a:t>(or Hg), </a:t>
             </a:r>
             <a:r>
               <a:rPr lang="en-US" dirty="0" err="1"/>

--- a/slides/week1_tues.pptx
+++ b/slides/week1_tues.pptx
@@ -5,31 +5,23 @@
     <p:sldMasterId id="2147483648" r:id="rId1"/>
   </p:sldMasterIdLst>
   <p:notesMasterIdLst>
-    <p:notesMasterId r:id="rId21"/>
+    <p:notesMasterId r:id="rId13"/>
   </p:notesMasterIdLst>
   <p:handoutMasterIdLst>
-    <p:handoutMasterId r:id="rId22"/>
+    <p:handoutMasterId r:id="rId14"/>
   </p:handoutMasterIdLst>
   <p:sldIdLst>
-    <p:sldId id="257" r:id="rId2"/>
-    <p:sldId id="263" r:id="rId3"/>
-    <p:sldId id="264" r:id="rId4"/>
-    <p:sldId id="262" r:id="rId5"/>
-    <p:sldId id="258" r:id="rId6"/>
-    <p:sldId id="259" r:id="rId7"/>
-    <p:sldId id="268" r:id="rId8"/>
-    <p:sldId id="260" r:id="rId9"/>
-    <p:sldId id="261" r:id="rId10"/>
-    <p:sldId id="274" r:id="rId11"/>
-    <p:sldId id="275" r:id="rId12"/>
-    <p:sldId id="269" r:id="rId13"/>
-    <p:sldId id="272" r:id="rId14"/>
-    <p:sldId id="270" r:id="rId15"/>
-    <p:sldId id="271" r:id="rId16"/>
-    <p:sldId id="273" r:id="rId17"/>
-    <p:sldId id="265" r:id="rId18"/>
-    <p:sldId id="266" r:id="rId19"/>
-    <p:sldId id="267" r:id="rId20"/>
+    <p:sldId id="262" r:id="rId2"/>
+    <p:sldId id="258" r:id="rId3"/>
+    <p:sldId id="259" r:id="rId4"/>
+    <p:sldId id="268" r:id="rId5"/>
+    <p:sldId id="260" r:id="rId6"/>
+    <p:sldId id="261" r:id="rId7"/>
+    <p:sldId id="274" r:id="rId8"/>
+    <p:sldId id="276" r:id="rId9"/>
+    <p:sldId id="278" r:id="rId10"/>
+    <p:sldId id="279" r:id="rId11"/>
+    <p:sldId id="277" r:id="rId12"/>
   </p:sldIdLst>
   <p:sldSz cx="9144000" cy="6858000" type="screen4x3"/>
   <p:notesSz cx="6858000" cy="9144000"/>
@@ -214,7 +206,7 @@
             <a:fld id="{43DBBD18-6C88-F045-A73C-EAB7098132B3}" type="datetime1">
               <a:rPr lang="en-US" smtClean="0"/>
               <a:pPr/>
-              <a:t>9/22/10</a:t>
+              <a:t>9/28/10</a:t>
             </a:fld>
             <a:endParaRPr lang="en-US"/>
           </a:p>
@@ -377,7 +369,7 @@
             <a:fld id="{EAEF232E-3F8A-2D4B-A08F-882F821D32B7}" type="datetime1">
               <a:rPr lang="en-US" smtClean="0"/>
               <a:pPr/>
-              <a:t>9/22/10</a:t>
+              <a:t>9/28/10</a:t>
             </a:fld>
             <a:endParaRPr lang="en-US"/>
           </a:p>
@@ -644,252 +636,6 @@
 </p:notesMaster>
 </file>
 
-<file path=ppt/notesSlides/notesSlide1.xml><?xml version="1.0" encoding="utf-8"?>
-<p:notes xmlns:a="http://schemas.openxmlformats.org/drawingml/2006/main" xmlns:r="http://schemas.openxmlformats.org/officeDocument/2006/relationships" xmlns:mc="http://schemas.openxmlformats.org/markup-compatibility/2006" xmlns:mv="urn:schemas-microsoft-com:mac:vml" xmlns:p="http://schemas.openxmlformats.org/presentationml/2006/main" mc:Ignorable="mv" mc:PreserveAttributes="mv:*">
-  <p:cSld>
-    <p:spTree>
-      <p:nvGrpSpPr>
-        <p:cNvPr id="1" name=""/>
-        <p:cNvGrpSpPr/>
-        <p:nvPr/>
-      </p:nvGrpSpPr>
-      <p:grpSpPr>
-        <a:xfrm>
-          <a:off x="0" y="0"/>
-          <a:ext cx="0" cy="0"/>
-          <a:chOff x="0" y="0"/>
-          <a:chExt cx="0" cy="0"/>
-        </a:xfrm>
-      </p:grpSpPr>
-      <p:sp>
-        <p:nvSpPr>
-          <p:cNvPr id="2" name="Slide Image Placeholder 1"/>
-          <p:cNvSpPr>
-            <a:spLocks noGrp="1" noRot="1" noChangeAspect="1"/>
-          </p:cNvSpPr>
-          <p:nvPr>
-            <p:ph type="sldImg"/>
-          </p:nvPr>
-        </p:nvSpPr>
-        <p:spPr/>
-      </p:sp>
-      <p:sp>
-        <p:nvSpPr>
-          <p:cNvPr id="3" name="Notes Placeholder 2"/>
-          <p:cNvSpPr>
-            <a:spLocks noGrp="1"/>
-          </p:cNvSpPr>
-          <p:nvPr>
-            <p:ph type="body" idx="1"/>
-          </p:nvPr>
-        </p:nvSpPr>
-        <p:spPr/>
-        <p:txBody>
-          <a:bodyPr>
-            <a:normAutofit/>
-          </a:bodyPr>
-          <a:lstStyle/>
-          <a:p>
-            <a:endParaRPr lang="en-US"/>
-          </a:p>
-        </p:txBody>
-      </p:sp>
-      <p:sp>
-        <p:nvSpPr>
-          <p:cNvPr id="4" name="Slide Number Placeholder 3"/>
-          <p:cNvSpPr>
-            <a:spLocks noGrp="1"/>
-          </p:cNvSpPr>
-          <p:nvPr>
-            <p:ph type="sldNum" sz="quarter" idx="10"/>
-          </p:nvPr>
-        </p:nvSpPr>
-        <p:spPr/>
-        <p:txBody>
-          <a:bodyPr/>
-          <a:lstStyle/>
-          <a:p>
-            <a:fld id="{EA9804A3-C290-8349-BCB9-2E43969F47E6}" type="slidenum">
-              <a:rPr lang="en-US" smtClean="0"/>
-              <a:pPr/>
-              <a:t>1</a:t>
-            </a:fld>
-            <a:endParaRPr lang="en-US"/>
-          </a:p>
-        </p:txBody>
-      </p:sp>
-    </p:spTree>
-  </p:cSld>
-  <p:clrMapOvr>
-    <a:masterClrMapping/>
-  </p:clrMapOvr>
-</p:notes>
-</file>
-
-<file path=ppt/notesSlides/notesSlide2.xml><?xml version="1.0" encoding="utf-8"?>
-<p:notes xmlns:a="http://schemas.openxmlformats.org/drawingml/2006/main" xmlns:r="http://schemas.openxmlformats.org/officeDocument/2006/relationships" xmlns:mc="http://schemas.openxmlformats.org/markup-compatibility/2006" xmlns:mv="urn:schemas-microsoft-com:mac:vml" xmlns:p="http://schemas.openxmlformats.org/presentationml/2006/main" mc:Ignorable="mv" mc:PreserveAttributes="mv:*">
-  <p:cSld>
-    <p:spTree>
-      <p:nvGrpSpPr>
-        <p:cNvPr id="1" name=""/>
-        <p:cNvGrpSpPr/>
-        <p:nvPr/>
-      </p:nvGrpSpPr>
-      <p:grpSpPr>
-        <a:xfrm>
-          <a:off x="0" y="0"/>
-          <a:ext cx="0" cy="0"/>
-          <a:chOff x="0" y="0"/>
-          <a:chExt cx="0" cy="0"/>
-        </a:xfrm>
-      </p:grpSpPr>
-      <p:sp>
-        <p:nvSpPr>
-          <p:cNvPr id="2" name="Slide Image Placeholder 1"/>
-          <p:cNvSpPr>
-            <a:spLocks noGrp="1" noRot="1" noChangeAspect="1"/>
-          </p:cNvSpPr>
-          <p:nvPr>
-            <p:ph type="sldImg"/>
-          </p:nvPr>
-        </p:nvSpPr>
-        <p:spPr/>
-      </p:sp>
-      <p:sp>
-        <p:nvSpPr>
-          <p:cNvPr id="3" name="Notes Placeholder 2"/>
-          <p:cNvSpPr>
-            <a:spLocks noGrp="1"/>
-          </p:cNvSpPr>
-          <p:nvPr>
-            <p:ph type="body" idx="1"/>
-          </p:nvPr>
-        </p:nvSpPr>
-        <p:spPr/>
-        <p:txBody>
-          <a:bodyPr>
-            <a:normAutofit/>
-          </a:bodyPr>
-          <a:lstStyle/>
-          <a:p>
-            <a:endParaRPr lang="en-US"/>
-          </a:p>
-        </p:txBody>
-      </p:sp>
-      <p:sp>
-        <p:nvSpPr>
-          <p:cNvPr id="4" name="Slide Number Placeholder 3"/>
-          <p:cNvSpPr>
-            <a:spLocks noGrp="1"/>
-          </p:cNvSpPr>
-          <p:nvPr>
-            <p:ph type="sldNum" sz="quarter" idx="10"/>
-          </p:nvPr>
-        </p:nvSpPr>
-        <p:spPr/>
-        <p:txBody>
-          <a:bodyPr/>
-          <a:lstStyle/>
-          <a:p>
-            <a:fld id="{EA9804A3-C290-8349-BCB9-2E43969F47E6}" type="slidenum">
-              <a:rPr lang="en-US" smtClean="0"/>
-              <a:pPr/>
-              <a:t>2</a:t>
-            </a:fld>
-            <a:endParaRPr lang="en-US"/>
-          </a:p>
-        </p:txBody>
-      </p:sp>
-    </p:spTree>
-  </p:cSld>
-  <p:clrMapOvr>
-    <a:masterClrMapping/>
-  </p:clrMapOvr>
-</p:notes>
-</file>
-
-<file path=ppt/notesSlides/notesSlide3.xml><?xml version="1.0" encoding="utf-8"?>
-<p:notes xmlns:a="http://schemas.openxmlformats.org/drawingml/2006/main" xmlns:r="http://schemas.openxmlformats.org/officeDocument/2006/relationships" xmlns:mc="http://schemas.openxmlformats.org/markup-compatibility/2006" xmlns:mv="urn:schemas-microsoft-com:mac:vml" xmlns:p="http://schemas.openxmlformats.org/presentationml/2006/main" mc:Ignorable="mv" mc:PreserveAttributes="mv:*">
-  <p:cSld>
-    <p:spTree>
-      <p:nvGrpSpPr>
-        <p:cNvPr id="1" name=""/>
-        <p:cNvGrpSpPr/>
-        <p:nvPr/>
-      </p:nvGrpSpPr>
-      <p:grpSpPr>
-        <a:xfrm>
-          <a:off x="0" y="0"/>
-          <a:ext cx="0" cy="0"/>
-          <a:chOff x="0" y="0"/>
-          <a:chExt cx="0" cy="0"/>
-        </a:xfrm>
-      </p:grpSpPr>
-      <p:sp>
-        <p:nvSpPr>
-          <p:cNvPr id="2" name="Slide Image Placeholder 1"/>
-          <p:cNvSpPr>
-            <a:spLocks noGrp="1" noRot="1" noChangeAspect="1"/>
-          </p:cNvSpPr>
-          <p:nvPr>
-            <p:ph type="sldImg"/>
-          </p:nvPr>
-        </p:nvSpPr>
-        <p:spPr/>
-      </p:sp>
-      <p:sp>
-        <p:nvSpPr>
-          <p:cNvPr id="3" name="Notes Placeholder 2"/>
-          <p:cNvSpPr>
-            <a:spLocks noGrp="1"/>
-          </p:cNvSpPr>
-          <p:nvPr>
-            <p:ph type="body" idx="1"/>
-          </p:nvPr>
-        </p:nvSpPr>
-        <p:spPr/>
-        <p:txBody>
-          <a:bodyPr>
-            <a:normAutofit/>
-          </a:bodyPr>
-          <a:lstStyle/>
-          <a:p>
-            <a:endParaRPr lang="en-US"/>
-          </a:p>
-        </p:txBody>
-      </p:sp>
-      <p:sp>
-        <p:nvSpPr>
-          <p:cNvPr id="4" name="Slide Number Placeholder 3"/>
-          <p:cNvSpPr>
-            <a:spLocks noGrp="1"/>
-          </p:cNvSpPr>
-          <p:nvPr>
-            <p:ph type="sldNum" sz="quarter" idx="10"/>
-          </p:nvPr>
-        </p:nvSpPr>
-        <p:spPr/>
-        <p:txBody>
-          <a:bodyPr/>
-          <a:lstStyle/>
-          <a:p>
-            <a:fld id="{EA9804A3-C290-8349-BCB9-2E43969F47E6}" type="slidenum">
-              <a:rPr lang="en-US" smtClean="0"/>
-              <a:pPr/>
-              <a:t>3</a:t>
-            </a:fld>
-            <a:endParaRPr lang="en-US"/>
-          </a:p>
-        </p:txBody>
-      </p:sp>
-    </p:spTree>
-  </p:cSld>
-  <p:clrMapOvr>
-    <a:masterClrMapping/>
-  </p:clrMapOvr>
-</p:notes>
-</file>
-
 <file path=ppt/slideLayouts/slideLayout1.xml><?xml version="1.0" encoding="utf-8"?>
 <p:sldLayout xmlns:a="http://schemas.openxmlformats.org/drawingml/2006/main" xmlns:r="http://schemas.openxmlformats.org/officeDocument/2006/relationships" xmlns:mc="http://schemas.openxmlformats.org/markup-compatibility/2006" xmlns:mv="urn:schemas-microsoft-com:mac:vml" xmlns:p="http://schemas.openxmlformats.org/presentationml/2006/main" mc:Ignorable="mv" mc:PreserveAttributes="mv:*" type="title" preserve="1">
   <p:cSld name="Title Slide">
@@ -3790,11 +3536,7 @@
             </a:r>
             <a:r>
               <a:rPr lang="en-US" sz="1000" baseline="0" dirty="0" smtClean="0"/>
-              <a:t> </a:t>
-            </a:r>
-            <a:r>
-              <a:rPr lang="en-US" sz="1000" baseline="0" dirty="0" smtClean="0"/>
-              <a:t>201B _ Fall 2010 _ Angus Forbes</a:t>
+              <a:t> 201B _ Fall 2010 _ Angus Forbes</a:t>
             </a:r>
             <a:endParaRPr lang="en-US" sz="1000" dirty="0"/>
           </a:p>
@@ -4104,7 +3846,7 @@
           <a:p>
             <a:r>
               <a:rPr lang="en-US" dirty="0" smtClean="0"/>
-              <a:t>Course Topics, 1</a:t>
+              <a:t>Today's Agenda</a:t>
             </a:r>
             <a:endParaRPr lang="en-US" dirty="0"/>
           </a:p>
@@ -4129,96 +3871,12 @@
           </a:p>
           <a:p>
             <a:r>
-              <a:rPr lang="en-US" dirty="0"/>
-              <a:t>H</a:t>
-            </a:r>
-            <a:r>
-              <a:rPr lang="en-US" dirty="0" smtClean="0"/>
-              <a:t>ow to Program, specifically </a:t>
-            </a:r>
-            <a:r>
-              <a:rPr lang="en-US" b="1" dirty="0" smtClean="0"/>
-              <a:t>object-oriented programming</a:t>
-            </a:r>
-            <a:r>
-              <a:rPr lang="en-US" dirty="0" smtClean="0"/>
-              <a:t> using:</a:t>
-            </a:r>
-          </a:p>
-          <a:p>
-            <a:r>
-              <a:rPr lang="en-US" dirty="0" smtClean="0"/>
-              <a:t>	Processing - a subset/extension of an older version of Java for media programming</a:t>
-            </a:r>
-          </a:p>
-          <a:p>
-            <a:r>
-              <a:rPr lang="en-US" dirty="0" smtClean="0"/>
-              <a:t>	Java - a high level objected oriented language</a:t>
-            </a:r>
-          </a:p>
-          <a:p>
-            <a:r>
-              <a:rPr lang="en-US" dirty="0" smtClean="0"/>
-              <a:t>	C++ - a high level objected oriented language </a:t>
-            </a:r>
-          </a:p>
-          <a:p>
-            <a:r>
-              <a:rPr lang="en-US" dirty="0" smtClean="0"/>
-              <a:t>	</a:t>
-            </a:r>
-          </a:p>
-          <a:p>
-            <a:r>
-              <a:rPr lang="en-US" dirty="0" smtClean="0"/>
-              <a:t>How to use and choose between the various </a:t>
-            </a:r>
-            <a:r>
-              <a:rPr lang="en-US" b="1" dirty="0" smtClean="0"/>
-              <a:t>data structures</a:t>
-            </a:r>
-          </a:p>
-          <a:p>
-            <a:r>
-              <a:rPr lang="en-US" dirty="0" smtClean="0"/>
-              <a:t>	Lists, arrays, maps, sets, queues, stacks, trees, graphs, ...</a:t>
-            </a:r>
-          </a:p>
-          <a:p>
-            <a:endParaRPr lang="en-US" dirty="0" smtClean="0"/>
-          </a:p>
-          <a:p>
-            <a:r>
-              <a:rPr lang="en-US" dirty="0" smtClean="0"/>
-              <a:t>How to navigate a </a:t>
-            </a:r>
-            <a:r>
-              <a:rPr lang="en-US" b="1" dirty="0" smtClean="0"/>
-              <a:t>Unix</a:t>
-            </a:r>
-            <a:r>
-              <a:rPr lang="en-US" dirty="0" smtClean="0"/>
-              <a:t> environment</a:t>
-            </a:r>
-          </a:p>
-          <a:p>
-            <a:endParaRPr lang="en-US" dirty="0" smtClean="0"/>
-          </a:p>
-          <a:p>
-            <a:r>
-              <a:rPr lang="en-US" dirty="0" smtClean="0"/>
-              <a:t>How to use a </a:t>
-            </a:r>
-            <a:r>
-              <a:rPr lang="en-US" b="1" dirty="0" smtClean="0"/>
-              <a:t>Version Control System</a:t>
-            </a:r>
-          </a:p>
-          <a:p>
-            <a:r>
-              <a:rPr lang="en-US" dirty="0" smtClean="0"/>
-              <a:t>	</a:t>
+              <a:rPr lang="en-US" dirty="0" smtClean="0"/>
+              <a:t>&gt;</a:t>
+            </a:r>
+            <a:r>
+              <a:rPr lang="en-US" dirty="0" smtClean="0"/>
+              <a:t> To make sure everyone set up their </a:t>
             </a:r>
             <a:r>
               <a:rPr lang="en-US" dirty="0" err="1" smtClean="0"/>
@@ -4226,60 +3884,156 @@
             </a:r>
             <a:r>
               <a:rPr lang="en-US" dirty="0" smtClean="0"/>
-              <a:t> &amp; </a:t>
-            </a:r>
-            <a:r>
-              <a:rPr lang="en-US" dirty="0" err="1" smtClean="0"/>
-              <a:t>github</a:t>
-            </a:r>
-            <a:endParaRPr lang="en-US" dirty="0" smtClean="0"/>
-          </a:p>
-          <a:p>
-            <a:endParaRPr lang="en-US" dirty="0" smtClean="0"/>
-          </a:p>
-          <a:p>
-            <a:r>
-              <a:rPr lang="en-US" dirty="0" smtClean="0"/>
-              <a:t>How to create a </a:t>
-            </a:r>
-            <a:r>
-              <a:rPr lang="en-US" b="1" dirty="0" smtClean="0"/>
-              <a:t>GUI</a:t>
-            </a:r>
-          </a:p>
-          <a:p>
-            <a:r>
-              <a:rPr lang="en-US" b="1" dirty="0" smtClean="0"/>
-              <a:t>	</a:t>
-            </a:r>
-            <a:r>
-              <a:rPr lang="en-US" dirty="0" smtClean="0"/>
-              <a:t>Swing (for Java)</a:t>
-            </a:r>
-          </a:p>
-          <a:p>
-            <a:r>
-              <a:rPr lang="en-US" dirty="0" smtClean="0"/>
-              <a:t>	QT (for C++/Java)</a:t>
-            </a:r>
-          </a:p>
-          <a:p>
-            <a:r>
-              <a:rPr lang="en-US" dirty="0" smtClean="0"/>
-              <a:t>	from scratch</a:t>
-            </a:r>
-          </a:p>
-          <a:p>
-            <a:r>
-              <a:rPr lang="en-US" dirty="0" smtClean="0"/>
-              <a:t>	GLV (MAT OpenGL project) </a:t>
-            </a:r>
-          </a:p>
-          <a:p>
-            <a:r>
-              <a:rPr lang="en-US" dirty="0"/>
-              <a:t>	</a:t>
-            </a:r>
+              <a:t> repo properly</a:t>
+            </a:r>
+          </a:p>
+          <a:p>
+            <a:endParaRPr lang="en-US" dirty="0" smtClean="0"/>
+          </a:p>
+          <a:p>
+            <a:r>
+              <a:rPr lang="en-US" dirty="0" smtClean="0"/>
+              <a:t>&gt;</a:t>
+            </a:r>
+            <a:r>
+              <a:rPr lang="en-US" dirty="0" smtClean="0"/>
+              <a:t> To look at/discuss </a:t>
+            </a:r>
+            <a:r>
+              <a:rPr lang="en-US" dirty="0" smtClean="0"/>
+              <a:t>your processing sketches</a:t>
+            </a:r>
+            <a:endParaRPr lang="en-US" dirty="0" smtClean="0"/>
+          </a:p>
+          <a:p>
+            <a:endParaRPr lang="en-US" dirty="0" smtClean="0"/>
+          </a:p>
+          <a:p>
+            <a:r>
+              <a:rPr lang="en-US" dirty="0" smtClean="0"/>
+              <a:t>&gt; To</a:t>
+            </a:r>
+            <a:r>
+              <a:rPr lang="en-US" dirty="0" smtClean="0"/>
+              <a:t> talk about text editors </a:t>
+            </a:r>
+            <a:endParaRPr lang="en-US" dirty="0" smtClean="0"/>
+          </a:p>
+          <a:p>
+            <a:endParaRPr lang="en-US" dirty="0" smtClean="0"/>
+          </a:p>
+          <a:p>
+            <a:r>
+              <a:rPr lang="en-US" dirty="0" smtClean="0"/>
+              <a:t>&gt; To look at some more Unix commands </a:t>
+            </a:r>
+          </a:p>
+          <a:p>
+            <a:endParaRPr lang="en-US" dirty="0" smtClean="0"/>
+          </a:p>
+          <a:p>
+            <a:r>
+              <a:rPr lang="en-US" dirty="0" smtClean="0"/>
+              <a:t>&gt; </a:t>
+            </a:r>
+            <a:r>
+              <a:rPr lang="en-US" dirty="0" smtClean="0"/>
+              <a:t>To talk about .</a:t>
+            </a:r>
+            <a:r>
+              <a:rPr lang="en-US" dirty="0" err="1" smtClean="0"/>
+              <a:t>bash_profile</a:t>
+            </a:r>
+            <a:r>
+              <a:rPr lang="en-US" dirty="0" smtClean="0"/>
+              <a:t> and how to customize it</a:t>
+            </a:r>
+            <a:endParaRPr lang="en-US" dirty="0" smtClean="0"/>
+          </a:p>
+          <a:p>
+            <a:endParaRPr lang="en-US" dirty="0" smtClean="0"/>
+          </a:p>
+          <a:p>
+            <a:r>
+              <a:rPr lang="en-US" dirty="0" smtClean="0"/>
+              <a:t>&gt; To</a:t>
+            </a:r>
+            <a:r>
+              <a:rPr lang="en-US" dirty="0" smtClean="0"/>
+              <a:t> compete in</a:t>
+            </a:r>
+            <a:r>
+              <a:rPr lang="en-US" dirty="0" smtClean="0"/>
+              <a:t> a game I made up</a:t>
+            </a:r>
+            <a:endParaRPr lang="en-US" dirty="0" smtClean="0"/>
+          </a:p>
+          <a:p>
+            <a:endParaRPr lang="en-US" dirty="0" smtClean="0"/>
+          </a:p>
+          <a:p>
+            <a:r>
+              <a:rPr lang="en-US" dirty="0" smtClean="0"/>
+              <a:t>&gt; </a:t>
+            </a:r>
+            <a:r>
+              <a:rPr lang="en-US" dirty="0" smtClean="0"/>
+              <a:t>To</a:t>
+            </a:r>
+            <a:r>
+              <a:rPr lang="en-US" dirty="0" smtClean="0"/>
+              <a:t> talk about object-oriented programming concepts</a:t>
+            </a:r>
+            <a:endParaRPr lang="en-US" dirty="0" smtClean="0"/>
+          </a:p>
+          <a:p>
+            <a:endParaRPr lang="en-US" dirty="0" smtClean="0"/>
+          </a:p>
+          <a:p>
+            <a:r>
+              <a:rPr lang="en-US" dirty="0" smtClean="0"/>
+              <a:t>&gt; To</a:t>
+            </a:r>
+            <a:r>
+              <a:rPr lang="en-US" dirty="0" smtClean="0"/>
+              <a:t> </a:t>
+            </a:r>
+            <a:r>
+              <a:rPr lang="en-US" dirty="0" smtClean="0"/>
+              <a:t>write a program in Processing together</a:t>
+            </a:r>
+            <a:endParaRPr lang="en-US" dirty="0" smtClean="0"/>
+          </a:p>
+          <a:p>
+            <a:endParaRPr lang="en-US" dirty="0" smtClean="0"/>
+          </a:p>
+          <a:p>
+            <a:r>
+              <a:rPr lang="en-US" dirty="0" smtClean="0"/>
+              <a:t>&gt; To show you your</a:t>
+            </a:r>
+            <a:r>
+              <a:rPr lang="en-US" dirty="0" smtClean="0"/>
+              <a:t> </a:t>
+            </a:r>
+            <a:r>
+              <a:rPr lang="en-US" dirty="0" smtClean="0"/>
+              <a:t>second</a:t>
+            </a:r>
+            <a:r>
+              <a:rPr lang="en-US" dirty="0" smtClean="0"/>
+              <a:t> </a:t>
+            </a:r>
+            <a:r>
+              <a:rPr lang="en-US" dirty="0" smtClean="0"/>
+              <a:t>assignment</a:t>
+            </a:r>
+          </a:p>
+          <a:p>
+            <a:endParaRPr lang="en-US" dirty="0" smtClean="0"/>
+          </a:p>
+          <a:p>
+            <a:endParaRPr lang="en-US" dirty="0" smtClean="0"/>
           </a:p>
         </p:txBody>
       </p:sp>
@@ -4332,11 +4086,7 @@
           <a:p>
             <a:r>
               <a:rPr lang="en-US" dirty="0" smtClean="0"/>
-              <a:t>Unix -</a:t>
-            </a:r>
-            <a:r>
-              <a:rPr lang="en-US" dirty="0" smtClean="0"/>
-              <a:t> Misc.</a:t>
+              <a:t>Unix - archiving/compressing files</a:t>
             </a:r>
             <a:endParaRPr lang="en-US" dirty="0"/>
           </a:p>
@@ -4357,187 +4107,82 @@
           <a:bodyPr/>
           <a:lstStyle/>
           <a:p>
-            <a:endParaRPr lang="en-US" b="1" dirty="0" smtClean="0"/>
-          </a:p>
-          <a:p>
-            <a:r>
-              <a:rPr lang="en-US" dirty="0" smtClean="0"/>
-              <a:t>There are hundreds of other more specialized helper programs bundled with the various Unix distributions (FreeBSD for OSX).</a:t>
-            </a:r>
-          </a:p>
-          <a:p>
-            <a:endParaRPr lang="en-US" dirty="0" smtClean="0"/>
-          </a:p>
-          <a:p>
-            <a:r>
-              <a:rPr lang="en-US" dirty="0" smtClean="0"/>
-              <a:t>You can see what these are by typing</a:t>
-            </a:r>
-          </a:p>
-          <a:p>
-            <a:endParaRPr lang="en-US" dirty="0" smtClean="0"/>
-          </a:p>
-          <a:p>
+            <a:r>
+              <a:rPr lang="en-US" dirty="0" smtClean="0"/>
+              <a:t>You can also just check to see what's in an archive using the "</a:t>
+            </a:r>
+            <a:r>
+              <a:rPr lang="en-US" dirty="0" err="1" smtClean="0"/>
+              <a:t>t</a:t>
+            </a:r>
+            <a:r>
+              <a:rPr lang="en-US" dirty="0" smtClean="0"/>
+              <a:t>" option</a:t>
+            </a:r>
+          </a:p>
+          <a:p>
+            <a:endParaRPr lang="en-US" dirty="0" smtClean="0"/>
+          </a:p>
+          <a:p>
+            <a:r>
+              <a:rPr lang="en-US" dirty="0" smtClean="0"/>
+              <a:t>&gt; </a:t>
+            </a:r>
             <a:r>
               <a:rPr lang="en-US" b="1" dirty="0" smtClean="0"/>
-              <a:t>&gt; echo $PATH</a:t>
-            </a:r>
-          </a:p>
-          <a:p>
-            <a:endParaRPr lang="en-US" dirty="0" smtClean="0"/>
-          </a:p>
-          <a:p>
-            <a:r>
-              <a:rPr lang="en-US" dirty="0" smtClean="0"/>
-              <a:t>from the command line, which will list all of the places the terminal will look for a command</a:t>
-            </a:r>
-          </a:p>
-          <a:p>
-            <a:endParaRPr lang="en-US" dirty="0" smtClean="0"/>
-          </a:p>
-          <a:p>
-            <a:r>
-              <a:rPr lang="en-US" dirty="0" smtClean="0"/>
-              <a:t>you can list out the contents of one these directories, e.g.</a:t>
-            </a:r>
-          </a:p>
-          <a:p>
-            <a:endParaRPr lang="en-US" dirty="0" smtClean="0"/>
-          </a:p>
-          <a:p>
-            <a:r>
-              <a:rPr lang="en-US" b="1" dirty="0" smtClean="0"/>
-              <a:t>&gt; </a:t>
+              <a:t>tar -</a:t>
             </a:r>
             <a:r>
               <a:rPr lang="en-US" b="1" dirty="0" err="1" smtClean="0"/>
-              <a:t>ls</a:t>
-            </a:r>
-            <a:r>
-              <a:rPr lang="en-US" b="1" dirty="0" smtClean="0"/>
-              <a:t> /</a:t>
-            </a:r>
-            <a:r>
-              <a:rPr lang="en-US" b="1" dirty="0" err="1" smtClean="0"/>
-              <a:t>usr</a:t>
-            </a:r>
-            <a:r>
-              <a:rPr lang="en-US" b="1" dirty="0" smtClean="0"/>
-              <a:t>/bin</a:t>
-            </a:r>
-          </a:p>
-          <a:p>
-            <a:endParaRPr lang="en-US" dirty="0" smtClean="0"/>
-          </a:p>
-          <a:p>
-            <a:r>
-              <a:rPr lang="en-US" dirty="0" smtClean="0"/>
-              <a:t>most of these are little C programs and you can find out how they work </a:t>
-            </a:r>
-            <a:r>
-              <a:rPr lang="en-US" dirty="0" smtClean="0"/>
-              <a:t>by looking at their</a:t>
-            </a:r>
-            <a:r>
-              <a:rPr lang="en-US" dirty="0" smtClean="0"/>
-              <a:t> </a:t>
-            </a:r>
-            <a:r>
-              <a:rPr lang="en-US" i="1" dirty="0" smtClean="0"/>
-              <a:t>man</a:t>
-            </a:r>
-            <a:r>
-              <a:rPr lang="en-US" dirty="0" smtClean="0"/>
-              <a:t> page.</a:t>
-            </a:r>
-          </a:p>
-          <a:p>
-            <a:endParaRPr lang="en-US" dirty="0" smtClean="0"/>
-          </a:p>
-          <a:p>
-            <a:r>
-              <a:rPr lang="en-US" dirty="0" smtClean="0"/>
-              <a:t>If you want to know where a program you use lives, you can </a:t>
-            </a:r>
-            <a:r>
-              <a:rPr lang="en-US" dirty="0" smtClean="0"/>
-              <a:t>use the </a:t>
-            </a:r>
-            <a:r>
-              <a:rPr lang="en-US" i="1" dirty="0" smtClean="0"/>
-              <a:t>which</a:t>
-            </a:r>
-            <a:r>
-              <a:rPr lang="en-US" dirty="0" smtClean="0"/>
-              <a:t> command, e.g.</a:t>
-            </a:r>
-          </a:p>
-          <a:p>
-            <a:endParaRPr lang="en-US" dirty="0" smtClean="0"/>
-          </a:p>
-          <a:p>
-            <a:r>
-              <a:rPr lang="en-US" b="1" dirty="0" smtClean="0"/>
-              <a:t>&gt; which </a:t>
-            </a:r>
-            <a:r>
-              <a:rPr lang="en-US" b="1" dirty="0" err="1" smtClean="0"/>
-              <a:t>ls</a:t>
+              <a:t>tvf</a:t>
             </a:r>
             <a:r>
               <a:rPr lang="en-US" b="1" dirty="0" smtClean="0"/>
               <a:t> </a:t>
             </a:r>
             <a:r>
-              <a:rPr lang="en-US" dirty="0" smtClean="0"/>
-              <a:t>  		</a:t>
-            </a:r>
-            <a:r>
-              <a:rPr lang="en-US" i="1" dirty="0" smtClean="0"/>
-              <a:t>//prints out /bin/</a:t>
-            </a:r>
-            <a:r>
-              <a:rPr lang="en-US" i="1" dirty="0" err="1" smtClean="0"/>
-              <a:t>ls</a:t>
-            </a:r>
-            <a:endParaRPr lang="en-US" i="1" dirty="0" smtClean="0"/>
-          </a:p>
-          <a:p>
-            <a:r>
-              <a:rPr lang="en-US" b="1" dirty="0" smtClean="0"/>
-              <a:t>&gt; which which </a:t>
-            </a:r>
-            <a:r>
-              <a:rPr lang="en-US" dirty="0" smtClean="0"/>
-              <a:t>		</a:t>
-            </a:r>
-            <a:r>
-              <a:rPr lang="en-US" i="1" dirty="0" smtClean="0"/>
-              <a:t>//prints out /</a:t>
-            </a:r>
-            <a:r>
-              <a:rPr lang="en-US" i="1" dirty="0" err="1" smtClean="0"/>
-              <a:t>usr</a:t>
-            </a:r>
-            <a:r>
-              <a:rPr lang="en-US" i="1" dirty="0" smtClean="0"/>
-              <a:t>/bin/which</a:t>
-            </a:r>
-          </a:p>
-          <a:p>
-            <a:endParaRPr lang="en-US" dirty="0" smtClean="0"/>
-          </a:p>
-          <a:p>
-            <a:endParaRPr lang="en-US" dirty="0" smtClean="0"/>
-          </a:p>
-          <a:p>
-            <a:endParaRPr lang="en-US" dirty="0" smtClean="0"/>
-          </a:p>
-          <a:p>
+              <a:rPr lang="en-US" b="1" dirty="0" err="1" smtClean="0"/>
+              <a:t>myArchive.tar</a:t>
+            </a:r>
             <a:r>
               <a:rPr lang="en-US" dirty="0" smtClean="0"/>
               <a:t> </a:t>
             </a:r>
+            <a:r>
+              <a:rPr lang="en-US" i="1" dirty="0" smtClean="0"/>
+              <a:t>//prints out what's in the archive without actually extracting</a:t>
+            </a:r>
+          </a:p>
+          <a:p>
+            <a:endParaRPr lang="en-US" dirty="0" smtClean="0"/>
+          </a:p>
+          <a:p>
+            <a:r>
+              <a:rPr lang="en-US" dirty="0" smtClean="0"/>
+              <a:t>There's an archiving program called "zip" (at least on OSX) which does the same thing as tar, except that it compresses the files as it goes (use "unzip" to extract and uncompress)</a:t>
+            </a:r>
+          </a:p>
+          <a:p>
+            <a:endParaRPr lang="en-US" dirty="0" smtClean="0"/>
+          </a:p>
+          <a:p>
+            <a:r>
+              <a:rPr lang="en-US" dirty="0" smtClean="0"/>
+              <a:t>There's also a "compress" command which will compress a .tar file (or any file). Compressed files have a .Z at the end of them. For instance, "</a:t>
+            </a:r>
+            <a:r>
+              <a:rPr lang="en-US" dirty="0" err="1" smtClean="0"/>
+              <a:t>myArchive.tar.Z</a:t>
+            </a:r>
+            <a:r>
+              <a:rPr lang="en-US" dirty="0" smtClean="0"/>
+              <a:t>". You use "uncompress" to uncompress the file.</a:t>
+            </a:r>
+          </a:p>
+          <a:p>
+            <a:endParaRPr lang="en-US" dirty="0" smtClean="0"/>
+          </a:p>
+          <a:p>
             <a:endParaRPr lang="en-US" dirty="0"/>
           </a:p>
         </p:txBody>
@@ -4547,13 +4192,6 @@
   <p:clrMapOvr>
     <a:masterClrMapping/>
   </p:clrMapOvr>
-  <p:timing>
-    <p:tnLst>
-      <p:par>
-        <p:cTn id="1" dur="indefinite" restart="never" nodeType="tmRoot"/>
-      </p:par>
-    </p:tnLst>
-  </p:timing>
 </p:sld>
 </file>
 
@@ -4591,11 +4229,7 @@
           <a:p>
             <a:r>
               <a:rPr lang="en-US" dirty="0" smtClean="0"/>
-              <a:t>Unix -</a:t>
-            </a:r>
-            <a:r>
-              <a:rPr lang="en-US" dirty="0" smtClean="0"/>
-              <a:t> Misc.</a:t>
+              <a:t>Editors</a:t>
             </a:r>
             <a:endParaRPr lang="en-US" dirty="0"/>
           </a:p>
@@ -4619,21 +4253,111 @@
             <a:endParaRPr lang="en-US" b="1" dirty="0" smtClean="0"/>
           </a:p>
           <a:p>
-            <a:endParaRPr lang="en-US" dirty="0" smtClean="0"/>
-          </a:p>
-          <a:p>
-            <a:r>
-              <a:rPr lang="en-US" dirty="0" smtClean="0"/>
-              <a:t>you can also get other command line programs or write your own. </a:t>
-            </a:r>
-          </a:p>
-          <a:p>
-            <a:endParaRPr lang="en-US" dirty="0" smtClean="0"/>
-          </a:p>
-          <a:p>
-            <a:r>
-              <a:rPr lang="en-US" dirty="0" err="1" smtClean="0"/>
-              <a:t>MacPorts</a:t>
+            <a:r>
+              <a:rPr lang="en-US" dirty="0" smtClean="0"/>
+              <a:t>from the </a:t>
+            </a:r>
+            <a:r>
+              <a:rPr lang="en-US" b="1" dirty="0" smtClean="0"/>
+              <a:t>terminal</a:t>
+            </a:r>
+            <a:r>
+              <a:rPr lang="en-US" dirty="0" smtClean="0"/>
+              <a:t>:</a:t>
+            </a:r>
+          </a:p>
+          <a:p>
+            <a:endParaRPr lang="en-US" dirty="0" smtClean="0"/>
+          </a:p>
+          <a:p>
+            <a:r>
+              <a:rPr lang="en-US" dirty="0" smtClean="0"/>
+              <a:t>cat </a:t>
+            </a:r>
+            <a:r>
+              <a:rPr lang="en-US" dirty="0" smtClean="0"/>
+              <a:t>&gt; </a:t>
+            </a:r>
+            <a:r>
+              <a:rPr lang="en-US" dirty="0" err="1" smtClean="0"/>
+              <a:t>filename.txt</a:t>
+            </a:r>
+            <a:r>
+              <a:rPr lang="en-US" dirty="0" smtClean="0"/>
+              <a:t>		= </a:t>
+            </a:r>
+            <a:r>
+              <a:rPr lang="en-US" dirty="0" smtClean="0"/>
+              <a:t>write from </a:t>
+            </a:r>
+            <a:r>
+              <a:rPr lang="en-US" dirty="0" err="1" smtClean="0"/>
+              <a:t>stdin</a:t>
+            </a:r>
+            <a:r>
+              <a:rPr lang="en-US" dirty="0" smtClean="0"/>
+              <a:t> into </a:t>
+            </a:r>
+            <a:r>
+              <a:rPr lang="en-US" dirty="0" err="1" smtClean="0"/>
+              <a:t>filename.txt</a:t>
+            </a:r>
+            <a:endParaRPr lang="en-US" dirty="0" smtClean="0"/>
+          </a:p>
+          <a:p>
+            <a:r>
+              <a:rPr lang="en-US" dirty="0" smtClean="0"/>
+              <a:t>cat </a:t>
+            </a:r>
+            <a:r>
+              <a:rPr lang="en-US" dirty="0" smtClean="0"/>
+              <a:t>&gt;&gt; </a:t>
+            </a:r>
+            <a:r>
+              <a:rPr lang="en-US" dirty="0" err="1" smtClean="0"/>
+              <a:t>filename.txt</a:t>
+            </a:r>
+            <a:r>
+              <a:rPr lang="en-US" dirty="0" smtClean="0"/>
+              <a:t>	= </a:t>
+            </a:r>
+            <a:r>
+              <a:rPr lang="en-US" dirty="0" smtClean="0"/>
+              <a:t>write from </a:t>
+            </a:r>
+            <a:r>
+              <a:rPr lang="en-US" dirty="0" err="1" smtClean="0"/>
+              <a:t>stdin</a:t>
+            </a:r>
+            <a:r>
+              <a:rPr lang="en-US" dirty="0" smtClean="0"/>
+              <a:t> into </a:t>
+            </a:r>
+            <a:r>
+              <a:rPr lang="en-US" dirty="0" err="1" smtClean="0"/>
+              <a:t>filename.txt</a:t>
+            </a:r>
+            <a:r>
+              <a:rPr lang="en-US" dirty="0" smtClean="0"/>
+              <a:t>, appending to it if there's</a:t>
+            </a:r>
+            <a:r>
+              <a:rPr lang="en-US" dirty="0" smtClean="0"/>
+              <a:t> 					  already </a:t>
+            </a:r>
+            <a:r>
+              <a:rPr lang="en-US" dirty="0" smtClean="0"/>
+              <a:t>stuff in </a:t>
+            </a:r>
+            <a:r>
+              <a:rPr lang="en-US" dirty="0" smtClean="0"/>
+              <a:t>there</a:t>
+            </a:r>
+          </a:p>
+          <a:p>
+            <a:r>
+              <a:rPr lang="en-US" dirty="0" err="1" smtClean="0"/>
+              <a:t>pico</a:t>
             </a:r>
             <a:r>
               <a:rPr lang="en-US" dirty="0" smtClean="0"/>
@@ -4641,19 +4365,137 @@
             </a:r>
             <a:r>
               <a:rPr lang="en-US" dirty="0" smtClean="0"/>
-              <a:t>(http://</a:t>
-            </a:r>
-            <a:r>
-              <a:rPr lang="en-US" dirty="0" err="1" smtClean="0"/>
-              <a:t>www.macports.org</a:t>
-            </a:r>
-            <a:r>
-              <a:rPr lang="en-US" dirty="0" smtClean="0"/>
-              <a:t>/) lets you download other command line programs for OSX. </a:t>
-            </a:r>
-            <a:r>
-              <a:rPr lang="en-US" dirty="0" err="1" smtClean="0"/>
-              <a:t>Cygwin</a:t>
+              <a:t>or </a:t>
+            </a:r>
+            <a:r>
+              <a:rPr lang="en-US" dirty="0" err="1" smtClean="0"/>
+              <a:t>nano</a:t>
+            </a:r>
+            <a:r>
+              <a:rPr lang="en-US" dirty="0" smtClean="0"/>
+              <a:t>			= </a:t>
+            </a:r>
+            <a:r>
+              <a:rPr lang="en-US" dirty="0" smtClean="0"/>
+              <a:t>simple terminal </a:t>
+            </a:r>
+            <a:r>
+              <a:rPr lang="en-US" dirty="0" smtClean="0"/>
+              <a:t>editor</a:t>
+            </a:r>
+          </a:p>
+          <a:p>
+            <a:r>
+              <a:rPr lang="en-US" dirty="0" smtClean="0"/>
+              <a:t>vi </a:t>
+            </a:r>
+            <a:r>
+              <a:rPr lang="en-US" dirty="0" smtClean="0"/>
+              <a:t>/ </a:t>
+            </a:r>
+            <a:r>
+              <a:rPr lang="en-US" dirty="0" smtClean="0"/>
+              <a:t>vim				= </a:t>
+            </a:r>
+            <a:r>
+              <a:rPr lang="en-US" dirty="0" smtClean="0"/>
+              <a:t>an editor with different modes </a:t>
+            </a:r>
+            <a:r>
+              <a:rPr lang="en-US" dirty="0" smtClean="0"/>
+              <a:t>(this is </a:t>
+            </a:r>
+            <a:r>
+              <a:rPr lang="en-US" dirty="0" smtClean="0"/>
+              <a:t>my main </a:t>
+            </a:r>
+            <a:r>
+              <a:rPr lang="en-US" dirty="0" smtClean="0"/>
+              <a:t>editor)</a:t>
+            </a:r>
+          </a:p>
+          <a:p>
+            <a:r>
+              <a:rPr lang="en-US" dirty="0" err="1" smtClean="0"/>
+              <a:t>emacs</a:t>
+            </a:r>
+            <a:r>
+              <a:rPr lang="en-US" dirty="0" smtClean="0"/>
+              <a:t>				= </a:t>
+            </a:r>
+            <a:r>
+              <a:rPr lang="en-US" dirty="0" smtClean="0"/>
+              <a:t>a more fully featured terminal </a:t>
+            </a:r>
+            <a:r>
+              <a:rPr lang="en-US" dirty="0" smtClean="0"/>
+              <a:t>editor</a:t>
+            </a:r>
+          </a:p>
+          <a:p>
+            <a:endParaRPr lang="en-US" dirty="0" smtClean="0"/>
+          </a:p>
+          <a:p>
+            <a:r>
+              <a:rPr lang="en-US" dirty="0" smtClean="0"/>
+              <a:t>from a </a:t>
+            </a:r>
+            <a:r>
+              <a:rPr lang="en-US" b="1" dirty="0" smtClean="0"/>
+              <a:t>GUI</a:t>
+            </a:r>
+            <a:r>
+              <a:rPr lang="en-US" dirty="0" smtClean="0"/>
+              <a:t>:</a:t>
+            </a:r>
+          </a:p>
+          <a:p>
+            <a:endParaRPr lang="en-US" dirty="0" smtClean="0"/>
+          </a:p>
+          <a:p>
+            <a:r>
+              <a:rPr lang="en-US" dirty="0" smtClean="0"/>
+              <a:t>Notepad, </a:t>
+            </a:r>
+            <a:r>
+              <a:rPr lang="en-US" dirty="0" err="1" smtClean="0"/>
+              <a:t>Wordpad</a:t>
+            </a:r>
+            <a:r>
+              <a:rPr lang="en-US" dirty="0" smtClean="0"/>
+              <a:t>, </a:t>
+            </a:r>
+            <a:r>
+              <a:rPr lang="en-US" dirty="0" err="1" smtClean="0"/>
+              <a:t>TextEdit</a:t>
+            </a:r>
+            <a:r>
+              <a:rPr lang="en-US" dirty="0" smtClean="0"/>
+              <a:t> 		= super basic </a:t>
+            </a:r>
+            <a:r>
+              <a:rPr lang="en-US" dirty="0" err="1" smtClean="0"/>
+              <a:t>gui</a:t>
+            </a:r>
+            <a:r>
+              <a:rPr lang="en-US" dirty="0" smtClean="0"/>
+              <a:t> editors</a:t>
+            </a:r>
+          </a:p>
+          <a:p>
+            <a:r>
+              <a:rPr lang="en-US" dirty="0" err="1" smtClean="0"/>
+              <a:t>TextMate</a:t>
+            </a:r>
+            <a:r>
+              <a:rPr lang="en-US" dirty="0" smtClean="0"/>
+              <a:t>, Text Wrangler, BBEdit 	= simple editors with nice stuff for programming</a:t>
+            </a:r>
+          </a:p>
+          <a:p>
+            <a:r>
+              <a:rPr lang="en-US" dirty="0" err="1" smtClean="0"/>
+              <a:t>gvim</a:t>
             </a:r>
             <a:r>
               <a:rPr lang="en-US" dirty="0" smtClean="0"/>
@@ -4661,134 +4503,40 @@
             </a:r>
             <a:r>
               <a:rPr lang="en-US" dirty="0" smtClean="0"/>
-              <a:t>(http://</a:t>
-            </a:r>
-            <a:r>
-              <a:rPr lang="en-US" dirty="0" err="1" smtClean="0"/>
-              <a:t>cygwin.com</a:t>
-            </a:r>
-            <a:r>
-              <a:rPr lang="en-US" dirty="0" smtClean="0"/>
-              <a:t>/) is a Linux emulator for Windows that is bundled with lots command line programs</a:t>
-            </a:r>
-          </a:p>
-          <a:p>
-            <a:endParaRPr lang="en-US" dirty="0" smtClean="0"/>
-          </a:p>
-          <a:p>
+              <a:t>(or </a:t>
+            </a:r>
+            <a:r>
+              <a:rPr lang="en-US" dirty="0" err="1" smtClean="0"/>
+              <a:t>macvim</a:t>
+            </a:r>
+            <a:r>
+              <a:rPr lang="en-US" dirty="0" smtClean="0"/>
+              <a:t>)				= graphical version of vim  </a:t>
+            </a:r>
+          </a:p>
+          <a:p>
+            <a:endParaRPr lang="en-US" dirty="0" smtClean="0"/>
+          </a:p>
+          <a:p>
+            <a:r>
+              <a:rPr lang="en-US" dirty="0" smtClean="0"/>
+              <a:t>via </a:t>
+            </a:r>
+            <a:r>
+              <a:rPr lang="en-US" dirty="0" smtClean="0"/>
+              <a:t>an</a:t>
+            </a:r>
             <a:r>
               <a:rPr lang="en-US" dirty="0" smtClean="0"/>
               <a:t> </a:t>
             </a:r>
-            <a:endParaRPr lang="en-US" dirty="0"/>
-          </a:p>
-        </p:txBody>
-      </p:sp>
-    </p:spTree>
-  </p:cSld>
-  <p:clrMapOvr>
-    <a:masterClrMapping/>
-  </p:clrMapOvr>
-  <p:timing>
-    <p:tnLst>
-      <p:par>
-        <p:cTn id="1" dur="indefinite" restart="never" nodeType="tmRoot"/>
-      </p:par>
-    </p:tnLst>
-  </p:timing>
-</p:sld>
-</file>
-
-<file path=ppt/slides/slide12.xml><?xml version="1.0" encoding="utf-8"?>
-<p:sld xmlns:a="http://schemas.openxmlformats.org/drawingml/2006/main" xmlns:r="http://schemas.openxmlformats.org/officeDocument/2006/relationships" xmlns:mc="http://schemas.openxmlformats.org/markup-compatibility/2006" xmlns:mv="urn:schemas-microsoft-com:mac:vml" xmlns:p="http://schemas.openxmlformats.org/presentationml/2006/main" mc:Ignorable="mv" mc:PreserveAttributes="mv:*">
-  <p:cSld>
-    <p:spTree>
-      <p:nvGrpSpPr>
-        <p:cNvPr id="1" name=""/>
-        <p:cNvGrpSpPr/>
-        <p:nvPr/>
-      </p:nvGrpSpPr>
-      <p:grpSpPr>
-        <a:xfrm>
-          <a:off x="0" y="0"/>
-          <a:ext cx="0" cy="0"/>
-          <a:chOff x="0" y="0"/>
-          <a:chExt cx="0" cy="0"/>
-        </a:xfrm>
-      </p:grpSpPr>
-      <p:sp>
-        <p:nvSpPr>
-          <p:cNvPr id="2" name="Title 1"/>
-          <p:cNvSpPr>
-            <a:spLocks noGrp="1"/>
-          </p:cNvSpPr>
-          <p:nvPr>
-            <p:ph type="title"/>
-          </p:nvPr>
-        </p:nvSpPr>
-        <p:spPr/>
-        <p:txBody>
-          <a:bodyPr/>
-          <a:lstStyle/>
-          <a:p>
-            <a:r>
-              <a:rPr lang="en-US" dirty="0" smtClean="0"/>
-              <a:t>Version Control System</a:t>
-            </a:r>
-            <a:endParaRPr lang="en-US" dirty="0"/>
-          </a:p>
-        </p:txBody>
-      </p:sp>
-      <p:sp>
-        <p:nvSpPr>
-          <p:cNvPr id="3" name="Content Placeholder 2"/>
-          <p:cNvSpPr>
-            <a:spLocks noGrp="1"/>
-          </p:cNvSpPr>
-          <p:nvPr>
-            <p:ph idx="1"/>
-          </p:nvPr>
-        </p:nvSpPr>
-        <p:spPr/>
-        <p:txBody>
-          <a:bodyPr/>
-          <a:lstStyle/>
-          <a:p>
-            <a:endParaRPr lang="en-US" dirty="0" smtClean="0"/>
-          </a:p>
-          <a:p>
-            <a:r>
-              <a:rPr lang="en-US" dirty="0" smtClean="0"/>
-              <a:t>A </a:t>
-            </a:r>
-            <a:r>
-              <a:rPr lang="en-US" dirty="0" smtClean="0"/>
-              <a:t>Version Control System, or VCS, is a useful system for managing projects.</a:t>
-            </a:r>
-          </a:p>
-          <a:p>
-            <a:endParaRPr lang="en-US" dirty="0" smtClean="0"/>
-          </a:p>
-          <a:p>
-            <a:r>
-              <a:rPr lang="en-US" dirty="0"/>
-              <a:t>-</a:t>
-            </a:r>
-            <a:r>
-              <a:rPr lang="en-US" dirty="0" smtClean="0"/>
-              <a:t> keeps track of all of your changes to a project</a:t>
-            </a:r>
-          </a:p>
-          <a:p>
-            <a:r>
-              <a:rPr lang="en-US" dirty="0" smtClean="0"/>
-              <a:t>- manages multiple people working on the same project</a:t>
-            </a:r>
-          </a:p>
-          <a:p>
-            <a:r>
-              <a:rPr lang="en-US" dirty="0" smtClean="0"/>
-              <a:t>- if used via a project hosting site, will</a:t>
+            <a:r>
+              <a:rPr lang="en-US" b="1" dirty="0" err="1" smtClean="0"/>
+              <a:t>Inegrated</a:t>
+            </a:r>
+            <a:r>
+              <a:rPr lang="en-US" b="1" dirty="0" smtClean="0"/>
+              <a:t> Development Environment</a:t>
             </a:r>
             <a:r>
               <a:rPr lang="en-US" dirty="0" smtClean="0"/>
@@ -4796,1785 +4544,74 @@
             </a:r>
             <a:r>
               <a:rPr lang="en-US" dirty="0" smtClean="0"/>
-              <a:t>provide a</a:t>
+              <a:t>(we'll start using </a:t>
+            </a:r>
+            <a:r>
+              <a:rPr lang="en-US" dirty="0" err="1" smtClean="0"/>
+              <a:t>IDEs</a:t>
+            </a:r>
+            <a:r>
+              <a:rPr lang="en-US" dirty="0" smtClean="0"/>
+              <a:t> later on...</a:t>
+            </a:r>
+            <a:r>
+              <a:rPr lang="en-US" dirty="0" smtClean="0"/>
+              <a:t>):</a:t>
+            </a:r>
+          </a:p>
+          <a:p>
+            <a:endParaRPr lang="en-US" dirty="0" smtClean="0"/>
+          </a:p>
+          <a:p>
+            <a:r>
+              <a:rPr lang="en-US" dirty="0" err="1" smtClean="0"/>
+              <a:t>XCode</a:t>
+            </a:r>
+            <a:r>
+              <a:rPr lang="en-US" dirty="0" smtClean="0"/>
+              <a:t>			= OS X, for C/C++/Objective-C/</a:t>
+            </a:r>
+            <a:r>
+              <a:rPr lang="en-US" dirty="0" err="1" smtClean="0"/>
+              <a:t>iPhone/iPad</a:t>
             </a:r>
             <a:r>
               <a:rPr lang="en-US" dirty="0" smtClean="0"/>
               <a:t> </a:t>
             </a:r>
-            <a:r>
-              <a:rPr lang="en-US" dirty="0" smtClean="0"/>
-              <a:t>backup your project</a:t>
-            </a:r>
-          </a:p>
-          <a:p>
-            <a:endParaRPr lang="en-US" dirty="0" smtClean="0"/>
-          </a:p>
-          <a:p>
-            <a:r>
-              <a:rPr lang="en-US" dirty="0" smtClean="0"/>
-              <a:t>Some examples of VCS systems: Bazaar (or </a:t>
-            </a:r>
-            <a:r>
-              <a:rPr lang="en-US" dirty="0" err="1" smtClean="0"/>
-              <a:t>bzr</a:t>
-            </a:r>
-            <a:r>
-              <a:rPr lang="en-US" dirty="0" smtClean="0"/>
-              <a:t>)</a:t>
-            </a:r>
-            <a:r>
-              <a:rPr lang="en-US" smtClean="0"/>
-              <a:t>, </a:t>
-            </a:r>
-            <a:r>
-              <a:rPr lang="en-US" smtClean="0"/>
-              <a:t>Mercurial </a:t>
-            </a:r>
-            <a:r>
-              <a:rPr lang="en-US" dirty="0" smtClean="0"/>
-              <a:t>(or Hg), </a:t>
-            </a:r>
-            <a:r>
-              <a:rPr lang="en-US" dirty="0" err="1"/>
-              <a:t>G</a:t>
-            </a:r>
-            <a:r>
-              <a:rPr lang="en-US" dirty="0" err="1" smtClean="0"/>
-              <a:t>it</a:t>
-            </a:r>
-            <a:r>
-              <a:rPr lang="en-US" dirty="0" smtClean="0"/>
-              <a:t> (written by inventor of </a:t>
-            </a:r>
-            <a:r>
-              <a:rPr lang="en-US" dirty="0"/>
-              <a:t>L</a:t>
-            </a:r>
-            <a:r>
-              <a:rPr lang="en-US" dirty="0" smtClean="0"/>
-              <a:t>inux), Subversion (or </a:t>
-            </a:r>
-            <a:r>
-              <a:rPr lang="en-US" dirty="0" err="1" smtClean="0"/>
-              <a:t>svn</a:t>
-            </a:r>
-            <a:r>
-              <a:rPr lang="en-US" dirty="0" smtClean="0"/>
-              <a:t>), CVS (totally outdated)</a:t>
-            </a:r>
-          </a:p>
-          <a:p>
-            <a:endParaRPr lang="en-US" dirty="0" smtClean="0"/>
-          </a:p>
-          <a:p>
-            <a:r>
-              <a:rPr lang="en-US" dirty="0" smtClean="0"/>
-              <a:t>Some examples of free project hosting sites: </a:t>
-            </a:r>
-            <a:r>
-              <a:rPr lang="en-US" dirty="0" err="1" smtClean="0"/>
-              <a:t>github.com</a:t>
-            </a:r>
-            <a:r>
-              <a:rPr lang="en-US" dirty="0" smtClean="0"/>
-              <a:t> (for </a:t>
-            </a:r>
-            <a:r>
-              <a:rPr lang="en-US" dirty="0" err="1" smtClean="0"/>
-              <a:t>git</a:t>
-            </a:r>
-            <a:r>
-              <a:rPr lang="en-US" dirty="0" smtClean="0"/>
-              <a:t>), </a:t>
-            </a:r>
-            <a:r>
-              <a:rPr lang="en-US" dirty="0"/>
-              <a:t>G</a:t>
-            </a:r>
-            <a:r>
-              <a:rPr lang="en-US" dirty="0" smtClean="0"/>
-              <a:t>oogle Code (supports </a:t>
-            </a:r>
-            <a:r>
-              <a:rPr lang="en-US" dirty="0" err="1" smtClean="0"/>
-              <a:t>svn</a:t>
-            </a:r>
-            <a:r>
-              <a:rPr lang="en-US" dirty="0" smtClean="0"/>
-              <a:t> and Hg), </a:t>
-            </a:r>
-            <a:r>
-              <a:rPr lang="en-US" dirty="0" err="1" smtClean="0"/>
-              <a:t>launchpad.com</a:t>
-            </a:r>
-            <a:r>
-              <a:rPr lang="en-US" dirty="0" smtClean="0"/>
-              <a:t> (for </a:t>
-            </a:r>
-            <a:r>
-              <a:rPr lang="en-US" dirty="0" err="1" smtClean="0"/>
-              <a:t>bzr</a:t>
-            </a:r>
-            <a:r>
-              <a:rPr lang="en-US" dirty="0" smtClean="0"/>
-              <a:t>), </a:t>
-            </a:r>
-            <a:r>
-              <a:rPr lang="en-US" dirty="0" err="1" smtClean="0"/>
-              <a:t>sourceforge.net</a:t>
-            </a:r>
-            <a:r>
-              <a:rPr lang="en-US" dirty="0" smtClean="0"/>
-              <a:t> (for everything), </a:t>
-            </a:r>
-            <a:r>
-              <a:rPr lang="en-US" dirty="0" err="1" smtClean="0"/>
-              <a:t>gitorious.com</a:t>
-            </a:r>
-            <a:r>
-              <a:rPr lang="en-US" dirty="0" smtClean="0"/>
-              <a:t> (</a:t>
-            </a:r>
-            <a:r>
-              <a:rPr lang="en-US" dirty="0" err="1" smtClean="0"/>
-              <a:t>git</a:t>
-            </a:r>
-            <a:r>
-              <a:rPr lang="en-US" dirty="0" smtClean="0"/>
-              <a:t>), </a:t>
-            </a:r>
-            <a:r>
-              <a:rPr lang="en-US" dirty="0" err="1" smtClean="0"/>
-              <a:t>bitbucket.com</a:t>
-            </a:r>
-            <a:r>
-              <a:rPr lang="en-US" dirty="0" smtClean="0"/>
-              <a:t> (Hg), lots of others.</a:t>
-            </a:r>
-          </a:p>
-          <a:p>
-            <a:endParaRPr lang="en-US" dirty="0" smtClean="0"/>
-          </a:p>
-          <a:p>
-            <a:r>
-              <a:rPr lang="en-US" dirty="0" smtClean="0"/>
-              <a:t>Also, The MAT servers have </a:t>
-            </a:r>
-            <a:r>
-              <a:rPr lang="en-US" dirty="0" err="1" smtClean="0"/>
-              <a:t>git</a:t>
-            </a:r>
-            <a:r>
-              <a:rPr lang="en-US" dirty="0" smtClean="0"/>
-              <a:t> and </a:t>
-            </a:r>
-            <a:r>
-              <a:rPr lang="en-US" dirty="0" err="1" smtClean="0"/>
-              <a:t>svn</a:t>
-            </a:r>
-            <a:r>
-              <a:rPr lang="en-US" dirty="0" smtClean="0"/>
-              <a:t> installed. Larry </a:t>
-            </a:r>
-            <a:r>
-              <a:rPr lang="en-US" dirty="0" err="1" smtClean="0"/>
-              <a:t>Zins</a:t>
-            </a:r>
-            <a:r>
-              <a:rPr lang="en-US" dirty="0" smtClean="0"/>
-              <a:t> can set up a project hosting repo and a front end wiki/bug-tracker called "</a:t>
-            </a:r>
-            <a:r>
-              <a:rPr lang="en-US" dirty="0" err="1" smtClean="0"/>
-              <a:t>Trac</a:t>
-            </a:r>
-            <a:r>
-              <a:rPr lang="en-US" dirty="0" smtClean="0"/>
-              <a:t>" if you want.</a:t>
-            </a:r>
-          </a:p>
-          <a:p>
-            <a:endParaRPr lang="en-US" dirty="0" smtClean="0"/>
-          </a:p>
-          <a:p>
-            <a:r>
-              <a:rPr lang="en-US" dirty="0" smtClean="0"/>
-              <a:t>	</a:t>
-            </a:r>
-          </a:p>
-          <a:p>
-            <a:endParaRPr lang="en-US" dirty="0" smtClean="0"/>
-          </a:p>
-          <a:p>
-            <a:endParaRPr lang="en-US" dirty="0"/>
-          </a:p>
-        </p:txBody>
-      </p:sp>
-    </p:spTree>
-  </p:cSld>
-  <p:clrMapOvr>
-    <a:masterClrMapping/>
-  </p:clrMapOvr>
-  <p:timing>
-    <p:tnLst>
-      <p:par>
-        <p:cTn id="1" dur="indefinite" restart="never" nodeType="tmRoot"/>
-      </p:par>
-    </p:tnLst>
-  </p:timing>
-</p:sld>
-</file>
-
-<file path=ppt/slides/slide13.xml><?xml version="1.0" encoding="utf-8"?>
-<p:sld xmlns:a="http://schemas.openxmlformats.org/drawingml/2006/main" xmlns:r="http://schemas.openxmlformats.org/officeDocument/2006/relationships" xmlns:mc="http://schemas.openxmlformats.org/markup-compatibility/2006" xmlns:mv="urn:schemas-microsoft-com:mac:vml" xmlns:p="http://schemas.openxmlformats.org/presentationml/2006/main" mc:Ignorable="mv" mc:PreserveAttributes="mv:*">
-  <p:cSld>
-    <p:spTree>
-      <p:nvGrpSpPr>
-        <p:cNvPr id="1" name=""/>
-        <p:cNvGrpSpPr/>
-        <p:nvPr/>
-      </p:nvGrpSpPr>
-      <p:grpSpPr>
-        <a:xfrm>
-          <a:off x="0" y="0"/>
-          <a:ext cx="0" cy="0"/>
-          <a:chOff x="0" y="0"/>
-          <a:chExt cx="0" cy="0"/>
-        </a:xfrm>
-      </p:grpSpPr>
-      <p:sp>
-        <p:nvSpPr>
-          <p:cNvPr id="2" name="Title 1"/>
-          <p:cNvSpPr>
-            <a:spLocks noGrp="1"/>
-          </p:cNvSpPr>
-          <p:nvPr>
-            <p:ph type="title"/>
-          </p:nvPr>
-        </p:nvSpPr>
-        <p:spPr/>
-        <p:txBody>
-          <a:bodyPr/>
-          <a:lstStyle/>
-          <a:p>
-            <a:r>
-              <a:rPr lang="en-US" dirty="0" err="1" smtClean="0"/>
-              <a:t>git</a:t>
-            </a:r>
-            <a:endParaRPr lang="en-US" dirty="0"/>
-          </a:p>
-        </p:txBody>
-      </p:sp>
-      <p:sp>
-        <p:nvSpPr>
-          <p:cNvPr id="3" name="Content Placeholder 2"/>
-          <p:cNvSpPr>
-            <a:spLocks noGrp="1"/>
-          </p:cNvSpPr>
-          <p:nvPr>
-            <p:ph idx="1"/>
-          </p:nvPr>
-        </p:nvSpPr>
-        <p:spPr/>
-        <p:txBody>
-          <a:bodyPr/>
-          <a:lstStyle/>
-          <a:p>
-            <a:endParaRPr lang="en-US" dirty="0" smtClean="0"/>
-          </a:p>
-          <a:p>
-            <a:r>
-              <a:rPr lang="en-US" dirty="0" smtClean="0"/>
-              <a:t>We will all be using </a:t>
-            </a:r>
-            <a:r>
-              <a:rPr lang="en-US" b="1" dirty="0" err="1" smtClean="0"/>
-              <a:t>git</a:t>
-            </a:r>
-            <a:r>
-              <a:rPr lang="en-US" dirty="0" smtClean="0"/>
-              <a:t> in this course.</a:t>
-            </a:r>
-          </a:p>
-          <a:p>
-            <a:endParaRPr lang="en-US" dirty="0" smtClean="0"/>
-          </a:p>
-          <a:p>
-            <a:r>
-              <a:rPr lang="en-US" dirty="0" err="1" smtClean="0"/>
-              <a:t>git</a:t>
-            </a:r>
-            <a:r>
-              <a:rPr lang="en-US" dirty="0" smtClean="0"/>
-              <a:t> is a fast, distributed VCS, also known as </a:t>
-            </a:r>
-            <a:r>
-              <a:rPr lang="en-US" dirty="0"/>
-              <a:t>a</a:t>
-            </a:r>
-            <a:r>
-              <a:rPr lang="en-US" dirty="0" smtClean="0"/>
-              <a:t> DVCS (distributed version control system), or SCM (source control manager)</a:t>
-            </a:r>
-          </a:p>
-          <a:p>
-            <a:endParaRPr lang="en-US" dirty="0" smtClean="0"/>
-          </a:p>
-          <a:p>
-            <a:r>
-              <a:rPr lang="en-US" dirty="0" smtClean="0"/>
-              <a:t>"Distributed" </a:t>
-            </a:r>
-            <a:r>
-              <a:rPr lang="en-US" dirty="0"/>
-              <a:t>=</a:t>
-            </a:r>
-            <a:r>
-              <a:rPr lang="en-US" dirty="0" smtClean="0"/>
-              <a:t> there is not necessarily one single place that controls the project.</a:t>
-            </a:r>
-          </a:p>
-          <a:p>
-            <a:endParaRPr lang="en-US" dirty="0" smtClean="0"/>
-          </a:p>
-          <a:p>
-            <a:r>
-              <a:rPr lang="en-US" dirty="0" smtClean="0"/>
-              <a:t>Can work on your code offline, keep track of all your changes, and then push it to the other "clones" of the project when you are back online</a:t>
-            </a:r>
-          </a:p>
-          <a:p>
-            <a:endParaRPr lang="en-US" dirty="0" smtClean="0"/>
-          </a:p>
-          <a:p>
-            <a:r>
-              <a:rPr lang="en-US" dirty="0" smtClean="0"/>
-              <a:t>makes it very easy to merge changes to the project by different users, even if they are working on the same file</a:t>
-            </a:r>
-          </a:p>
-          <a:p>
-            <a:endParaRPr lang="en-US" dirty="0" smtClean="0"/>
-          </a:p>
-          <a:p>
-            <a:r>
-              <a:rPr lang="en-US" dirty="0" smtClean="0"/>
-              <a:t>General workflow:</a:t>
-            </a:r>
-          </a:p>
-          <a:p>
-            <a:r>
-              <a:rPr lang="en-US" i="1" dirty="0" smtClean="0"/>
-              <a:t>	pull from remote repo 	</a:t>
-            </a:r>
-            <a:r>
-              <a:rPr lang="en-US" i="1" dirty="0" err="1" smtClean="0">
-                <a:latin typeface="Wingdings"/>
-                <a:ea typeface="Wingdings"/>
-                <a:cs typeface="Wingdings"/>
-              </a:rPr>
-              <a:t></a:t>
-            </a:r>
-            <a:r>
-              <a:rPr lang="en-US" i="1" dirty="0" smtClean="0">
-                <a:latin typeface="Wingdings"/>
-                <a:ea typeface="Wingdings"/>
-                <a:cs typeface="Wingdings"/>
-              </a:rPr>
+          </a:p>
+          <a:p>
+            <a:r>
+              <a:rPr lang="en-US" dirty="0" smtClean="0"/>
+              <a:t>Eclipse			= cross platform, mainly for Java and JVM languages, web languages</a:t>
+            </a:r>
+          </a:p>
+          <a:p>
+            <a:r>
+              <a:rPr lang="en-US" dirty="0" smtClean="0"/>
+              <a:t>V</a:t>
+            </a:r>
+            <a:r>
+              <a:rPr lang="en-US" dirty="0" smtClean="0"/>
+              <a:t>isual Studio		= Windows, .NET languages</a:t>
+            </a:r>
+          </a:p>
+          <a:p>
+            <a:r>
+              <a:rPr lang="en-US" dirty="0" err="1" smtClean="0"/>
+              <a:t>Netbeans</a:t>
+            </a:r>
+            <a:r>
+              <a:rPr lang="en-US" dirty="0" smtClean="0"/>
+              <a:t>			= cross platform, mainly Java and JVM, gnu C/C++, web languages </a:t>
+            </a:r>
+            <a:endParaRPr lang="en-US" dirty="0" smtClean="0"/>
+          </a:p>
+          <a:p>
+            <a:r>
+              <a:rPr lang="en-US" dirty="0" smtClean="0"/>
               <a:t> </a:t>
             </a:r>
-          </a:p>
-          <a:p>
-            <a:r>
-              <a:rPr lang="en-US" i="1" dirty="0" smtClean="0"/>
-              <a:t>	edit local code 		</a:t>
-            </a:r>
-            <a:r>
-              <a:rPr lang="en-US" i="1" dirty="0" err="1" smtClean="0">
-                <a:latin typeface="Wingdings"/>
-                <a:ea typeface="Wingdings"/>
-                <a:cs typeface="Wingdings"/>
-              </a:rPr>
-              <a:t></a:t>
-            </a:r>
-            <a:r>
-              <a:rPr lang="en-US" i="1" dirty="0" smtClean="0">
-                <a:latin typeface="Wingdings"/>
-                <a:ea typeface="Wingdings"/>
-                <a:cs typeface="Wingdings"/>
-              </a:rPr>
-              <a:t> </a:t>
-            </a:r>
-          </a:p>
-          <a:p>
-            <a:r>
-              <a:rPr lang="en-US" i="1" dirty="0" smtClean="0"/>
-              <a:t>	commit to local repo 	</a:t>
-            </a:r>
-            <a:r>
-              <a:rPr lang="en-US" i="1" dirty="0" err="1" smtClean="0">
-                <a:latin typeface="Wingdings"/>
-                <a:ea typeface="Wingdings"/>
-                <a:cs typeface="Wingdings"/>
-              </a:rPr>
-              <a:t></a:t>
-            </a:r>
-            <a:r>
-              <a:rPr lang="en-US" i="1" dirty="0" smtClean="0">
-                <a:latin typeface="Wingdings"/>
-                <a:ea typeface="Wingdings"/>
-                <a:cs typeface="Wingdings"/>
-              </a:rPr>
-              <a:t> </a:t>
-            </a:r>
-          </a:p>
-          <a:p>
-            <a:r>
-              <a:rPr lang="en-US" i="1" dirty="0" smtClean="0"/>
-              <a:t>	push to remote repos 	</a:t>
-            </a:r>
-            <a:r>
-              <a:rPr lang="en-US" i="1" dirty="0" err="1" smtClean="0">
-                <a:latin typeface="Wingdings"/>
-                <a:ea typeface="Wingdings"/>
-                <a:cs typeface="Wingdings"/>
-              </a:rPr>
-              <a:t></a:t>
-            </a:r>
-            <a:endParaRPr lang="en-US" i="1" dirty="0" smtClean="0"/>
-          </a:p>
-          <a:p>
-            <a:r>
-              <a:rPr lang="en-US" i="1" dirty="0" smtClean="0"/>
-              <a:t>	</a:t>
-            </a:r>
-          </a:p>
-          <a:p>
-            <a:r>
-              <a:rPr lang="en-US" dirty="0" smtClean="0"/>
-              <a:t>	</a:t>
-            </a:r>
-          </a:p>
-          <a:p>
-            <a:endParaRPr lang="en-US" dirty="0" smtClean="0"/>
-          </a:p>
-          <a:p>
-            <a:endParaRPr lang="en-US" dirty="0"/>
-          </a:p>
-        </p:txBody>
-      </p:sp>
-    </p:spTree>
-  </p:cSld>
-  <p:clrMapOvr>
-    <a:masterClrMapping/>
-  </p:clrMapOvr>
-  <p:timing>
-    <p:tnLst>
-      <p:par>
-        <p:cTn id="1" dur="indefinite" restart="never" nodeType="tmRoot"/>
-      </p:par>
-    </p:tnLst>
-  </p:timing>
-</p:sld>
-</file>
-
-<file path=ppt/slides/slide14.xml><?xml version="1.0" encoding="utf-8"?>
-<p:sld xmlns:a="http://schemas.openxmlformats.org/drawingml/2006/main" xmlns:r="http://schemas.openxmlformats.org/officeDocument/2006/relationships" xmlns:mc="http://schemas.openxmlformats.org/markup-compatibility/2006" xmlns:mv="urn:schemas-microsoft-com:mac:vml" xmlns:p="http://schemas.openxmlformats.org/presentationml/2006/main" mc:Ignorable="mv" mc:PreserveAttributes="mv:*">
-  <p:cSld>
-    <p:spTree>
-      <p:nvGrpSpPr>
-        <p:cNvPr id="1" name=""/>
-        <p:cNvGrpSpPr/>
-        <p:nvPr/>
-      </p:nvGrpSpPr>
-      <p:grpSpPr>
-        <a:xfrm>
-          <a:off x="0" y="0"/>
-          <a:ext cx="0" cy="0"/>
-          <a:chOff x="0" y="0"/>
-          <a:chExt cx="0" cy="0"/>
-        </a:xfrm>
-      </p:grpSpPr>
-      <p:sp>
-        <p:nvSpPr>
-          <p:cNvPr id="2" name="Title 1"/>
-          <p:cNvSpPr>
-            <a:spLocks noGrp="1"/>
-          </p:cNvSpPr>
-          <p:nvPr>
-            <p:ph type="title"/>
-          </p:nvPr>
-        </p:nvSpPr>
-        <p:spPr/>
-        <p:txBody>
-          <a:bodyPr/>
-          <a:lstStyle/>
-          <a:p>
-            <a:r>
-              <a:rPr lang="en-US" dirty="0" err="1" smtClean="0"/>
-              <a:t>git</a:t>
-            </a:r>
-            <a:r>
-              <a:rPr lang="en-US" dirty="0" smtClean="0"/>
-              <a:t> -</a:t>
-            </a:r>
-            <a:r>
-              <a:rPr lang="en-US" dirty="0" smtClean="0"/>
-              <a:t> </a:t>
-            </a:r>
-            <a:r>
-              <a:rPr lang="en-US" dirty="0" smtClean="0"/>
-              <a:t>B</a:t>
-            </a:r>
-            <a:r>
-              <a:rPr lang="en-US" dirty="0" smtClean="0"/>
-              <a:t>asic </a:t>
-            </a:r>
-            <a:r>
-              <a:rPr lang="en-US" dirty="0" smtClean="0"/>
-              <a:t>C</a:t>
-            </a:r>
-            <a:r>
-              <a:rPr lang="en-US" dirty="0" smtClean="0"/>
-              <a:t>ommands</a:t>
-            </a:r>
-            <a:endParaRPr lang="en-US" dirty="0"/>
-          </a:p>
-        </p:txBody>
-      </p:sp>
-      <p:sp>
-        <p:nvSpPr>
-          <p:cNvPr id="3" name="Content Placeholder 2"/>
-          <p:cNvSpPr>
-            <a:spLocks noGrp="1"/>
-          </p:cNvSpPr>
-          <p:nvPr>
-            <p:ph idx="1"/>
-          </p:nvPr>
-        </p:nvSpPr>
-        <p:spPr/>
-        <p:txBody>
-          <a:bodyPr/>
-          <a:lstStyle/>
-          <a:p>
-            <a:endParaRPr lang="en-US" b="1" dirty="0" smtClean="0"/>
-          </a:p>
-          <a:p>
-            <a:r>
-              <a:rPr lang="en-US" b="1" dirty="0" smtClean="0"/>
-              <a:t>clone </a:t>
-            </a:r>
-            <a:r>
-              <a:rPr lang="en-US" b="1" dirty="0" smtClean="0"/>
-              <a:t>a repository:</a:t>
-            </a:r>
-          </a:p>
-          <a:p>
-            <a:r>
-              <a:rPr lang="en-US" dirty="0" smtClean="0"/>
-              <a:t>&gt; </a:t>
-            </a:r>
-            <a:r>
-              <a:rPr lang="en-US" dirty="0" err="1" smtClean="0"/>
-              <a:t>git</a:t>
-            </a:r>
-            <a:r>
-              <a:rPr lang="en-US" dirty="0" smtClean="0"/>
-              <a:t> clone git://github.com/angusforbes/MAT201B_F2010.git</a:t>
-            </a:r>
-          </a:p>
-          <a:p>
-            <a:r>
-              <a:rPr lang="en-US" dirty="0" smtClean="0"/>
-              <a:t>	</a:t>
-            </a:r>
-            <a:r>
-              <a:rPr lang="en-US" i="1" dirty="0" smtClean="0"/>
-              <a:t>//downloads a copy of the course website repository into a local directory</a:t>
-            </a:r>
-          </a:p>
-          <a:p>
-            <a:endParaRPr lang="en-US" dirty="0" smtClean="0"/>
-          </a:p>
-          <a:p>
-            <a:r>
-              <a:rPr lang="en-US" b="1" dirty="0" smtClean="0"/>
-              <a:t>add a new file "</a:t>
-            </a:r>
-            <a:r>
-              <a:rPr lang="en-US" b="1" dirty="0" err="1" smtClean="0"/>
-              <a:t>newfile.txt</a:t>
-            </a:r>
-            <a:r>
-              <a:rPr lang="en-US" b="1" dirty="0" smtClean="0"/>
-              <a:t>" to the staging area of the local repo:</a:t>
-            </a:r>
-          </a:p>
-          <a:p>
-            <a:r>
-              <a:rPr lang="en-US" dirty="0" smtClean="0"/>
-              <a:t>&gt; </a:t>
-            </a:r>
-            <a:r>
-              <a:rPr lang="en-US" dirty="0" err="1" smtClean="0"/>
-              <a:t>git</a:t>
-            </a:r>
-            <a:r>
-              <a:rPr lang="en-US" dirty="0" smtClean="0"/>
-              <a:t> add "</a:t>
-            </a:r>
-            <a:r>
-              <a:rPr lang="en-US" dirty="0" err="1" smtClean="0"/>
-              <a:t>newfile.txt</a:t>
-            </a:r>
-            <a:r>
-              <a:rPr lang="en-US" dirty="0" smtClean="0"/>
-              <a:t>"</a:t>
-            </a:r>
-          </a:p>
-          <a:p>
-            <a:endParaRPr lang="en-US" dirty="0" smtClean="0"/>
-          </a:p>
-          <a:p>
-            <a:r>
-              <a:rPr lang="en-US" b="1" dirty="0" smtClean="0"/>
-              <a:t>commit the file to the local repo:</a:t>
-            </a:r>
-          </a:p>
-          <a:p>
-            <a:r>
-              <a:rPr lang="en-US" b="1" dirty="0" smtClean="0"/>
-              <a:t>&gt;</a:t>
-            </a:r>
-            <a:r>
-              <a:rPr lang="en-US" dirty="0" smtClean="0"/>
-              <a:t> </a:t>
-            </a:r>
-            <a:r>
-              <a:rPr lang="en-US" dirty="0" err="1" smtClean="0"/>
-              <a:t>git</a:t>
-            </a:r>
-            <a:r>
-              <a:rPr lang="en-US" dirty="0" smtClean="0"/>
-              <a:t> commit "</a:t>
-            </a:r>
-            <a:r>
-              <a:rPr lang="en-US" dirty="0" err="1" smtClean="0"/>
-              <a:t>newfile.txt</a:t>
-            </a:r>
-            <a:r>
-              <a:rPr lang="en-US" dirty="0" smtClean="0"/>
-              <a:t>"			 //</a:t>
-            </a:r>
-            <a:r>
-              <a:rPr lang="en-US" i="1" dirty="0" smtClean="0"/>
-              <a:t>open an editor for you to describe changes</a:t>
-            </a:r>
-          </a:p>
-          <a:p>
-            <a:r>
-              <a:rPr lang="en-US" dirty="0" smtClean="0"/>
-              <a:t>&gt; </a:t>
-            </a:r>
-            <a:r>
-              <a:rPr lang="en-US" dirty="0" err="1" smtClean="0"/>
-              <a:t>git</a:t>
-            </a:r>
-            <a:r>
-              <a:rPr lang="en-US" dirty="0" smtClean="0"/>
-              <a:t> commit -</a:t>
-            </a:r>
-            <a:r>
-              <a:rPr lang="en-US" dirty="0" err="1" smtClean="0"/>
-              <a:t>m</a:t>
-            </a:r>
-            <a:r>
-              <a:rPr lang="en-US" dirty="0" smtClean="0"/>
-              <a:t> "my message" </a:t>
-            </a:r>
-            <a:r>
-              <a:rPr lang="en-US" dirty="0" err="1" smtClean="0"/>
-              <a:t>file.txt</a:t>
-            </a:r>
-            <a:r>
-              <a:rPr lang="en-US" dirty="0" smtClean="0"/>
-              <a:t>	 //</a:t>
-            </a:r>
-            <a:r>
-              <a:rPr lang="en-US" i="1" dirty="0" smtClean="0"/>
-              <a:t>commits file with a message describing changes</a:t>
-            </a:r>
-          </a:p>
-          <a:p>
-            <a:endParaRPr lang="en-US" b="1" dirty="0" smtClean="0"/>
-          </a:p>
-          <a:p>
-            <a:r>
-              <a:rPr lang="en-US" b="1" dirty="0" smtClean="0"/>
-              <a:t>at anytime you can check the status of your local repository:</a:t>
-            </a:r>
-          </a:p>
-          <a:p>
-            <a:r>
-              <a:rPr lang="en-US" dirty="0" smtClean="0"/>
-              <a:t>&gt; </a:t>
-            </a:r>
-            <a:r>
-              <a:rPr lang="en-US" dirty="0" err="1" smtClean="0"/>
-              <a:t>git</a:t>
-            </a:r>
-            <a:r>
-              <a:rPr lang="en-US" dirty="0" smtClean="0"/>
-              <a:t> status </a:t>
-            </a:r>
-          </a:p>
-          <a:p>
-            <a:r>
-              <a:rPr lang="en-US" dirty="0" smtClean="0"/>
-              <a:t>	//will tell you if there are files in the repo that are not in the staging area,</a:t>
-            </a:r>
-          </a:p>
-          <a:p>
-            <a:r>
-              <a:rPr lang="en-US" dirty="0" smtClean="0"/>
-              <a:t>	//if there are files in the staging area that are not committed,</a:t>
-            </a:r>
-          </a:p>
-          <a:p>
-            <a:r>
-              <a:rPr lang="en-US" dirty="0" smtClean="0"/>
-              <a:t>	//and how out-of-synch your local repo is from where you cloned it from</a:t>
-            </a:r>
-          </a:p>
-          <a:p>
-            <a:r>
-              <a:rPr lang="en-US" dirty="0" smtClean="0"/>
-              <a:t> </a:t>
-            </a:r>
-          </a:p>
-          <a:p>
-            <a:r>
-              <a:rPr lang="en-US" b="1" dirty="0" smtClean="0"/>
-              <a:t>push your changes to the remote "origin" repository (if you are allowed!):</a:t>
-            </a:r>
-          </a:p>
-          <a:p>
-            <a:r>
-              <a:rPr lang="en-US" dirty="0" smtClean="0"/>
-              <a:t>&gt; </a:t>
-            </a:r>
-            <a:r>
-              <a:rPr lang="en-US" dirty="0" err="1" smtClean="0"/>
-              <a:t>git</a:t>
-            </a:r>
-            <a:r>
-              <a:rPr lang="en-US" dirty="0" smtClean="0"/>
-              <a:t> push origin</a:t>
-            </a:r>
-          </a:p>
-          <a:p>
-            <a:endParaRPr lang="en-US" dirty="0" smtClean="0"/>
-          </a:p>
-          <a:p>
-            <a:r>
-              <a:rPr lang="en-US" b="1" dirty="0" smtClean="0"/>
-              <a:t>pull other peoples changes to your local repository:</a:t>
-            </a:r>
-          </a:p>
-          <a:p>
-            <a:r>
-              <a:rPr lang="en-US" dirty="0" smtClean="0"/>
-              <a:t>&gt; </a:t>
-            </a:r>
-            <a:r>
-              <a:rPr lang="en-US" dirty="0" err="1" smtClean="0"/>
-              <a:t>git</a:t>
-            </a:r>
-            <a:r>
-              <a:rPr lang="en-US" dirty="0" smtClean="0"/>
-              <a:t> pull origin</a:t>
-            </a:r>
-          </a:p>
-          <a:p>
-            <a:endParaRPr lang="en-US" dirty="0"/>
-          </a:p>
-        </p:txBody>
-      </p:sp>
-    </p:spTree>
-  </p:cSld>
-  <p:clrMapOvr>
-    <a:masterClrMapping/>
-  </p:clrMapOvr>
-  <p:timing>
-    <p:tnLst>
-      <p:par>
-        <p:cTn id="1" dur="indefinite" restart="never" nodeType="tmRoot"/>
-      </p:par>
-    </p:tnLst>
-  </p:timing>
-</p:sld>
-</file>
-
-<file path=ppt/slides/slide15.xml><?xml version="1.0" encoding="utf-8"?>
-<p:sld xmlns:a="http://schemas.openxmlformats.org/drawingml/2006/main" xmlns:r="http://schemas.openxmlformats.org/officeDocument/2006/relationships" xmlns:mc="http://schemas.openxmlformats.org/markup-compatibility/2006" xmlns:mv="urn:schemas-microsoft-com:mac:vml" xmlns:p="http://schemas.openxmlformats.org/presentationml/2006/main" mc:Ignorable="mv" mc:PreserveAttributes="mv:*">
-  <p:cSld>
-    <p:spTree>
-      <p:nvGrpSpPr>
-        <p:cNvPr id="1" name=""/>
-        <p:cNvGrpSpPr/>
-        <p:nvPr/>
-      </p:nvGrpSpPr>
-      <p:grpSpPr>
-        <a:xfrm>
-          <a:off x="0" y="0"/>
-          <a:ext cx="0" cy="0"/>
-          <a:chOff x="0" y="0"/>
-          <a:chExt cx="0" cy="0"/>
-        </a:xfrm>
-      </p:grpSpPr>
-      <p:sp>
-        <p:nvSpPr>
-          <p:cNvPr id="2" name="Title 1"/>
-          <p:cNvSpPr>
-            <a:spLocks noGrp="1"/>
-          </p:cNvSpPr>
-          <p:nvPr>
-            <p:ph type="title"/>
-          </p:nvPr>
-        </p:nvSpPr>
-        <p:spPr/>
-        <p:txBody>
-          <a:bodyPr/>
-          <a:lstStyle/>
-          <a:p>
-            <a:r>
-              <a:rPr lang="en-US" dirty="0" err="1" smtClean="0"/>
-              <a:t>github.com</a:t>
-            </a:r>
-            <a:endParaRPr lang="en-US" dirty="0"/>
-          </a:p>
-        </p:txBody>
-      </p:sp>
-      <p:sp>
-        <p:nvSpPr>
-          <p:cNvPr id="3" name="Content Placeholder 2"/>
-          <p:cNvSpPr>
-            <a:spLocks noGrp="1"/>
-          </p:cNvSpPr>
-          <p:nvPr>
-            <p:ph idx="1"/>
-          </p:nvPr>
-        </p:nvSpPr>
-        <p:spPr/>
-        <p:txBody>
-          <a:bodyPr/>
-          <a:lstStyle/>
-          <a:p>
-            <a:endParaRPr lang="en-US" dirty="0" smtClean="0"/>
-          </a:p>
-          <a:p>
-            <a:r>
-              <a:rPr lang="en-US" dirty="0" err="1" smtClean="0"/>
-              <a:t>Github.com</a:t>
-            </a:r>
-            <a:r>
-              <a:rPr lang="en-US" dirty="0" smtClean="0"/>
-              <a:t>:</a:t>
-            </a:r>
-          </a:p>
-          <a:p>
-            <a:r>
-              <a:rPr lang="en-US" dirty="0" smtClean="0"/>
-              <a:t>- A project hosting site for managing </a:t>
-            </a:r>
-            <a:r>
-              <a:rPr lang="en-US" dirty="0" err="1" smtClean="0"/>
-              <a:t>git</a:t>
-            </a:r>
-            <a:r>
-              <a:rPr lang="en-US" dirty="0" smtClean="0"/>
-              <a:t> repositories</a:t>
-            </a:r>
-          </a:p>
-          <a:p>
-            <a:r>
-              <a:rPr lang="en-US" dirty="0" smtClean="0"/>
-              <a:t>- Free for smaller open source projects</a:t>
-            </a:r>
-          </a:p>
-          <a:p>
-            <a:r>
-              <a:rPr lang="en-US" dirty="0" smtClean="0"/>
-              <a:t>- Includes an issue tracker</a:t>
-            </a:r>
-          </a:p>
-          <a:p>
-            <a:r>
-              <a:rPr lang="en-US" dirty="0" smtClean="0"/>
-              <a:t>- Has some social networking features...</a:t>
-            </a:r>
-          </a:p>
-          <a:p>
-            <a:endParaRPr lang="en-US" dirty="0" smtClean="0"/>
-          </a:p>
-          <a:p>
-            <a:r>
-              <a:rPr lang="en-US" b="1" dirty="0" smtClean="0"/>
-              <a:t>a) Create </a:t>
-            </a:r>
-            <a:r>
-              <a:rPr lang="en-US" b="1" dirty="0" smtClean="0"/>
-              <a:t>an account</a:t>
-            </a:r>
-          </a:p>
-          <a:p>
-            <a:endParaRPr lang="en-US" dirty="0" smtClean="0"/>
-          </a:p>
-          <a:p>
-            <a:r>
-              <a:rPr lang="en-US" b="1" dirty="0" err="1" smtClean="0"/>
-              <a:t>b</a:t>
-            </a:r>
-            <a:r>
-              <a:rPr lang="en-US" b="1" dirty="0" smtClean="0"/>
-              <a:t>) Associate </a:t>
-            </a:r>
-            <a:r>
-              <a:rPr lang="en-US" b="1" dirty="0" smtClean="0"/>
-              <a:t>an </a:t>
-            </a:r>
-            <a:r>
-              <a:rPr lang="en-US" b="1" dirty="0" err="1" smtClean="0"/>
-              <a:t>ssh</a:t>
-            </a:r>
-            <a:r>
-              <a:rPr lang="en-US" b="1" dirty="0" smtClean="0"/>
-              <a:t>-key with your account</a:t>
-            </a:r>
-            <a:r>
-              <a:rPr lang="en-US" dirty="0" smtClean="0"/>
-              <a:t> (http://</a:t>
-            </a:r>
-            <a:r>
-              <a:rPr lang="en-US" dirty="0" err="1" smtClean="0"/>
-              <a:t>help.github.com/mac</a:t>
-            </a:r>
-            <a:r>
-              <a:rPr lang="en-US" dirty="0" smtClean="0"/>
-              <a:t>-key-setup/</a:t>
-            </a:r>
-            <a:r>
-              <a:rPr lang="en-US" dirty="0" smtClean="0"/>
-              <a:t>)</a:t>
-            </a:r>
-          </a:p>
-          <a:p>
-            <a:r>
-              <a:rPr lang="en-US" dirty="0" smtClean="0"/>
-              <a:t>	- Create a key:</a:t>
-            </a:r>
-          </a:p>
-          <a:p>
-            <a:r>
-              <a:rPr lang="en-US" dirty="0" smtClean="0"/>
-              <a:t>			&gt; </a:t>
-            </a:r>
-            <a:r>
-              <a:rPr lang="en-US" dirty="0" err="1" smtClean="0"/>
-              <a:t>ssh-keygen</a:t>
-            </a:r>
-            <a:r>
-              <a:rPr lang="en-US" dirty="0" smtClean="0"/>
-              <a:t> -</a:t>
-            </a:r>
-            <a:r>
-              <a:rPr lang="en-US" dirty="0" err="1" smtClean="0"/>
-              <a:t>t</a:t>
-            </a:r>
-            <a:r>
-              <a:rPr lang="en-US" dirty="0" smtClean="0"/>
-              <a:t> </a:t>
-            </a:r>
-            <a:r>
-              <a:rPr lang="en-US" dirty="0" err="1" smtClean="0"/>
-              <a:t>rsa</a:t>
-            </a:r>
-            <a:r>
-              <a:rPr lang="en-US" dirty="0" smtClean="0"/>
-              <a:t> -C "</a:t>
-            </a:r>
-            <a:r>
-              <a:rPr lang="en-US" dirty="0" err="1" smtClean="0"/>
-              <a:t>yourname@email.com</a:t>
-            </a:r>
-            <a:r>
-              <a:rPr lang="en-US" dirty="0" smtClean="0"/>
-              <a:t>"</a:t>
-            </a:r>
-          </a:p>
-          <a:p>
-            <a:r>
-              <a:rPr lang="en-US" dirty="0" smtClean="0"/>
-              <a:t>			//press return until finished (we will</a:t>
-            </a:r>
-            <a:r>
-              <a:rPr lang="en-US" dirty="0" smtClean="0"/>
-              <a:t> explain and use a </a:t>
-            </a:r>
-            <a:r>
-              <a:rPr lang="en-US" dirty="0" smtClean="0"/>
-              <a:t>passphrase later),</a:t>
-            </a:r>
-          </a:p>
-          <a:p>
-            <a:r>
-              <a:rPr lang="en-US" dirty="0" smtClean="0"/>
-              <a:t>			//you will get the following message:			</a:t>
-            </a:r>
-          </a:p>
-          <a:p>
-            <a:r>
-              <a:rPr lang="en-US" dirty="0" smtClean="0"/>
-              <a:t>			//"Your public key has been saved in /Users/</a:t>
-            </a:r>
-            <a:r>
-              <a:rPr lang="en-US" dirty="0" err="1" smtClean="0"/>
-              <a:t>yourname/.ssh/id_rsa.pub</a:t>
-            </a:r>
-            <a:r>
-              <a:rPr lang="en-US" dirty="0" smtClean="0"/>
-              <a:t>.</a:t>
-            </a:r>
-            <a:r>
-              <a:rPr lang="en-US" dirty="0" smtClean="0"/>
-              <a:t>"</a:t>
-            </a:r>
-          </a:p>
-          <a:p>
-            <a:r>
-              <a:rPr lang="en-US" dirty="0" smtClean="0"/>
-              <a:t>			&gt; man </a:t>
-            </a:r>
-            <a:r>
-              <a:rPr lang="en-US" dirty="0" err="1" smtClean="0"/>
-              <a:t>ssh-keygen</a:t>
-            </a:r>
-            <a:r>
-              <a:rPr lang="en-US" dirty="0" smtClean="0"/>
-              <a:t> //if curious, or see references on syllabus for info</a:t>
-            </a:r>
-          </a:p>
-          <a:p>
-            <a:r>
-              <a:rPr lang="en-US" dirty="0" smtClean="0"/>
-              <a:t>	- Tell </a:t>
-            </a:r>
-            <a:r>
-              <a:rPr lang="en-US" dirty="0" err="1" smtClean="0"/>
-              <a:t>github</a:t>
-            </a:r>
-            <a:r>
-              <a:rPr lang="en-US" dirty="0" smtClean="0"/>
-              <a:t> about the key</a:t>
-            </a:r>
-          </a:p>
-          <a:p>
-            <a:r>
-              <a:rPr lang="en-US" dirty="0" smtClean="0"/>
-              <a:t>			go to "Account Settings" </a:t>
-            </a:r>
-            <a:r>
-              <a:rPr lang="en-US" dirty="0" err="1" smtClean="0">
-                <a:sym typeface="Wingdings"/>
-              </a:rPr>
-              <a:t></a:t>
-            </a:r>
-            <a:r>
-              <a:rPr lang="en-US" dirty="0" smtClean="0">
-                <a:sym typeface="Wingdings"/>
-              </a:rPr>
-              <a:t> SSH Public Keys </a:t>
-            </a:r>
-            <a:r>
-              <a:rPr lang="en-US" dirty="0" err="1" smtClean="0">
-                <a:sym typeface="Wingdings"/>
-              </a:rPr>
-              <a:t></a:t>
-            </a:r>
-            <a:r>
-              <a:rPr lang="en-US" dirty="0" smtClean="0">
-                <a:sym typeface="Wingdings"/>
-              </a:rPr>
-              <a:t> Add a public Key</a:t>
-            </a:r>
-            <a:endParaRPr lang="en-US" dirty="0" smtClean="0"/>
-          </a:p>
-          <a:p>
-            <a:r>
-              <a:rPr lang="en-US" dirty="0" smtClean="0"/>
-              <a:t>			copy the contents of ~/.</a:t>
-            </a:r>
-            <a:r>
-              <a:rPr lang="en-US" dirty="0" err="1" smtClean="0"/>
-              <a:t>ssh/id_rsa.pub</a:t>
-            </a:r>
-            <a:r>
-              <a:rPr lang="en-US" dirty="0" smtClean="0"/>
-              <a:t> into the text box</a:t>
-            </a:r>
-          </a:p>
-          <a:p>
-            <a:endParaRPr lang="en-US" dirty="0" smtClean="0"/>
-          </a:p>
-          <a:p>
-            <a:r>
-              <a:rPr lang="en-US" b="1" dirty="0" err="1" smtClean="0"/>
-              <a:t>c</a:t>
-            </a:r>
-            <a:r>
-              <a:rPr lang="en-US" b="1" dirty="0" smtClean="0"/>
-              <a:t>) Create </a:t>
-            </a:r>
-            <a:r>
-              <a:rPr lang="en-US" b="1" dirty="0" smtClean="0"/>
-              <a:t>a Repository</a:t>
-            </a:r>
-          </a:p>
-          <a:p>
-            <a:r>
-              <a:rPr lang="en-US" dirty="0" smtClean="0"/>
-              <a:t>	Click on "New Repository" from the front page and follow instructions...</a:t>
-            </a:r>
-          </a:p>
-          <a:p>
-            <a:endParaRPr lang="en-US" dirty="0" smtClean="0"/>
-          </a:p>
-          <a:p>
-            <a:endParaRPr lang="en-US" dirty="0" smtClean="0"/>
-          </a:p>
-          <a:p>
-            <a:endParaRPr lang="en-US" dirty="0"/>
-          </a:p>
-        </p:txBody>
-      </p:sp>
-    </p:spTree>
-  </p:cSld>
-  <p:clrMapOvr>
-    <a:masterClrMapping/>
-  </p:clrMapOvr>
-  <p:timing>
-    <p:tnLst>
-      <p:par>
-        <p:cTn id="1" dur="indefinite" restart="never" nodeType="tmRoot"/>
-      </p:par>
-    </p:tnLst>
-  </p:timing>
-</p:sld>
-</file>
-
-<file path=ppt/slides/slide16.xml><?xml version="1.0" encoding="utf-8"?>
-<p:sld xmlns:a="http://schemas.openxmlformats.org/drawingml/2006/main" xmlns:r="http://schemas.openxmlformats.org/officeDocument/2006/relationships" xmlns:mc="http://schemas.openxmlformats.org/markup-compatibility/2006" xmlns:mv="urn:schemas-microsoft-com:mac:vml" xmlns:p="http://schemas.openxmlformats.org/presentationml/2006/main" mc:Ignorable="mv" mc:PreserveAttributes="mv:*">
-  <p:cSld>
-    <p:spTree>
-      <p:nvGrpSpPr>
-        <p:cNvPr id="1" name=""/>
-        <p:cNvGrpSpPr/>
-        <p:nvPr/>
-      </p:nvGrpSpPr>
-      <p:grpSpPr>
-        <a:xfrm>
-          <a:off x="0" y="0"/>
-          <a:ext cx="0" cy="0"/>
-          <a:chOff x="0" y="0"/>
-          <a:chExt cx="0" cy="0"/>
-        </a:xfrm>
-      </p:grpSpPr>
-      <p:sp>
-        <p:nvSpPr>
-          <p:cNvPr id="2" name="Title 1"/>
-          <p:cNvSpPr>
-            <a:spLocks noGrp="1"/>
-          </p:cNvSpPr>
-          <p:nvPr>
-            <p:ph type="title"/>
-          </p:nvPr>
-        </p:nvSpPr>
-        <p:spPr/>
-        <p:txBody>
-          <a:bodyPr/>
-          <a:lstStyle/>
-          <a:p>
-            <a:r>
-              <a:rPr lang="en-US" dirty="0" err="1" smtClean="0"/>
-              <a:t>github.com</a:t>
-            </a:r>
-            <a:endParaRPr lang="en-US" dirty="0"/>
-          </a:p>
-        </p:txBody>
-      </p:sp>
-      <p:pic>
-        <p:nvPicPr>
-          <p:cNvPr id="4" name="Content Placeholder 3" descr="gitintro.png"/>
-          <p:cNvPicPr>
-            <a:picLocks noGrp="1" noChangeAspect="1"/>
-          </p:cNvPicPr>
-          <p:nvPr>
-            <p:ph idx="1"/>
-          </p:nvPr>
-        </p:nvPicPr>
-        <p:blipFill>
-          <a:blip r:embed="rId2"/>
-          <a:srcRect l="-15073" r="-15073"/>
-          <a:stretch>
-            <a:fillRect/>
-          </a:stretch>
-        </p:blipFill>
-        <p:spPr>
-          <a:xfrm>
-            <a:off x="4284101" y="1734990"/>
-            <a:ext cx="5299414" cy="3440370"/>
-          </a:xfrm>
-        </p:spPr>
-      </p:pic>
-      <p:pic>
-        <p:nvPicPr>
-          <p:cNvPr id="5" name="Picture 4" descr="githelp2.png"/>
-          <p:cNvPicPr>
-            <a:picLocks noChangeAspect="1"/>
-          </p:cNvPicPr>
-          <p:nvPr/>
-        </p:nvPicPr>
-        <p:blipFill>
-          <a:blip r:embed="rId3"/>
-          <a:stretch>
-            <a:fillRect/>
-          </a:stretch>
-        </p:blipFill>
-        <p:spPr>
-          <a:xfrm>
-            <a:off x="177060" y="1968270"/>
-            <a:ext cx="4522396" cy="2913330"/>
-          </a:xfrm>
-          <a:prstGeom prst="rect">
-            <a:avLst/>
-          </a:prstGeom>
-        </p:spPr>
-      </p:pic>
-    </p:spTree>
-  </p:cSld>
-  <p:clrMapOvr>
-    <a:masterClrMapping/>
-  </p:clrMapOvr>
-  <p:timing>
-    <p:tnLst>
-      <p:par>
-        <p:cTn id="1" dur="indefinite" restart="never" nodeType="tmRoot"/>
-      </p:par>
-    </p:tnLst>
-  </p:timing>
-</p:sld>
-</file>
-
-<file path=ppt/slides/slide17.xml><?xml version="1.0" encoding="utf-8"?>
-<p:sld xmlns:a="http://schemas.openxmlformats.org/drawingml/2006/main" xmlns:r="http://schemas.openxmlformats.org/officeDocument/2006/relationships" xmlns:mc="http://schemas.openxmlformats.org/markup-compatibility/2006" xmlns:mv="urn:schemas-microsoft-com:mac:vml" xmlns:p="http://schemas.openxmlformats.org/presentationml/2006/main" mc:Ignorable="mv" mc:PreserveAttributes="mv:*">
-  <p:cSld>
-    <p:spTree>
-      <p:nvGrpSpPr>
-        <p:cNvPr id="1" name=""/>
-        <p:cNvGrpSpPr/>
-        <p:nvPr/>
-      </p:nvGrpSpPr>
-      <p:grpSpPr>
-        <a:xfrm>
-          <a:off x="0" y="0"/>
-          <a:ext cx="0" cy="0"/>
-          <a:chOff x="0" y="0"/>
-          <a:chExt cx="0" cy="0"/>
-        </a:xfrm>
-      </p:grpSpPr>
-      <p:sp>
-        <p:nvSpPr>
-          <p:cNvPr id="2" name="Title 1"/>
-          <p:cNvSpPr>
-            <a:spLocks noGrp="1"/>
-          </p:cNvSpPr>
-          <p:nvPr>
-            <p:ph type="title"/>
-          </p:nvPr>
-        </p:nvSpPr>
-        <p:spPr/>
-        <p:txBody>
-          <a:bodyPr/>
-          <a:lstStyle/>
-          <a:p>
-            <a:r>
-              <a:rPr lang="en-US" dirty="0" smtClean="0"/>
-              <a:t>What does a program do?</a:t>
-            </a:r>
-            <a:endParaRPr lang="en-US" dirty="0"/>
-          </a:p>
-        </p:txBody>
-      </p:sp>
-      <p:sp>
-        <p:nvSpPr>
-          <p:cNvPr id="3" name="Content Placeholder 2"/>
-          <p:cNvSpPr>
-            <a:spLocks noGrp="1"/>
-          </p:cNvSpPr>
-          <p:nvPr>
-            <p:ph idx="1"/>
-          </p:nvPr>
-        </p:nvSpPr>
-        <p:spPr/>
-        <p:txBody>
-          <a:bodyPr/>
-          <a:lstStyle/>
-          <a:p>
-            <a:endParaRPr lang="en-US" dirty="0" smtClean="0"/>
-          </a:p>
-          <a:p>
-            <a:endParaRPr lang="en-US" dirty="0" smtClean="0"/>
-          </a:p>
-          <a:p>
-            <a:endParaRPr lang="en-US" dirty="0" smtClean="0"/>
-          </a:p>
-          <a:p>
-            <a:r>
-              <a:rPr lang="en-US" dirty="0" smtClean="0"/>
-              <a:t>1. Takes in data			</a:t>
-            </a:r>
-          </a:p>
-          <a:p>
-            <a:endParaRPr lang="en-US" dirty="0" smtClean="0"/>
-          </a:p>
-          <a:p>
-            <a:r>
-              <a:rPr lang="en-US" dirty="0" smtClean="0"/>
-              <a:t>				</a:t>
-            </a:r>
-            <a:r>
-              <a:rPr lang="en-US" dirty="0" err="1" smtClean="0">
-                <a:latin typeface="Wingdings"/>
-                <a:ea typeface="Wingdings"/>
-                <a:cs typeface="Wingdings"/>
-              </a:rPr>
-              <a:t></a:t>
-            </a:r>
-            <a:endParaRPr lang="en-US" dirty="0" smtClean="0"/>
-          </a:p>
-          <a:p>
-            <a:endParaRPr lang="en-US" dirty="0" smtClean="0"/>
-          </a:p>
-          <a:p>
-            <a:r>
-              <a:rPr lang="en-US" dirty="0" smtClean="0"/>
-              <a:t>2. Manipulates the data 	</a:t>
-            </a:r>
-          </a:p>
-          <a:p>
-            <a:endParaRPr lang="en-US" dirty="0" smtClean="0"/>
-          </a:p>
-          <a:p>
-            <a:r>
-              <a:rPr lang="en-US" dirty="0" smtClean="0"/>
-              <a:t>				</a:t>
-            </a:r>
-            <a:r>
-              <a:rPr lang="en-US" dirty="0" err="1" smtClean="0">
-                <a:latin typeface="Wingdings"/>
-                <a:ea typeface="Wingdings"/>
-                <a:cs typeface="Wingdings"/>
-              </a:rPr>
-              <a:t></a:t>
-            </a:r>
-            <a:endParaRPr lang="en-US" dirty="0" smtClean="0"/>
-          </a:p>
-          <a:p>
-            <a:endParaRPr lang="en-US" dirty="0" smtClean="0"/>
-          </a:p>
-          <a:p>
-            <a:r>
-              <a:rPr lang="en-US" dirty="0" smtClean="0"/>
-              <a:t>3. Sends data out</a:t>
-            </a:r>
-          </a:p>
-          <a:p>
-            <a:endParaRPr lang="en-US" dirty="0" smtClean="0"/>
-          </a:p>
-          <a:p>
-            <a:endParaRPr lang="en-US" dirty="0" smtClean="0"/>
-          </a:p>
-          <a:p>
-            <a:endParaRPr lang="en-US" dirty="0"/>
-          </a:p>
-        </p:txBody>
-      </p:sp>
-    </p:spTree>
-  </p:cSld>
-  <p:clrMapOvr>
-    <a:masterClrMapping/>
-  </p:clrMapOvr>
-  <p:timing>
-    <p:tnLst>
-      <p:par>
-        <p:cTn id="1" dur="indefinite" restart="never" nodeType="tmRoot"/>
-      </p:par>
-    </p:tnLst>
-  </p:timing>
-</p:sld>
-</file>
-
-<file path=ppt/slides/slide18.xml><?xml version="1.0" encoding="utf-8"?>
-<p:sld xmlns:a="http://schemas.openxmlformats.org/drawingml/2006/main" xmlns:r="http://schemas.openxmlformats.org/officeDocument/2006/relationships" xmlns:mc="http://schemas.openxmlformats.org/markup-compatibility/2006" xmlns:mv="urn:schemas-microsoft-com:mac:vml" xmlns:p="http://schemas.openxmlformats.org/presentationml/2006/main" mc:Ignorable="mv" mc:PreserveAttributes="mv:*">
-  <p:cSld>
-    <p:spTree>
-      <p:nvGrpSpPr>
-        <p:cNvPr id="1" name=""/>
-        <p:cNvGrpSpPr/>
-        <p:nvPr/>
-      </p:nvGrpSpPr>
-      <p:grpSpPr>
-        <a:xfrm>
-          <a:off x="0" y="0"/>
-          <a:ext cx="0" cy="0"/>
-          <a:chOff x="0" y="0"/>
-          <a:chExt cx="0" cy="0"/>
-        </a:xfrm>
-      </p:grpSpPr>
-      <p:sp>
-        <p:nvSpPr>
-          <p:cNvPr id="2" name="Title 1"/>
-          <p:cNvSpPr>
-            <a:spLocks noGrp="1"/>
-          </p:cNvSpPr>
-          <p:nvPr>
-            <p:ph type="title"/>
-          </p:nvPr>
-        </p:nvSpPr>
-        <p:spPr/>
-        <p:txBody>
-          <a:bodyPr/>
-          <a:lstStyle/>
-          <a:p>
-            <a:r>
-              <a:rPr lang="en-US" dirty="0" smtClean="0"/>
-              <a:t>Types of inputs</a:t>
-            </a:r>
-            <a:endParaRPr lang="en-US" dirty="0"/>
-          </a:p>
-        </p:txBody>
-      </p:sp>
-      <p:sp>
-        <p:nvSpPr>
-          <p:cNvPr id="3" name="Content Placeholder 2"/>
-          <p:cNvSpPr>
-            <a:spLocks noGrp="1"/>
-          </p:cNvSpPr>
-          <p:nvPr>
-            <p:ph idx="1"/>
-          </p:nvPr>
-        </p:nvSpPr>
-        <p:spPr/>
-        <p:txBody>
-          <a:bodyPr/>
-          <a:lstStyle/>
-          <a:p>
-            <a:endParaRPr lang="en-US" dirty="0" smtClean="0"/>
-          </a:p>
-          <a:p>
-            <a:r>
-              <a:rPr lang="en-US" dirty="0" smtClean="0"/>
-              <a:t>User interaction: mouse, keyboard</a:t>
-            </a:r>
-          </a:p>
-          <a:p>
-            <a:endParaRPr lang="en-US" dirty="0" smtClean="0"/>
-          </a:p>
-          <a:p>
-            <a:r>
-              <a:rPr lang="en-US" dirty="0" smtClean="0"/>
-              <a:t>Multimedia: video camera, microphone, sensors</a:t>
-            </a:r>
-          </a:p>
-          <a:p>
-            <a:endParaRPr lang="en-US" dirty="0" smtClean="0"/>
-          </a:p>
-          <a:p>
-            <a:r>
-              <a:rPr lang="en-US" dirty="0" smtClean="0"/>
-              <a:t>Control messages: instructions from another program</a:t>
-            </a:r>
-          </a:p>
-          <a:p>
-            <a:endParaRPr lang="en-US" dirty="0" smtClean="0"/>
-          </a:p>
-          <a:p>
-            <a:r>
-              <a:rPr lang="en-US" dirty="0" smtClean="0"/>
-              <a:t>Network data: IP packets, UDP </a:t>
-            </a:r>
-            <a:r>
-              <a:rPr lang="en-US" dirty="0" err="1" smtClean="0"/>
-              <a:t>datagrams</a:t>
-            </a:r>
-            <a:endParaRPr lang="en-US" dirty="0" smtClean="0"/>
-          </a:p>
-          <a:p>
-            <a:endParaRPr lang="en-US" dirty="0" smtClean="0"/>
-          </a:p>
-          <a:p>
-            <a:r>
-              <a:rPr lang="en-US" dirty="0" smtClean="0"/>
-              <a:t>Stored data: information stored in databases, files, spreadsheets</a:t>
-            </a:r>
-          </a:p>
-          <a:p>
-            <a:endParaRPr lang="en-US" dirty="0" smtClean="0"/>
-          </a:p>
-          <a:p>
-            <a:r>
-              <a:rPr lang="en-US" dirty="0" smtClean="0"/>
-              <a:t>Real-time data: RSS feeds, market data</a:t>
-            </a:r>
-          </a:p>
-          <a:p>
-            <a:endParaRPr lang="en-US" dirty="0"/>
-          </a:p>
-          <a:p>
-            <a:endParaRPr lang="en-US" dirty="0" smtClean="0"/>
-          </a:p>
-          <a:p>
-            <a:r>
-              <a:rPr lang="en-US" dirty="0" smtClean="0"/>
-              <a:t> </a:t>
-            </a:r>
-          </a:p>
-          <a:p>
-            <a:endParaRPr lang="en-US" dirty="0" smtClean="0"/>
-          </a:p>
-          <a:p>
-            <a:endParaRPr lang="en-US" dirty="0"/>
-          </a:p>
-        </p:txBody>
-      </p:sp>
-    </p:spTree>
-  </p:cSld>
-  <p:clrMapOvr>
-    <a:masterClrMapping/>
-  </p:clrMapOvr>
-  <p:timing>
-    <p:tnLst>
-      <p:par>
-        <p:cTn id="1" dur="indefinite" restart="never" nodeType="tmRoot"/>
-      </p:par>
-    </p:tnLst>
-  </p:timing>
-</p:sld>
-</file>
-
-<file path=ppt/slides/slide19.xml><?xml version="1.0" encoding="utf-8"?>
-<p:sld xmlns:a="http://schemas.openxmlformats.org/drawingml/2006/main" xmlns:r="http://schemas.openxmlformats.org/officeDocument/2006/relationships" xmlns:mc="http://schemas.openxmlformats.org/markup-compatibility/2006" xmlns:mv="urn:schemas-microsoft-com:mac:vml" xmlns:p="http://schemas.openxmlformats.org/presentationml/2006/main" mc:Ignorable="mv" mc:PreserveAttributes="mv:*">
-  <p:cSld>
-    <p:spTree>
-      <p:nvGrpSpPr>
-        <p:cNvPr id="1" name=""/>
-        <p:cNvGrpSpPr/>
-        <p:nvPr/>
-      </p:nvGrpSpPr>
-      <p:grpSpPr>
-        <a:xfrm>
-          <a:off x="0" y="0"/>
-          <a:ext cx="0" cy="0"/>
-          <a:chOff x="0" y="0"/>
-          <a:chExt cx="0" cy="0"/>
-        </a:xfrm>
-      </p:grpSpPr>
-      <p:sp>
-        <p:nvSpPr>
-          <p:cNvPr id="2" name="Title 1"/>
-          <p:cNvSpPr>
-            <a:spLocks noGrp="1"/>
-          </p:cNvSpPr>
-          <p:nvPr>
-            <p:ph type="title"/>
-          </p:nvPr>
-        </p:nvSpPr>
-        <p:spPr/>
-        <p:txBody>
-          <a:bodyPr/>
-          <a:lstStyle/>
-          <a:p>
-            <a:r>
-              <a:rPr lang="en-US" dirty="0" smtClean="0"/>
-              <a:t>Types of manipulation</a:t>
-            </a:r>
-            <a:endParaRPr lang="en-US" dirty="0"/>
-          </a:p>
-        </p:txBody>
-      </p:sp>
-      <p:sp>
-        <p:nvSpPr>
-          <p:cNvPr id="3" name="Content Placeholder 2"/>
-          <p:cNvSpPr>
-            <a:spLocks noGrp="1"/>
-          </p:cNvSpPr>
-          <p:nvPr>
-            <p:ph idx="1"/>
-          </p:nvPr>
-        </p:nvSpPr>
-        <p:spPr/>
-        <p:txBody>
-          <a:bodyPr/>
-          <a:lstStyle/>
-          <a:p>
-            <a:endParaRPr lang="en-US" dirty="0" smtClean="0"/>
-          </a:p>
-          <a:p>
-            <a:r>
-              <a:rPr lang="en-US" dirty="0"/>
-              <a:t>F</a:t>
-            </a:r>
-            <a:r>
-              <a:rPr lang="en-US" dirty="0" smtClean="0"/>
-              <a:t>iltering data - removing unimportant stuff</a:t>
-            </a:r>
-          </a:p>
-          <a:p>
-            <a:endParaRPr lang="en-US" dirty="0" smtClean="0"/>
-          </a:p>
-          <a:p>
-            <a:r>
-              <a:rPr lang="en-US" dirty="0"/>
-              <a:t>R</a:t>
-            </a:r>
-            <a:r>
-              <a:rPr lang="en-US" dirty="0" smtClean="0"/>
-              <a:t>earranging data - sorting data into more and less important stuff</a:t>
-            </a:r>
-          </a:p>
-          <a:p>
-            <a:endParaRPr lang="en-US" dirty="0" smtClean="0"/>
-          </a:p>
-          <a:p>
-            <a:r>
-              <a:rPr lang="en-US" dirty="0"/>
-              <a:t>S</a:t>
-            </a:r>
-            <a:r>
-              <a:rPr lang="en-US" dirty="0" smtClean="0"/>
-              <a:t>egmenting data - placing data into various categories</a:t>
-            </a:r>
-          </a:p>
-          <a:p>
-            <a:endParaRPr lang="en-US" dirty="0" smtClean="0"/>
-          </a:p>
-          <a:p>
-            <a:r>
-              <a:rPr lang="en-US" dirty="0"/>
-              <a:t>T</a:t>
-            </a:r>
-            <a:r>
-              <a:rPr lang="en-US" dirty="0" smtClean="0"/>
-              <a:t>ransforming data - applying rules to input data to turn it to new data</a:t>
-            </a:r>
-          </a:p>
-          <a:p>
-            <a:endParaRPr lang="en-US" dirty="0" smtClean="0"/>
-          </a:p>
-          <a:p>
-            <a:endParaRPr lang="en-US" dirty="0" smtClean="0"/>
-          </a:p>
-          <a:p>
-            <a:r>
-              <a:rPr lang="en-US" dirty="0" smtClean="0"/>
-              <a:t>In very general computer science terms:</a:t>
-            </a:r>
-          </a:p>
-          <a:p>
-            <a:endParaRPr lang="en-US" dirty="0" smtClean="0"/>
-          </a:p>
-          <a:p>
-            <a:r>
-              <a:rPr lang="en-US" dirty="0" smtClean="0"/>
-              <a:t>first, you place the input data into appropriate data structures...</a:t>
-            </a:r>
-          </a:p>
-          <a:p>
-            <a:r>
-              <a:rPr lang="en-US" dirty="0" smtClean="0"/>
-              <a:t>...and then manipulate the data using appropriate algorithms</a:t>
-            </a:r>
-          </a:p>
-          <a:p>
-            <a:endParaRPr lang="en-US" dirty="0" smtClean="0"/>
-          </a:p>
-          <a:p>
-            <a:endParaRPr lang="en-US" dirty="0" smtClean="0"/>
-          </a:p>
-          <a:p>
-            <a:r>
-              <a:rPr lang="en-US" i="1" dirty="0" smtClean="0"/>
-              <a:t>data structure : noun :: algorithm : verb</a:t>
-            </a:r>
-          </a:p>
-          <a:p>
-            <a:endParaRPr lang="en-US" dirty="0" smtClean="0"/>
-          </a:p>
-          <a:p>
-            <a:r>
-              <a:rPr lang="en-US" dirty="0" smtClean="0"/>
-              <a:t>"my program uses the </a:t>
-            </a:r>
-            <a:r>
-              <a:rPr lang="en-US" dirty="0" err="1" smtClean="0"/>
-              <a:t>quicksort</a:t>
-            </a:r>
-            <a:r>
-              <a:rPr lang="en-US" dirty="0" smtClean="0"/>
-              <a:t> algorithm to rearrange the linked list"</a:t>
-            </a:r>
-          </a:p>
-          <a:p>
-            <a:r>
-              <a:rPr lang="en-US" dirty="0" smtClean="0"/>
-              <a:t>"my program uses a low pass filter to</a:t>
-            </a:r>
-            <a:r>
-              <a:rPr lang="en-US" dirty="0" smtClean="0"/>
-              <a:t> attenuate high-frequencies in my ring buffer"</a:t>
-            </a:r>
-          </a:p>
-          <a:p>
-            <a:endParaRPr lang="en-US" dirty="0" smtClean="0"/>
-          </a:p>
-          <a:p>
-            <a:endParaRPr lang="en-US" dirty="0" smtClean="0"/>
-          </a:p>
-          <a:p>
-            <a:endParaRPr lang="en-US" dirty="0"/>
-          </a:p>
-          <a:p>
-            <a:endParaRPr lang="en-US" dirty="0" smtClean="0"/>
-          </a:p>
-          <a:p>
-            <a:endParaRPr lang="en-US" dirty="0"/>
-          </a:p>
-          <a:p>
-            <a:endParaRPr lang="en-US" dirty="0" smtClean="0"/>
-          </a:p>
-          <a:p>
-            <a:endParaRPr lang="en-US" dirty="0" smtClean="0"/>
-          </a:p>
-          <a:p>
-            <a:endParaRPr lang="en-US" dirty="0" smtClean="0"/>
-          </a:p>
-          <a:p>
-            <a:endParaRPr lang="en-US" dirty="0" smtClean="0"/>
-          </a:p>
-          <a:p>
-            <a:endParaRPr lang="en-US" dirty="0" smtClean="0"/>
-          </a:p>
-          <a:p>
             <a:endParaRPr lang="en-US" dirty="0"/>
           </a:p>
         </p:txBody>
@@ -6628,7 +4665,7 @@
           <a:p>
             <a:r>
               <a:rPr lang="en-US" dirty="0" smtClean="0"/>
-              <a:t>Course Topics, 2</a:t>
+              <a:t>Unix - Common Commands</a:t>
             </a:r>
             <a:endParaRPr lang="en-US" dirty="0"/>
           </a:p>
@@ -6649,183 +4686,316 @@
           <a:bodyPr/>
           <a:lstStyle/>
           <a:p>
-            <a:endParaRPr lang="en-US" dirty="0" smtClean="0"/>
-          </a:p>
-          <a:p>
-            <a:r>
-              <a:rPr lang="en-US" dirty="0" smtClean="0"/>
-              <a:t>How to create interactive </a:t>
+            <a:endParaRPr lang="en-US" b="1" dirty="0" smtClean="0"/>
+          </a:p>
+          <a:p>
+            <a:r>
+              <a:rPr lang="en-US" b="1" dirty="0" err="1" smtClean="0"/>
+              <a:t>cd</a:t>
             </a:r>
             <a:r>
               <a:rPr lang="en-US" b="1" dirty="0" smtClean="0"/>
-              <a:t>2D graphics</a:t>
-            </a:r>
-            <a:r>
-              <a:rPr lang="en-US" dirty="0" smtClean="0"/>
-              <a:t> &amp; </a:t>
+              <a:t> = change directory</a:t>
+            </a:r>
+          </a:p>
+          <a:p>
+            <a:r>
+              <a:rPr lang="en-US" dirty="0" smtClean="0"/>
+              <a:t>	</a:t>
+            </a:r>
+            <a:r>
+              <a:rPr lang="en-US" dirty="0" err="1" smtClean="0"/>
+              <a:t>cd</a:t>
+            </a:r>
+            <a:r>
+              <a:rPr lang="en-US" dirty="0" smtClean="0"/>
+              <a:t> .. 				</a:t>
+            </a:r>
+            <a:r>
+              <a:rPr lang="en-US" i="1" dirty="0" smtClean="0"/>
+              <a:t>move up to parent directory</a:t>
+            </a:r>
+          </a:p>
+          <a:p>
+            <a:r>
+              <a:rPr lang="en-US" dirty="0" smtClean="0"/>
+              <a:t>	</a:t>
+            </a:r>
+            <a:r>
+              <a:rPr lang="en-US" dirty="0" err="1" smtClean="0"/>
+              <a:t>cd</a:t>
+            </a:r>
+            <a:r>
+              <a:rPr lang="en-US" dirty="0" smtClean="0"/>
+              <a:t> ~ 					</a:t>
+            </a:r>
+            <a:r>
+              <a:rPr lang="en-US" i="1" dirty="0" smtClean="0"/>
+              <a:t>change to home directory</a:t>
+            </a:r>
+          </a:p>
+          <a:p>
+            <a:r>
+              <a:rPr lang="en-US" i="1" dirty="0" smtClean="0"/>
+              <a:t>	</a:t>
+            </a:r>
+            <a:r>
+              <a:rPr lang="en-US" dirty="0" err="1" smtClean="0"/>
+              <a:t>cd</a:t>
+            </a:r>
+            <a:r>
+              <a:rPr lang="en-US" dirty="0" smtClean="0"/>
+              <a:t> /</a:t>
+            </a:r>
+            <a:r>
+              <a:rPr lang="en-US" i="1" dirty="0" smtClean="0"/>
+              <a:t>					change to top level "root" directory	</a:t>
+            </a:r>
+          </a:p>
+          <a:p>
+            <a:r>
+              <a:rPr lang="en-US" i="1" dirty="0" smtClean="0"/>
+              <a:t>	</a:t>
+            </a:r>
+            <a:r>
+              <a:rPr lang="en-US" dirty="0" err="1" smtClean="0"/>
+              <a:t>cd</a:t>
+            </a:r>
+            <a:r>
+              <a:rPr lang="en-US" dirty="0" smtClean="0"/>
+              <a:t> /Users/angus/Music	</a:t>
+            </a:r>
+            <a:r>
+              <a:rPr lang="en-US" i="1" dirty="0" smtClean="0"/>
+              <a:t>change to a directory by providing the absolute path</a:t>
+            </a:r>
+          </a:p>
+          <a:p>
+            <a:r>
+              <a:rPr lang="en-US" i="1" dirty="0" smtClean="0"/>
+              <a:t>	</a:t>
+            </a:r>
+            <a:r>
+              <a:rPr lang="en-US" dirty="0" err="1" smtClean="0"/>
+              <a:t>cd</a:t>
+            </a:r>
+            <a:r>
+              <a:rPr lang="en-US" dirty="0" smtClean="0"/>
+              <a:t> </a:t>
+            </a:r>
+            <a:r>
+              <a:rPr lang="en-US" dirty="0" err="1" smtClean="0"/>
+              <a:t>src</a:t>
+            </a:r>
+            <a:r>
+              <a:rPr lang="en-US" dirty="0" smtClean="0"/>
+              <a:t>				</a:t>
+            </a:r>
+            <a:r>
+              <a:rPr lang="en-US" i="1" dirty="0" smtClean="0"/>
+              <a:t>move into a child folder by providing a relative path</a:t>
+            </a:r>
+          </a:p>
+          <a:p>
+            <a:r>
+              <a:rPr lang="en-US" dirty="0" smtClean="0"/>
+              <a:t>	</a:t>
+            </a:r>
+          </a:p>
+          <a:p>
+            <a:r>
+              <a:rPr lang="en-US" b="1" dirty="0" err="1" smtClean="0"/>
+              <a:t>pwd</a:t>
             </a:r>
             <a:r>
               <a:rPr lang="en-US" b="1" dirty="0" smtClean="0"/>
-              <a:t>3D graphics</a:t>
-            </a:r>
-          </a:p>
-          <a:p>
-            <a:r>
-              <a:rPr lang="en-US" dirty="0" smtClean="0"/>
-              <a:t>	Processing renderers</a:t>
-            </a:r>
-          </a:p>
-          <a:p>
-            <a:r>
-              <a:rPr lang="en-US" dirty="0" smtClean="0"/>
-              <a:t>	Swing/Java2D renderers</a:t>
-            </a:r>
-          </a:p>
-          <a:p>
-            <a:r>
-              <a:rPr lang="en-US" dirty="0" smtClean="0"/>
-              <a:t>	OpenGL library</a:t>
-            </a:r>
-          </a:p>
-          <a:p>
-            <a:r>
-              <a:rPr lang="en-US" dirty="0" smtClean="0"/>
-              <a:t>	GLSL </a:t>
-            </a:r>
-            <a:r>
-              <a:rPr lang="en-US" dirty="0" err="1" smtClean="0"/>
-              <a:t>shaders</a:t>
-            </a:r>
-            <a:endParaRPr lang="en-US" dirty="0" smtClean="0"/>
-          </a:p>
-          <a:p>
-            <a:endParaRPr lang="en-US" dirty="0" smtClean="0"/>
-          </a:p>
-          <a:p>
-            <a:r>
-              <a:rPr lang="en-US" dirty="0" smtClean="0"/>
-              <a:t>How to interact with the file system; </a:t>
+              <a:t> = print working directory</a:t>
+            </a:r>
+          </a:p>
+          <a:p>
+            <a:r>
+              <a:rPr lang="en-US" i="1" dirty="0" smtClean="0"/>
+              <a:t> 	</a:t>
+            </a:r>
+            <a:r>
+              <a:rPr lang="en-US" dirty="0" err="1" smtClean="0"/>
+              <a:t>cd</a:t>
+            </a:r>
+            <a:r>
+              <a:rPr lang="en-US" dirty="0" smtClean="0"/>
+              <a:t> ~					</a:t>
+            </a:r>
+            <a:r>
+              <a:rPr lang="en-US" i="1" dirty="0" smtClean="0"/>
+              <a:t>change to home directory</a:t>
+            </a:r>
+            <a:endParaRPr lang="en-US" dirty="0" smtClean="0"/>
+          </a:p>
+          <a:p>
+            <a:r>
+              <a:rPr lang="en-US" i="1" dirty="0" smtClean="0"/>
+              <a:t>	</a:t>
+            </a:r>
+            <a:r>
+              <a:rPr lang="en-US" dirty="0" err="1" smtClean="0"/>
+              <a:t>pwd</a:t>
+            </a:r>
+            <a:r>
+              <a:rPr lang="en-US" dirty="0" smtClean="0"/>
+              <a:t>					</a:t>
+            </a:r>
+            <a:r>
+              <a:rPr lang="en-US" i="1" dirty="0" smtClean="0"/>
+              <a:t>prints out "/Users/angus"</a:t>
+            </a:r>
+          </a:p>
+          <a:p>
+            <a:endParaRPr lang="en-US" dirty="0" smtClean="0"/>
+          </a:p>
+          <a:p>
+            <a:r>
+              <a:rPr lang="en-US" b="1" dirty="0" err="1" smtClean="0"/>
+              <a:t>ls</a:t>
             </a:r>
             <a:r>
               <a:rPr lang="en-US" b="1" dirty="0" smtClean="0"/>
-              <a:t>I/O</a:t>
-            </a:r>
-            <a:r>
-              <a:rPr lang="en-US" dirty="0" smtClean="0"/>
-              <a:t> fundamentals</a:t>
-            </a:r>
-          </a:p>
-          <a:p>
-            <a:endParaRPr lang="en-US" dirty="0" smtClean="0"/>
-          </a:p>
-          <a:p>
-            <a:r>
-              <a:rPr lang="en-US" dirty="0" smtClean="0"/>
-              <a:t>How to store information in and query information from a </a:t>
-            </a:r>
+              <a:t> = list files and directories</a:t>
+            </a:r>
+          </a:p>
+          <a:p>
+            <a:r>
+              <a:rPr lang="en-US" dirty="0" smtClean="0"/>
+              <a:t>	</a:t>
+            </a:r>
+            <a:r>
+              <a:rPr lang="en-US" dirty="0" err="1" smtClean="0"/>
+              <a:t>ls</a:t>
+            </a:r>
+            <a:r>
+              <a:rPr lang="en-US" dirty="0" smtClean="0"/>
+              <a:t>					print out all files in current directory</a:t>
+            </a:r>
+          </a:p>
+          <a:p>
+            <a:r>
+              <a:rPr lang="en-US" dirty="0" smtClean="0"/>
+              <a:t>	</a:t>
+            </a:r>
+            <a:r>
+              <a:rPr lang="en-US" dirty="0" err="1" smtClean="0"/>
+              <a:t>ls</a:t>
+            </a:r>
+            <a:r>
+              <a:rPr lang="en-US" dirty="0" smtClean="0"/>
+              <a:t> -</a:t>
+            </a:r>
+            <a:r>
+              <a:rPr lang="en-US" dirty="0" err="1" smtClean="0"/>
+              <a:t>alh</a:t>
+            </a:r>
+            <a:r>
+              <a:rPr lang="en-US" dirty="0" smtClean="0"/>
+              <a:t>				print out all files include hidden files in a long format</a:t>
+            </a:r>
+          </a:p>
+          <a:p>
+            <a:r>
+              <a:rPr lang="en-US" dirty="0" smtClean="0"/>
+              <a:t>	</a:t>
+            </a:r>
+            <a:r>
+              <a:rPr lang="en-US" dirty="0" err="1" smtClean="0"/>
+              <a:t>ls</a:t>
+            </a:r>
+            <a:r>
+              <a:rPr lang="en-US" dirty="0" smtClean="0"/>
+              <a:t> -R </a:t>
+            </a:r>
+            <a:r>
+              <a:rPr lang="en-US" dirty="0" err="1" smtClean="0"/>
+              <a:t>mydir</a:t>
+            </a:r>
+            <a:r>
+              <a:rPr lang="en-US" dirty="0" smtClean="0"/>
+              <a:t>			recursively list all files in </a:t>
+            </a:r>
+            <a:r>
+              <a:rPr lang="en-US" dirty="0" err="1" smtClean="0"/>
+              <a:t>mydir</a:t>
+            </a:r>
+            <a:endParaRPr lang="en-US" dirty="0" smtClean="0"/>
+          </a:p>
+          <a:p>
+            <a:endParaRPr lang="en-US" dirty="0" smtClean="0"/>
+          </a:p>
+          <a:p>
             <a:r>
               <a:rPr lang="en-US" b="1" dirty="0" smtClean="0"/>
-              <a:t>database</a:t>
-            </a:r>
-          </a:p>
-          <a:p>
-            <a:r>
-              <a:rPr lang="en-US" dirty="0" smtClean="0"/>
-              <a:t>	SQL (</a:t>
-            </a:r>
-            <a:r>
-              <a:rPr lang="en-US" dirty="0" err="1" smtClean="0"/>
-              <a:t>MySQL</a:t>
-            </a:r>
-            <a:r>
-              <a:rPr lang="en-US" dirty="0" smtClean="0"/>
-              <a:t>, </a:t>
-            </a:r>
-            <a:r>
-              <a:rPr lang="en-US" dirty="0" err="1" smtClean="0"/>
-              <a:t>PostGRES</a:t>
-            </a:r>
-            <a:r>
-              <a:rPr lang="en-US" dirty="0" smtClean="0"/>
-              <a:t>)</a:t>
-            </a:r>
-          </a:p>
-          <a:p>
-            <a:r>
-              <a:rPr lang="en-US" dirty="0" smtClean="0"/>
-              <a:t>	</a:t>
-            </a:r>
-            <a:r>
-              <a:rPr lang="en-US" dirty="0" err="1" smtClean="0"/>
-              <a:t>NoSQL</a:t>
-            </a:r>
-            <a:r>
-              <a:rPr lang="en-US" dirty="0" smtClean="0"/>
-              <a:t> (Mongo)</a:t>
-            </a:r>
-          </a:p>
-          <a:p>
-            <a:r>
-              <a:rPr lang="en-US" dirty="0" smtClean="0"/>
-              <a:t>	Graph (Neo4J)</a:t>
-            </a:r>
-          </a:p>
-          <a:p>
-            <a:r>
-              <a:rPr lang="en-US" dirty="0" smtClean="0"/>
-              <a:t>	via </a:t>
-            </a:r>
-            <a:r>
-              <a:rPr lang="en-US" dirty="0" err="1" smtClean="0"/>
-              <a:t>webservices</a:t>
-            </a:r>
-            <a:r>
-              <a:rPr lang="en-US" dirty="0" smtClean="0"/>
-              <a:t> APIs (Amazon, </a:t>
-            </a:r>
-            <a:r>
-              <a:rPr lang="en-US" dirty="0" err="1" smtClean="0"/>
-              <a:t>Flickr</a:t>
-            </a:r>
-            <a:r>
-              <a:rPr lang="en-US" dirty="0" smtClean="0"/>
-              <a:t>, etc)</a:t>
-            </a:r>
-          </a:p>
-          <a:p>
-            <a:endParaRPr lang="en-US" dirty="0" smtClean="0"/>
-          </a:p>
-          <a:p>
-            <a:r>
-              <a:rPr lang="en-US" dirty="0" smtClean="0"/>
-              <a:t>How to send and receive information to other computers, </a:t>
-            </a:r>
+              <a:t>cat = print out file</a:t>
+            </a:r>
+          </a:p>
+          <a:p>
+            <a:r>
+              <a:rPr lang="en-US" dirty="0" smtClean="0"/>
+              <a:t>	cat </a:t>
+            </a:r>
+            <a:r>
+              <a:rPr lang="en-US" dirty="0" err="1" smtClean="0"/>
+              <a:t>myText.txt</a:t>
+            </a:r>
+            <a:r>
+              <a:rPr lang="en-US" dirty="0" smtClean="0"/>
+              <a:t>			</a:t>
+            </a:r>
+            <a:r>
+              <a:rPr lang="en-US" i="1" dirty="0" smtClean="0"/>
+              <a:t>prints out contents of "</a:t>
+            </a:r>
+            <a:r>
+              <a:rPr lang="en-US" i="1" dirty="0" err="1" smtClean="0"/>
+              <a:t>myText.txt</a:t>
+            </a:r>
+            <a:r>
+              <a:rPr lang="en-US" i="1" dirty="0" smtClean="0"/>
+              <a:t>"</a:t>
+            </a:r>
+            <a:r>
+              <a:rPr lang="en-US" dirty="0" smtClean="0"/>
+              <a:t> </a:t>
+            </a:r>
+          </a:p>
+          <a:p>
+            <a:endParaRPr lang="en-US" dirty="0" smtClean="0"/>
+          </a:p>
+          <a:p>
             <a:r>
               <a:rPr lang="en-US" b="1" dirty="0" smtClean="0"/>
-              <a:t>networking</a:t>
-            </a:r>
-            <a:r>
-              <a:rPr lang="en-US" dirty="0" smtClean="0"/>
-              <a:t> fundamentals</a:t>
-            </a:r>
-          </a:p>
-          <a:p>
-            <a:endParaRPr lang="en-US" dirty="0" smtClean="0"/>
-          </a:p>
-          <a:p>
-            <a:endParaRPr lang="en-US" dirty="0"/>
-          </a:p>
-          <a:p>
-            <a:endParaRPr lang="en-US" dirty="0" smtClean="0"/>
-          </a:p>
-          <a:p>
-            <a:endParaRPr lang="en-US" dirty="0" smtClean="0"/>
-          </a:p>
-          <a:p>
-            <a:r>
-              <a:rPr lang="en-US" dirty="0"/>
-              <a:t>	</a:t>
-            </a:r>
+              <a:t>echo = print out from command line</a:t>
+            </a:r>
+          </a:p>
+          <a:p>
+            <a:r>
+              <a:rPr lang="en-US" dirty="0" smtClean="0"/>
+              <a:t>	echo hello there!		</a:t>
+            </a:r>
+            <a:r>
+              <a:rPr lang="en-US" i="1" dirty="0" smtClean="0"/>
+              <a:t>prints out "hello there!"</a:t>
+            </a:r>
+            <a:endParaRPr lang="en-US" dirty="0" smtClean="0"/>
+          </a:p>
+          <a:p>
+            <a:endParaRPr lang="en-US" dirty="0" smtClean="0"/>
+          </a:p>
+          <a:p>
+            <a:endParaRPr lang="en-US" dirty="0" smtClean="0"/>
+          </a:p>
+          <a:p>
+            <a:r>
+              <a:rPr lang="en-US" i="1" dirty="0" smtClean="0"/>
+              <a:t> </a:t>
+            </a:r>
+            <a:endParaRPr lang="en-US" i="1" dirty="0"/>
           </a:p>
         </p:txBody>
       </p:sp>
@@ -6878,7 +5048,7 @@
           <a:p>
             <a:r>
               <a:rPr lang="en-US" dirty="0" smtClean="0"/>
-              <a:t>Course Topics, 3</a:t>
+              <a:t>Unix - Common Commands</a:t>
             </a:r>
             <a:endParaRPr lang="en-US" dirty="0"/>
           </a:p>
@@ -6899,103 +5069,323 @@
           <a:bodyPr/>
           <a:lstStyle/>
           <a:p>
-            <a:endParaRPr lang="en-US" dirty="0" smtClean="0"/>
-          </a:p>
-          <a:p>
-            <a:r>
-              <a:rPr lang="en-US" dirty="0" smtClean="0"/>
-              <a:t>How to design </a:t>
-            </a:r>
+            <a:endParaRPr lang="en-US" b="1" dirty="0" smtClean="0"/>
+          </a:p>
+          <a:p>
             <a:r>
               <a:rPr lang="en-US" b="1" dirty="0" smtClean="0"/>
-              <a:t>algorithms</a:t>
-            </a:r>
-          </a:p>
-          <a:p>
-            <a:r>
-              <a:rPr lang="en-US" dirty="0" smtClean="0"/>
-              <a:t>	searching &amp; sorting</a:t>
-            </a:r>
-          </a:p>
-          <a:p>
-            <a:endParaRPr lang="en-US" dirty="0" smtClean="0"/>
-          </a:p>
-          <a:p>
-            <a:r>
-              <a:rPr lang="en-US" dirty="0" smtClean="0"/>
-              <a:t>How to write </a:t>
+              <a:t>cp = copy file</a:t>
+            </a:r>
+          </a:p>
+          <a:p>
+            <a:r>
+              <a:rPr lang="en-US" dirty="0" smtClean="0"/>
+              <a:t>	cp </a:t>
+            </a:r>
+            <a:r>
+              <a:rPr lang="en-US" dirty="0" err="1" smtClean="0"/>
+              <a:t>fileA</a:t>
+            </a:r>
+            <a:r>
+              <a:rPr lang="en-US" dirty="0" smtClean="0"/>
+              <a:t> </a:t>
+            </a:r>
+            <a:r>
+              <a:rPr lang="en-US" dirty="0" err="1" smtClean="0"/>
+              <a:t>fileB</a:t>
+            </a:r>
+            <a:r>
+              <a:rPr lang="en-US" dirty="0" smtClean="0"/>
+              <a:t> 		</a:t>
+            </a:r>
+            <a:r>
+              <a:rPr lang="en-US" i="1" dirty="0" smtClean="0"/>
+              <a:t>copies the contents of "</a:t>
+            </a:r>
+            <a:r>
+              <a:rPr lang="en-US" i="1" dirty="0" err="1" smtClean="0"/>
+              <a:t>fileA</a:t>
+            </a:r>
+            <a:r>
+              <a:rPr lang="en-US" i="1" dirty="0" smtClean="0"/>
+              <a:t>" into a new file named "</a:t>
+            </a:r>
+            <a:r>
+              <a:rPr lang="en-US" i="1" dirty="0" err="1" smtClean="0"/>
+              <a:t>fileB</a:t>
+            </a:r>
+            <a:r>
+              <a:rPr lang="en-US" i="1" dirty="0" smtClean="0"/>
+              <a:t>"</a:t>
+            </a:r>
+          </a:p>
+          <a:p>
+            <a:r>
+              <a:rPr lang="en-US" dirty="0" smtClean="0"/>
+              <a:t>	cp </a:t>
+            </a:r>
+            <a:r>
+              <a:rPr lang="en-US" dirty="0" err="1" smtClean="0"/>
+              <a:t>src</a:t>
+            </a:r>
+            <a:r>
+              <a:rPr lang="en-US" dirty="0" smtClean="0"/>
+              <a:t>/* ../</a:t>
+            </a:r>
+            <a:r>
+              <a:rPr lang="en-US" dirty="0" err="1" smtClean="0"/>
+              <a:t>dest</a:t>
+            </a:r>
+            <a:r>
+              <a:rPr lang="en-US" dirty="0" smtClean="0"/>
+              <a:t>/	</a:t>
+            </a:r>
+            <a:r>
+              <a:rPr lang="en-US" i="1" dirty="0" smtClean="0"/>
+              <a:t>copies all files in "</a:t>
+            </a:r>
+            <a:r>
+              <a:rPr lang="en-US" i="1" dirty="0" err="1" smtClean="0"/>
+              <a:t>src</a:t>
+            </a:r>
+            <a:r>
+              <a:rPr lang="en-US" i="1" dirty="0" smtClean="0"/>
+              <a:t>" into "</a:t>
+            </a:r>
+            <a:r>
+              <a:rPr lang="en-US" i="1" dirty="0" err="1" smtClean="0"/>
+              <a:t>dest</a:t>
+            </a:r>
+            <a:r>
+              <a:rPr lang="en-US" i="1" dirty="0" smtClean="0"/>
+              <a:t>" inside the parent directory</a:t>
+            </a:r>
+          </a:p>
+          <a:p>
+            <a:r>
+              <a:rPr lang="en-US" dirty="0" smtClean="0"/>
+              <a:t>	cp –</a:t>
+            </a:r>
+            <a:r>
+              <a:rPr lang="en-US" dirty="0" err="1" smtClean="0"/>
+              <a:t>r</a:t>
+            </a:r>
+            <a:r>
+              <a:rPr lang="en-US" dirty="0" smtClean="0"/>
+              <a:t> </a:t>
+            </a:r>
+            <a:r>
+              <a:rPr lang="en-US" dirty="0" err="1" smtClean="0"/>
+              <a:t>src</a:t>
+            </a:r>
+            <a:r>
+              <a:rPr lang="en-US" dirty="0" smtClean="0"/>
+              <a:t>/ </a:t>
+            </a:r>
+            <a:r>
+              <a:rPr lang="en-US" dirty="0" err="1" smtClean="0"/>
+              <a:t>dest</a:t>
+            </a:r>
+            <a:r>
+              <a:rPr lang="en-US" dirty="0" smtClean="0"/>
+              <a:t>/	</a:t>
+            </a:r>
+            <a:r>
+              <a:rPr lang="en-US" i="1" dirty="0" smtClean="0"/>
+              <a:t>copies all files and directories in "</a:t>
+            </a:r>
+            <a:r>
+              <a:rPr lang="en-US" i="1" dirty="0" err="1" smtClean="0"/>
+              <a:t>src</a:t>
+            </a:r>
+            <a:r>
+              <a:rPr lang="en-US" i="1" dirty="0" smtClean="0"/>
+              <a:t>" recursively into "</a:t>
+            </a:r>
+            <a:r>
+              <a:rPr lang="en-US" i="1" dirty="0" err="1" smtClean="0"/>
+              <a:t>dest</a:t>
+            </a:r>
+            <a:r>
+              <a:rPr lang="en-US" i="1" dirty="0" smtClean="0"/>
+              <a:t>"</a:t>
+            </a:r>
+          </a:p>
+          <a:p>
+            <a:r>
+              <a:rPr lang="en-US" dirty="0" smtClean="0"/>
+              <a:t> </a:t>
+            </a:r>
+          </a:p>
+          <a:p>
+            <a:r>
+              <a:rPr lang="en-US" b="1" dirty="0" err="1" smtClean="0"/>
+              <a:t>mv</a:t>
             </a:r>
             <a:r>
               <a:rPr lang="en-US" b="1" dirty="0" smtClean="0"/>
-              <a:t>threads </a:t>
-            </a:r>
-            <a:r>
-              <a:rPr lang="en-US" dirty="0" smtClean="0"/>
-              <a:t>to manage concurrent processes</a:t>
-            </a:r>
-            <a:endParaRPr lang="en-US" b="1" dirty="0" smtClean="0"/>
-          </a:p>
-          <a:p>
-            <a:r>
-              <a:rPr lang="en-US" dirty="0" smtClean="0"/>
-              <a:t>	multithreading</a:t>
-            </a:r>
-          </a:p>
-          <a:p>
-            <a:r>
-              <a:rPr lang="en-US" dirty="0" smtClean="0"/>
-              <a:t>	synchronization	</a:t>
-            </a:r>
-          </a:p>
-          <a:p>
-            <a:r>
-              <a:rPr lang="en-US" dirty="0" smtClean="0"/>
-              <a:t>	concurrent data structures</a:t>
-            </a:r>
-          </a:p>
-          <a:p>
-            <a:endParaRPr lang="en-US" dirty="0" smtClean="0"/>
-          </a:p>
-          <a:p>
-            <a:r>
-              <a:rPr lang="en-US" dirty="0" smtClean="0"/>
-              <a:t>How to use </a:t>
+              <a:t> = move file</a:t>
+            </a:r>
+          </a:p>
+          <a:p>
+            <a:r>
+              <a:rPr lang="en-US" i="1" dirty="0" smtClean="0"/>
+              <a:t> 	</a:t>
+            </a:r>
+            <a:r>
+              <a:rPr lang="en-US" dirty="0" err="1" smtClean="0"/>
+              <a:t>mv</a:t>
+            </a:r>
+            <a:r>
+              <a:rPr lang="en-US" dirty="0" smtClean="0"/>
+              <a:t> </a:t>
+            </a:r>
+            <a:r>
+              <a:rPr lang="en-US" dirty="0" err="1" smtClean="0"/>
+              <a:t>fileA</a:t>
+            </a:r>
+            <a:r>
+              <a:rPr lang="en-US" dirty="0" smtClean="0"/>
+              <a:t> </a:t>
+            </a:r>
+            <a:r>
+              <a:rPr lang="en-US" dirty="0" err="1" smtClean="0"/>
+              <a:t>fileB</a:t>
+            </a:r>
+            <a:r>
+              <a:rPr lang="en-US" dirty="0" smtClean="0"/>
+              <a:t>		</a:t>
+            </a:r>
+            <a:r>
+              <a:rPr lang="en-US" i="1" dirty="0" smtClean="0"/>
+              <a:t>renames "</a:t>
+            </a:r>
+            <a:r>
+              <a:rPr lang="en-US" i="1" dirty="0" err="1" smtClean="0"/>
+              <a:t>fileA</a:t>
+            </a:r>
+            <a:r>
+              <a:rPr lang="en-US" i="1" dirty="0" smtClean="0"/>
+              <a:t>" to "</a:t>
+            </a:r>
+            <a:r>
+              <a:rPr lang="en-US" i="1" dirty="0" err="1" smtClean="0"/>
+              <a:t>fileB</a:t>
+            </a:r>
+            <a:r>
+              <a:rPr lang="en-US" i="1" dirty="0" smtClean="0"/>
+              <a:t>"</a:t>
+            </a:r>
+            <a:endParaRPr lang="en-US" dirty="0" smtClean="0"/>
+          </a:p>
+          <a:p>
+            <a:r>
+              <a:rPr lang="en-US" i="1" dirty="0" smtClean="0"/>
+              <a:t>	</a:t>
+            </a:r>
+            <a:r>
+              <a:rPr lang="en-US" dirty="0" err="1" smtClean="0"/>
+              <a:t>mv</a:t>
+            </a:r>
+            <a:r>
+              <a:rPr lang="en-US" dirty="0" smtClean="0"/>
+              <a:t> </a:t>
+            </a:r>
+            <a:r>
+              <a:rPr lang="en-US" dirty="0" err="1" smtClean="0"/>
+              <a:t>dirA</a:t>
+            </a:r>
+            <a:r>
+              <a:rPr lang="en-US" dirty="0" smtClean="0"/>
+              <a:t> ~/</a:t>
+            </a:r>
+            <a:r>
+              <a:rPr lang="en-US" dirty="0" err="1" smtClean="0"/>
+              <a:t>dirZ</a:t>
+            </a:r>
+            <a:r>
+              <a:rPr lang="en-US" dirty="0" smtClean="0"/>
+              <a:t> 		</a:t>
+            </a:r>
+            <a:r>
+              <a:rPr lang="en-US" i="1" dirty="0" smtClean="0"/>
+              <a:t>moves "</a:t>
+            </a:r>
+            <a:r>
+              <a:rPr lang="en-US" i="1" dirty="0" err="1" smtClean="0"/>
+              <a:t>dirA</a:t>
+            </a:r>
+            <a:r>
+              <a:rPr lang="en-US" i="1" dirty="0" smtClean="0"/>
+              <a:t>" into the home directory, renaming it "</a:t>
+            </a:r>
+            <a:r>
+              <a:rPr lang="en-US" i="1" dirty="0" err="1" smtClean="0"/>
+              <a:t>dirZ</a:t>
+            </a:r>
+            <a:r>
+              <a:rPr lang="en-US" i="1" dirty="0" smtClean="0"/>
+              <a:t>"</a:t>
+            </a:r>
+          </a:p>
+          <a:p>
+            <a:endParaRPr lang="en-US" dirty="0" smtClean="0"/>
+          </a:p>
+          <a:p>
+            <a:r>
+              <a:rPr lang="en-US" b="1" dirty="0" err="1" smtClean="0"/>
+              <a:t>mkdir</a:t>
             </a:r>
             <a:r>
               <a:rPr lang="en-US" b="1" dirty="0" smtClean="0"/>
-              <a:t>audio</a:t>
-            </a:r>
-            <a:r>
-              <a:rPr lang="en-US" dirty="0" smtClean="0"/>
-              <a:t> libraries</a:t>
-            </a:r>
-          </a:p>
-          <a:p>
-            <a:r>
-              <a:rPr lang="en-US" dirty="0" smtClean="0"/>
-              <a:t>	Minim (Processing)</a:t>
-            </a:r>
-          </a:p>
-          <a:p>
-            <a:r>
-              <a:rPr lang="en-US" dirty="0" smtClean="0"/>
+              <a:t> = make a new directory</a:t>
+            </a:r>
+          </a:p>
+          <a:p>
+            <a:r>
+              <a:rPr lang="en-US" b="1" dirty="0" smtClean="0"/>
               <a:t>	</a:t>
             </a:r>
             <a:r>
               <a:rPr lang="en-US" dirty="0" err="1" smtClean="0"/>
-              <a:t>JavaSound</a:t>
-            </a:r>
-            <a:r>
-              <a:rPr lang="en-US" dirty="0" smtClean="0"/>
-              <a:t> / </a:t>
-            </a:r>
-            <a:r>
-              <a:rPr lang="en-US" dirty="0" err="1" smtClean="0"/>
-              <a:t>JSyn</a:t>
-            </a:r>
-            <a:r>
-              <a:rPr lang="en-US" dirty="0" smtClean="0"/>
-              <a:t> (Java)</a:t>
+              <a:t>mkdir</a:t>
+            </a:r>
+            <a:r>
+              <a:rPr lang="en-US" dirty="0" smtClean="0"/>
+              <a:t> </a:t>
+            </a:r>
+            <a:r>
+              <a:rPr lang="en-US" dirty="0" err="1" smtClean="0"/>
+              <a:t>newdir</a:t>
+            </a:r>
+            <a:r>
+              <a:rPr lang="en-US" b="1" dirty="0" smtClean="0"/>
+              <a:t>		</a:t>
+            </a:r>
+            <a:r>
+              <a:rPr lang="en-US" i="1" dirty="0" smtClean="0"/>
+              <a:t>makes a new directory "</a:t>
+            </a:r>
+            <a:r>
+              <a:rPr lang="en-US" i="1" dirty="0" err="1" smtClean="0"/>
+              <a:t>newdir</a:t>
+            </a:r>
+            <a:r>
+              <a:rPr lang="en-US" i="1" dirty="0" smtClean="0"/>
+              <a:t>" under the current directory</a:t>
+            </a:r>
+          </a:p>
+          <a:p>
+            <a:endParaRPr lang="en-US" dirty="0" smtClean="0"/>
+          </a:p>
+          <a:p>
+            <a:r>
+              <a:rPr lang="en-US" b="1" dirty="0" err="1" smtClean="0"/>
+              <a:t>rmdir</a:t>
+            </a:r>
+            <a:r>
+              <a:rPr lang="en-US" b="1" dirty="0" smtClean="0"/>
+              <a:t> = delete an empty directory</a:t>
             </a:r>
           </a:p>
           <a:p>
@@ -7005,61 +5395,132 @@
             </a:r>
             <a:r>
               <a:rPr lang="en-US" dirty="0" err="1" smtClean="0"/>
-              <a:t>PortAudio</a:t>
-            </a:r>
-            <a:r>
-              <a:rPr lang="en-US" dirty="0" smtClean="0"/>
-              <a:t>, </a:t>
-            </a:r>
-            <a:r>
-              <a:rPr lang="en-US" dirty="0" err="1" smtClean="0"/>
-              <a:t>rtAudio</a:t>
-            </a:r>
-            <a:r>
-              <a:rPr lang="en-US" dirty="0" smtClean="0"/>
-              <a:t> (C/C++)</a:t>
-            </a:r>
-          </a:p>
-          <a:p>
-            <a:r>
-              <a:rPr lang="en-US" dirty="0" smtClean="0"/>
-              <a:t>	OSC messages to dedicated sound engines (</a:t>
-            </a:r>
-            <a:r>
-              <a:rPr lang="en-US" dirty="0" err="1" smtClean="0"/>
-              <a:t>SuperCollider</a:t>
-            </a:r>
-            <a:r>
-              <a:rPr lang="en-US" dirty="0" smtClean="0"/>
-              <a:t>, etc)</a:t>
-            </a:r>
-          </a:p>
-          <a:p>
-            <a:endParaRPr lang="en-US" dirty="0"/>
-          </a:p>
-          <a:p>
-            <a:endParaRPr lang="en-US" dirty="0" smtClean="0"/>
-          </a:p>
-          <a:p>
-            <a:endParaRPr lang="en-US" dirty="0"/>
-          </a:p>
-          <a:p>
-            <a:endParaRPr lang="en-US" dirty="0" smtClean="0"/>
-          </a:p>
-          <a:p>
-            <a:endParaRPr lang="en-US" dirty="0"/>
-          </a:p>
-          <a:p>
-            <a:endParaRPr lang="en-US" dirty="0" smtClean="0"/>
-          </a:p>
-          <a:p>
-            <a:endParaRPr lang="en-US" dirty="0" smtClean="0"/>
-          </a:p>
-          <a:p>
-            <a:r>
-              <a:rPr lang="en-US" dirty="0"/>
+              <a:t>rmdir</a:t>
+            </a:r>
+            <a:r>
+              <a:rPr lang="en-US" dirty="0" smtClean="0"/>
+              <a:t> </a:t>
+            </a:r>
+            <a:r>
+              <a:rPr lang="en-US" dirty="0" err="1" smtClean="0"/>
+              <a:t>emptydir</a:t>
+            </a:r>
+            <a:r>
+              <a:rPr lang="en-US" dirty="0" smtClean="0"/>
+              <a:t>		</a:t>
+            </a:r>
+            <a:r>
+              <a:rPr lang="en-US" i="1" dirty="0" smtClean="0"/>
+              <a:t>empty dir is deleted</a:t>
+            </a:r>
+          </a:p>
+          <a:p>
+            <a:endParaRPr lang="en-US" dirty="0" smtClean="0"/>
+          </a:p>
+          <a:p>
+            <a:r>
+              <a:rPr lang="en-US" b="1" dirty="0" err="1" smtClean="0"/>
+              <a:t>rm</a:t>
+            </a:r>
+            <a:r>
+              <a:rPr lang="en-US" b="1" dirty="0" smtClean="0"/>
+              <a:t> = permanently removes a file or directory</a:t>
+            </a:r>
+          </a:p>
+          <a:p>
+            <a:r>
+              <a:rPr lang="en-US" dirty="0" smtClean="0"/>
               <a:t>	</a:t>
             </a:r>
+            <a:r>
+              <a:rPr lang="en-US" dirty="0" err="1" smtClean="0"/>
+              <a:t>rm</a:t>
+            </a:r>
+            <a:r>
+              <a:rPr lang="en-US" dirty="0" smtClean="0"/>
+              <a:t> </a:t>
+            </a:r>
+            <a:r>
+              <a:rPr lang="en-US" dirty="0" err="1" smtClean="0"/>
+              <a:t>fileA</a:t>
+            </a:r>
+            <a:r>
+              <a:rPr lang="en-US" dirty="0" smtClean="0"/>
+              <a:t>			</a:t>
+            </a:r>
+            <a:r>
+              <a:rPr lang="en-US" i="1" dirty="0" smtClean="0"/>
+              <a:t>deletes "</a:t>
+            </a:r>
+            <a:r>
+              <a:rPr lang="en-US" i="1" dirty="0" err="1" smtClean="0"/>
+              <a:t>fileA</a:t>
+            </a:r>
+            <a:r>
+              <a:rPr lang="en-US" i="1" dirty="0" smtClean="0"/>
+              <a:t>"</a:t>
+            </a:r>
+          </a:p>
+          <a:p>
+            <a:r>
+              <a:rPr lang="en-US" i="1" dirty="0" smtClean="0"/>
+              <a:t>	</a:t>
+            </a:r>
+            <a:r>
+              <a:rPr lang="en-US" dirty="0" err="1" smtClean="0"/>
+              <a:t>rm</a:t>
+            </a:r>
+            <a:r>
+              <a:rPr lang="en-US" dirty="0" smtClean="0"/>
+              <a:t> –</a:t>
+            </a:r>
+            <a:r>
+              <a:rPr lang="en-US" dirty="0" err="1" smtClean="0"/>
+              <a:t>rf</a:t>
+            </a:r>
+            <a:r>
+              <a:rPr lang="en-US" dirty="0" smtClean="0"/>
+              <a:t> </a:t>
+            </a:r>
+            <a:r>
+              <a:rPr lang="en-US" dirty="0" err="1" smtClean="0"/>
+              <a:t>dirA</a:t>
+            </a:r>
+            <a:r>
+              <a:rPr lang="en-US" i="1" dirty="0" smtClean="0"/>
+              <a:t>		VERY DANGEROUS! recursively deletes everything in "</a:t>
+            </a:r>
+            <a:r>
+              <a:rPr lang="en-US" i="1" dirty="0" err="1" smtClean="0"/>
+              <a:t>dirA</a:t>
+            </a:r>
+            <a:r>
+              <a:rPr lang="en-US" i="1" dirty="0" smtClean="0"/>
+              <a:t>"</a:t>
+            </a:r>
+          </a:p>
+          <a:p>
+            <a:r>
+              <a:rPr lang="en-US" i="1" dirty="0" smtClean="0"/>
+              <a:t> </a:t>
+            </a:r>
+            <a:r>
+              <a:rPr lang="en-US" dirty="0" smtClean="0"/>
+              <a:t> </a:t>
+            </a:r>
+          </a:p>
+          <a:p>
+            <a:endParaRPr lang="en-US" dirty="0" smtClean="0"/>
+          </a:p>
+          <a:p>
+            <a:endParaRPr lang="en-US" dirty="0" smtClean="0"/>
+          </a:p>
+          <a:p>
+            <a:r>
+              <a:rPr lang="en-US" i="1" dirty="0" smtClean="0"/>
+              <a:t> </a:t>
+            </a:r>
+            <a:endParaRPr lang="en-US" i="1" dirty="0"/>
           </a:p>
         </p:txBody>
       </p:sp>
@@ -7112,7 +5573,7 @@
           <a:p>
             <a:r>
               <a:rPr lang="en-US" dirty="0" smtClean="0"/>
-              <a:t>Today's Agenda</a:t>
+              <a:t>Unix - Common Commands</a:t>
             </a:r>
             <a:endParaRPr lang="en-US" dirty="0"/>
           </a:p>
@@ -7137,108 +5598,400 @@
           </a:p>
           <a:p>
             <a:r>
-              <a:rPr lang="en-US" dirty="0" smtClean="0"/>
-              <a:t>&gt; To provide an overview of the course</a:t>
-            </a:r>
-            <a:endParaRPr lang="en-US" dirty="0" smtClean="0"/>
-          </a:p>
-          <a:p>
-            <a:endParaRPr lang="en-US" dirty="0" smtClean="0"/>
-          </a:p>
-          <a:p>
-            <a:r>
-              <a:rPr lang="en-US" dirty="0" smtClean="0"/>
-              <a:t>&gt; Look at syllabus</a:t>
-            </a:r>
-          </a:p>
-          <a:p>
-            <a:endParaRPr lang="en-US" dirty="0" smtClean="0"/>
-          </a:p>
-          <a:p>
-            <a:r>
-              <a:rPr lang="en-US" dirty="0" smtClean="0"/>
-              <a:t>&gt; To sign up for the class forum</a:t>
-            </a:r>
-          </a:p>
-          <a:p>
-            <a:endParaRPr lang="en-US" dirty="0" smtClean="0"/>
-          </a:p>
-          <a:p>
-            <a:r>
-              <a:rPr lang="en-US" dirty="0" smtClean="0"/>
-              <a:t>&gt; To install Processing, play with some sample code, and explore the Processing web site</a:t>
-            </a:r>
-          </a:p>
-          <a:p>
-            <a:endParaRPr lang="en-US" dirty="0" smtClean="0"/>
-          </a:p>
-          <a:p>
-            <a:r>
-              <a:rPr lang="en-US" dirty="0" smtClean="0"/>
-              <a:t>&gt; To become familiar with the Unix </a:t>
-            </a:r>
-            <a:r>
-              <a:rPr lang="en-US" dirty="0" err="1" smtClean="0"/>
-              <a:t>filesystem</a:t>
-            </a:r>
-            <a:r>
-              <a:rPr lang="en-US" dirty="0" smtClean="0"/>
-              <a:t> and environment</a:t>
-            </a:r>
-          </a:p>
-          <a:p>
-            <a:endParaRPr lang="en-US" dirty="0" smtClean="0"/>
-          </a:p>
-          <a:p>
-            <a:r>
-              <a:rPr lang="en-US" dirty="0" smtClean="0"/>
-              <a:t>&gt; To install </a:t>
-            </a:r>
-            <a:r>
-              <a:rPr lang="en-US" dirty="0" err="1" smtClean="0"/>
-              <a:t>git</a:t>
-            </a:r>
-            <a:r>
-              <a:rPr lang="en-US" dirty="0" smtClean="0"/>
-              <a:t> and to set up an account on </a:t>
-            </a:r>
-            <a:r>
-              <a:rPr lang="en-US" dirty="0" err="1" smtClean="0"/>
-              <a:t>github.com</a:t>
-            </a:r>
-            <a:endParaRPr lang="en-US" dirty="0" smtClean="0"/>
-          </a:p>
-          <a:p>
-            <a:endParaRPr lang="en-US" dirty="0" smtClean="0"/>
-          </a:p>
-          <a:p>
-            <a:r>
-              <a:rPr lang="en-US" dirty="0" smtClean="0"/>
-              <a:t>&gt; To create a new </a:t>
-            </a:r>
-            <a:r>
-              <a:rPr lang="en-US" dirty="0" err="1" smtClean="0"/>
-              <a:t>git</a:t>
-            </a:r>
-            <a:r>
-              <a:rPr lang="en-US" dirty="0" smtClean="0"/>
-              <a:t> repository for a Processing sketch</a:t>
-            </a:r>
-          </a:p>
-          <a:p>
-            <a:endParaRPr lang="en-US" dirty="0" smtClean="0"/>
-          </a:p>
-          <a:p>
-            <a:r>
-              <a:rPr lang="en-US" dirty="0" smtClean="0"/>
-              <a:t>&gt; To show you your first assignment</a:t>
-            </a:r>
-          </a:p>
-          <a:p>
-            <a:endParaRPr lang="en-US" dirty="0" smtClean="0"/>
-          </a:p>
-          <a:p>
-            <a:endParaRPr lang="en-US" dirty="0" smtClean="0"/>
+              <a:rPr lang="en-US" b="1" dirty="0" smtClean="0"/>
+              <a:t>more = page through text</a:t>
+            </a:r>
+          </a:p>
+          <a:p>
+            <a:r>
+              <a:rPr lang="en-US" dirty="0" smtClean="0"/>
+              <a:t>	more </a:t>
+            </a:r>
+            <a:r>
+              <a:rPr lang="en-US" dirty="0" err="1" smtClean="0"/>
+              <a:t>bigfile.txt</a:t>
+            </a:r>
+            <a:r>
+              <a:rPr lang="en-US" dirty="0" smtClean="0"/>
+              <a:t> 		</a:t>
+            </a:r>
+            <a:r>
+              <a:rPr lang="en-US" i="1" dirty="0" smtClean="0"/>
+              <a:t>pages through </a:t>
+            </a:r>
+            <a:r>
+              <a:rPr lang="en-US" i="1" dirty="0" err="1" smtClean="0"/>
+              <a:t>bigfile.txt</a:t>
+            </a:r>
+            <a:r>
+              <a:rPr lang="en-US" i="1" dirty="0" smtClean="0"/>
+              <a:t> (by pressing space)</a:t>
+            </a:r>
+          </a:p>
+          <a:p>
+            <a:endParaRPr lang="en-US" i="1" dirty="0" smtClean="0"/>
+          </a:p>
+          <a:p>
+            <a:r>
+              <a:rPr lang="en-US" b="1" dirty="0" smtClean="0"/>
+              <a:t>head / tail = print out first or last lines of a file</a:t>
+            </a:r>
+          </a:p>
+          <a:p>
+            <a:r>
+              <a:rPr lang="en-US" dirty="0" smtClean="0"/>
+              <a:t>	head -</a:t>
+            </a:r>
+            <a:r>
+              <a:rPr lang="en-US" dirty="0" err="1" smtClean="0"/>
+              <a:t>n</a:t>
+            </a:r>
+            <a:r>
+              <a:rPr lang="en-US" dirty="0" smtClean="0"/>
+              <a:t> 5 </a:t>
+            </a:r>
+            <a:r>
+              <a:rPr lang="en-US" dirty="0" err="1" smtClean="0"/>
+              <a:t>file.txt</a:t>
+            </a:r>
+            <a:r>
+              <a:rPr lang="en-US" dirty="0" smtClean="0"/>
+              <a:t> 		</a:t>
+            </a:r>
+            <a:r>
+              <a:rPr lang="en-US" i="1" dirty="0" smtClean="0"/>
+              <a:t>prints out first 5 lines of </a:t>
+            </a:r>
+            <a:r>
+              <a:rPr lang="en-US" i="1" dirty="0" err="1" smtClean="0"/>
+              <a:t>file.txt</a:t>
+            </a:r>
+            <a:endParaRPr lang="en-US" i="1" dirty="0" smtClean="0"/>
+          </a:p>
+          <a:p>
+            <a:r>
+              <a:rPr lang="en-US" dirty="0" smtClean="0"/>
+              <a:t>	tail -</a:t>
+            </a:r>
+            <a:r>
+              <a:rPr lang="en-US" dirty="0" err="1" smtClean="0"/>
+              <a:t>n</a:t>
+            </a:r>
+            <a:r>
+              <a:rPr lang="en-US" dirty="0" smtClean="0"/>
+              <a:t> 5 </a:t>
+            </a:r>
+            <a:r>
+              <a:rPr lang="en-US" dirty="0" err="1" smtClean="0"/>
+              <a:t>file.txt</a:t>
+            </a:r>
+            <a:r>
+              <a:rPr lang="en-US" dirty="0" smtClean="0"/>
+              <a:t> 		</a:t>
+            </a:r>
+            <a:r>
+              <a:rPr lang="en-US" i="1" dirty="0" smtClean="0"/>
+              <a:t>prints out last 5 lines of </a:t>
+            </a:r>
+            <a:r>
+              <a:rPr lang="en-US" i="1" dirty="0" err="1" smtClean="0"/>
+              <a:t>file.txt</a:t>
+            </a:r>
+            <a:endParaRPr lang="en-US" i="1" dirty="0" smtClean="0"/>
+          </a:p>
+          <a:p>
+            <a:endParaRPr lang="en-US" i="1" dirty="0" smtClean="0"/>
+          </a:p>
+          <a:p>
+            <a:r>
+              <a:rPr lang="en-US" b="1" dirty="0" smtClean="0"/>
+              <a:t>find = find files</a:t>
+            </a:r>
+          </a:p>
+          <a:p>
+            <a:r>
+              <a:rPr lang="en-US" i="1" dirty="0" smtClean="0"/>
+              <a:t>	</a:t>
+            </a:r>
+            <a:r>
+              <a:rPr lang="en-US" dirty="0" smtClean="0"/>
+              <a:t>find .</a:t>
+            </a:r>
+            <a:r>
+              <a:rPr lang="en-US" i="1" dirty="0" smtClean="0"/>
+              <a:t> 				recursively list all files from the current directory</a:t>
+            </a:r>
+          </a:p>
+          <a:p>
+            <a:r>
+              <a:rPr lang="en-US" i="1" dirty="0" smtClean="0"/>
+              <a:t>	</a:t>
+            </a:r>
+            <a:r>
+              <a:rPr lang="en-US" dirty="0" smtClean="0"/>
+              <a:t>find ~/logs/*2010*</a:t>
+            </a:r>
+            <a:r>
+              <a:rPr lang="en-US" i="1" dirty="0" smtClean="0"/>
+              <a:t>		list all files in the logs dir that contain "2010"</a:t>
+            </a:r>
+          </a:p>
+          <a:p>
+            <a:endParaRPr lang="en-US" i="1" dirty="0" smtClean="0"/>
+          </a:p>
+          <a:p>
+            <a:r>
+              <a:rPr lang="en-US" b="1" dirty="0" err="1" smtClean="0"/>
+              <a:t>grep</a:t>
+            </a:r>
+            <a:r>
+              <a:rPr lang="en-US" b="1" dirty="0" smtClean="0"/>
+              <a:t> = print lines matching a pattern</a:t>
+            </a:r>
+          </a:p>
+          <a:p>
+            <a:r>
+              <a:rPr lang="en-US" b="1" dirty="0" smtClean="0"/>
+              <a:t>	</a:t>
+            </a:r>
+            <a:r>
+              <a:rPr lang="en-US" dirty="0" err="1" smtClean="0"/>
+              <a:t>grep</a:t>
+            </a:r>
+            <a:r>
+              <a:rPr lang="en-US" dirty="0" smtClean="0"/>
+              <a:t> "</a:t>
+            </a:r>
+            <a:r>
+              <a:rPr lang="en-US" dirty="0"/>
+              <a:t>A</a:t>
+            </a:r>
+            <a:r>
+              <a:rPr lang="en-US" dirty="0" smtClean="0"/>
+              <a:t>" cell* 			</a:t>
+            </a:r>
+            <a:r>
+              <a:rPr lang="en-US" i="1" dirty="0" smtClean="0"/>
+              <a:t>print lines containing "</a:t>
+            </a:r>
+            <a:r>
+              <a:rPr lang="en-US" i="1" dirty="0"/>
+              <a:t>A</a:t>
+            </a:r>
+            <a:r>
+              <a:rPr lang="en-US" i="1" dirty="0" smtClean="0"/>
+              <a:t>" from files starting with "cell"</a:t>
+            </a:r>
+          </a:p>
+          <a:p>
+            <a:r>
+              <a:rPr lang="en-US" i="1" dirty="0" smtClean="0"/>
+              <a:t>	</a:t>
+            </a:r>
+            <a:r>
+              <a:rPr lang="en-US" dirty="0" err="1" smtClean="0"/>
+              <a:t>grep</a:t>
+            </a:r>
+            <a:r>
+              <a:rPr lang="en-US" dirty="0" smtClean="0"/>
+              <a:t> -</a:t>
+            </a:r>
+            <a:r>
+              <a:rPr lang="en-US" dirty="0" err="1" smtClean="0"/>
+              <a:t>i</a:t>
+            </a:r>
+            <a:r>
+              <a:rPr lang="en-US" dirty="0" smtClean="0"/>
+              <a:t> "a" </a:t>
+            </a:r>
+            <a:r>
+              <a:rPr lang="en-US" dirty="0" err="1" smtClean="0"/>
+              <a:t>file.txt</a:t>
+            </a:r>
+            <a:r>
+              <a:rPr lang="en-US" i="1" dirty="0" smtClean="0"/>
+              <a:t>	print lines containing "a" or "A" from </a:t>
+            </a:r>
+            <a:r>
+              <a:rPr lang="en-US" i="1" dirty="0" err="1" smtClean="0"/>
+              <a:t>file.txt</a:t>
+            </a:r>
+            <a:endParaRPr lang="en-US" i="1" dirty="0" smtClean="0"/>
+          </a:p>
+          <a:p>
+            <a:r>
+              <a:rPr lang="en-US" i="1" dirty="0" smtClean="0"/>
+              <a:t>	</a:t>
+            </a:r>
+            <a:r>
+              <a:rPr lang="en-US" dirty="0" err="1" smtClean="0"/>
+              <a:t>grep</a:t>
+            </a:r>
+            <a:r>
+              <a:rPr lang="en-US" dirty="0" smtClean="0"/>
+              <a:t> -</a:t>
+            </a:r>
+            <a:r>
+              <a:rPr lang="en-US" dirty="0" err="1" smtClean="0"/>
+              <a:t>v</a:t>
+            </a:r>
+            <a:r>
+              <a:rPr lang="en-US" dirty="0" smtClean="0"/>
+              <a:t> "a" </a:t>
+            </a:r>
+            <a:r>
+              <a:rPr lang="en-US" dirty="0" err="1" smtClean="0"/>
+              <a:t>file.txt</a:t>
+            </a:r>
+            <a:r>
+              <a:rPr lang="en-US" i="1" dirty="0" smtClean="0"/>
+              <a:t>	print lines that don't contain "a" from </a:t>
+            </a:r>
+            <a:r>
+              <a:rPr lang="en-US" i="1" dirty="0" err="1" smtClean="0"/>
+              <a:t>file.txt</a:t>
+            </a:r>
+            <a:endParaRPr lang="en-US" i="1" dirty="0" smtClean="0"/>
+          </a:p>
+          <a:p>
+            <a:endParaRPr lang="en-US" i="1" dirty="0" smtClean="0"/>
+          </a:p>
+          <a:p>
+            <a:r>
+              <a:rPr lang="en-US" b="1" dirty="0" smtClean="0"/>
+              <a:t>man = get the manual for a command</a:t>
+            </a:r>
+          </a:p>
+          <a:p>
+            <a:r>
+              <a:rPr lang="en-US" b="1" i="1" dirty="0" smtClean="0"/>
+              <a:t>	</a:t>
+            </a:r>
+            <a:r>
+              <a:rPr lang="en-US" dirty="0" smtClean="0"/>
+              <a:t>man </a:t>
+            </a:r>
+            <a:r>
+              <a:rPr lang="en-US" dirty="0" err="1" smtClean="0"/>
+              <a:t>grep</a:t>
+            </a:r>
+            <a:r>
+              <a:rPr lang="en-US" dirty="0" smtClean="0"/>
+              <a:t>				</a:t>
+            </a:r>
+            <a:r>
+              <a:rPr lang="en-US" i="1" dirty="0" smtClean="0"/>
+              <a:t>page through documentation about the </a:t>
+            </a:r>
+            <a:r>
+              <a:rPr lang="en-US" i="1" dirty="0" err="1" smtClean="0"/>
+              <a:t>grep</a:t>
+            </a:r>
+            <a:r>
+              <a:rPr lang="en-US" i="1" dirty="0" smtClean="0"/>
+              <a:t> command</a:t>
+            </a:r>
+            <a:r>
+              <a:rPr lang="en-US" b="1" i="1" dirty="0" smtClean="0"/>
+              <a:t> </a:t>
+            </a:r>
+          </a:p>
+          <a:p>
+            <a:endParaRPr lang="en-US" b="1" i="1" dirty="0" smtClean="0"/>
+          </a:p>
+          <a:p>
+            <a:r>
+              <a:rPr lang="en-US" b="1" dirty="0" smtClean="0"/>
+              <a:t>diff = compare two files</a:t>
+            </a:r>
+          </a:p>
+          <a:p>
+            <a:r>
+              <a:rPr lang="en-US" b="1" i="1" dirty="0" smtClean="0"/>
+              <a:t>	</a:t>
+            </a:r>
+            <a:r>
+              <a:rPr lang="en-US" dirty="0" smtClean="0"/>
+              <a:t>diff f1.txt f2.txt		</a:t>
+            </a:r>
+            <a:r>
+              <a:rPr lang="en-US" i="1" dirty="0" smtClean="0"/>
+              <a:t>output the lines where the files don't match up</a:t>
+            </a:r>
+            <a:r>
+              <a:rPr lang="en-US" dirty="0" smtClean="0"/>
+              <a:t>	</a:t>
+            </a:r>
+            <a:endParaRPr lang="en-US" b="1" i="1" dirty="0" smtClean="0"/>
+          </a:p>
+          <a:p>
+            <a:endParaRPr lang="en-US" b="1" i="1" dirty="0"/>
+          </a:p>
+          <a:p>
+            <a:endParaRPr lang="en-US" b="1" i="1" dirty="0" smtClean="0"/>
+          </a:p>
+          <a:p>
+            <a:r>
+              <a:rPr lang="en-US" i="1" dirty="0"/>
+              <a:t>	</a:t>
+            </a:r>
+            <a:endParaRPr lang="en-US" i="1" dirty="0" smtClean="0"/>
+          </a:p>
+          <a:p>
+            <a:endParaRPr lang="en-US" i="1" dirty="0" smtClean="0"/>
+          </a:p>
+          <a:p>
+            <a:endParaRPr lang="en-US" i="1" dirty="0" smtClean="0"/>
+          </a:p>
+          <a:p>
+            <a:r>
+              <a:rPr lang="en-US" i="1" dirty="0" smtClean="0"/>
+              <a:t> </a:t>
+            </a:r>
+          </a:p>
+          <a:p>
+            <a:r>
+              <a:rPr lang="en-US" i="1" dirty="0" smtClean="0"/>
+              <a:t> </a:t>
+            </a:r>
+          </a:p>
+          <a:p>
+            <a:r>
+              <a:rPr lang="en-US" dirty="0" smtClean="0"/>
+              <a:t>	</a:t>
+            </a:r>
+          </a:p>
+          <a:p>
+            <a:endParaRPr lang="en-US" dirty="0" smtClean="0"/>
+          </a:p>
+          <a:p>
+            <a:endParaRPr lang="en-US" dirty="0"/>
+          </a:p>
+          <a:p>
+            <a:endParaRPr lang="en-US" dirty="0" smtClean="0"/>
+          </a:p>
+          <a:p>
+            <a:r>
+              <a:rPr lang="en-US" i="1" dirty="0" smtClean="0"/>
+              <a:t> </a:t>
+            </a:r>
+            <a:r>
+              <a:rPr lang="en-US" dirty="0" smtClean="0"/>
+              <a:t> </a:t>
+            </a:r>
+          </a:p>
+          <a:p>
+            <a:endParaRPr lang="en-US" dirty="0" smtClean="0"/>
+          </a:p>
+          <a:p>
+            <a:endParaRPr lang="en-US" dirty="0" smtClean="0"/>
+          </a:p>
+          <a:p>
+            <a:r>
+              <a:rPr lang="en-US" i="1" dirty="0" smtClean="0"/>
+              <a:t> </a:t>
+            </a:r>
+            <a:endParaRPr lang="en-US" i="1" dirty="0"/>
           </a:p>
         </p:txBody>
       </p:sp>
@@ -7291,7 +6044,7 @@
           <a:p>
             <a:r>
               <a:rPr lang="en-US" dirty="0" smtClean="0"/>
-              <a:t>Unix - Common Commands</a:t>
+              <a:t>Unix - I/O Redirection</a:t>
             </a:r>
             <a:endParaRPr lang="en-US" dirty="0"/>
           </a:p>
@@ -7312,256 +6065,116 @@
           <a:bodyPr/>
           <a:lstStyle/>
           <a:p>
-            <a:endParaRPr lang="en-US" b="1" dirty="0" smtClean="0"/>
-          </a:p>
-          <a:p>
-            <a:r>
-              <a:rPr lang="en-US" b="1" dirty="0" err="1" smtClean="0"/>
-              <a:t>cd</a:t>
-            </a:r>
+            <a:endParaRPr lang="en-US" dirty="0" smtClean="0"/>
+          </a:p>
+          <a:p>
             <a:r>
               <a:rPr lang="en-US" b="1" dirty="0" smtClean="0"/>
+              <a:t>pipe |</a:t>
+            </a:r>
+            <a:r>
+              <a:rPr lang="en-US" dirty="0" smtClean="0"/>
+              <a:t> = funnel the output of one program into the input of another one</a:t>
+            </a:r>
+          </a:p>
+          <a:p>
+            <a:r>
+              <a:rPr lang="en-US" dirty="0" smtClean="0"/>
+              <a:t>	cat </a:t>
+            </a:r>
+            <a:r>
+              <a:rPr lang="en-US" dirty="0" err="1" smtClean="0"/>
+              <a:t>bigfile</a:t>
+            </a:r>
+            <a:r>
+              <a:rPr lang="en-US" dirty="0" smtClean="0"/>
+              <a:t> | more			</a:t>
+            </a:r>
+            <a:r>
+              <a:rPr lang="en-US" i="1" dirty="0" smtClean="0"/>
+              <a:t>pages through </a:t>
+            </a:r>
+            <a:r>
+              <a:rPr lang="en-US" i="1" dirty="0" err="1" smtClean="0"/>
+              <a:t>bigfile</a:t>
+            </a:r>
+            <a:endParaRPr lang="en-US" i="1" dirty="0" smtClean="0"/>
+          </a:p>
+          <a:p>
+            <a:r>
+              <a:rPr lang="en-US" dirty="0" smtClean="0"/>
+              <a:t>	</a:t>
+            </a:r>
+            <a:r>
+              <a:rPr lang="en-US" dirty="0" err="1" smtClean="0"/>
+              <a:t>ls</a:t>
+            </a:r>
+            <a:r>
+              <a:rPr lang="en-US" dirty="0" smtClean="0"/>
               <a:t> </a:t>
             </a:r>
             <a:r>
+              <a:rPr lang="en-US" dirty="0" err="1" smtClean="0"/>
+              <a:t>mydir</a:t>
+            </a:r>
+            <a:r>
+              <a:rPr lang="en-US" dirty="0" smtClean="0"/>
+              <a:t> | </a:t>
+            </a:r>
+            <a:r>
+              <a:rPr lang="en-US" dirty="0" err="1" smtClean="0"/>
+              <a:t>grep</a:t>
+            </a:r>
+            <a:r>
+              <a:rPr lang="en-US" dirty="0" smtClean="0"/>
+              <a:t> a*			</a:t>
+            </a:r>
+            <a:r>
+              <a:rPr lang="en-US" i="1" dirty="0" smtClean="0"/>
+              <a:t>only prints out filenames that start with an "a"</a:t>
+            </a:r>
+          </a:p>
+          <a:p>
+            <a:r>
+              <a:rPr lang="en-US" dirty="0" smtClean="0"/>
+              <a:t>	cat </a:t>
+            </a:r>
+            <a:r>
+              <a:rPr lang="en-US" dirty="0" err="1"/>
+              <a:t>a</a:t>
+            </a:r>
+            <a:r>
+              <a:rPr lang="en-US" dirty="0" err="1" smtClean="0"/>
+              <a:t>file</a:t>
+            </a:r>
+            <a:r>
+              <a:rPr lang="en-US" dirty="0" smtClean="0"/>
+              <a:t> | </a:t>
+            </a:r>
+            <a:r>
+              <a:rPr lang="en-US" dirty="0" err="1" smtClean="0"/>
+              <a:t>grep</a:t>
+            </a:r>
+            <a:r>
+              <a:rPr lang="en-US" dirty="0" smtClean="0"/>
+              <a:t> a* | more	</a:t>
+            </a:r>
+            <a:r>
+              <a:rPr lang="en-US" i="1" dirty="0" smtClean="0"/>
+              <a:t>pages through lines that start with "a"</a:t>
+            </a:r>
+          </a:p>
+          <a:p>
+            <a:endParaRPr lang="en-US" dirty="0" smtClean="0"/>
+          </a:p>
+          <a:p>
+            <a:r>
               <a:rPr lang="en-US" b="1" dirty="0" smtClean="0"/>
-              <a:t>= change directory</a:t>
-            </a:r>
-          </a:p>
-          <a:p>
-            <a:r>
-              <a:rPr lang="en-US" dirty="0" smtClean="0"/>
-              <a:t>	</a:t>
-            </a:r>
-            <a:r>
-              <a:rPr lang="en-US" dirty="0" err="1" smtClean="0"/>
-              <a:t>cd</a:t>
-            </a:r>
-            <a:r>
-              <a:rPr lang="en-US" dirty="0" smtClean="0"/>
-              <a:t> .. 				</a:t>
-            </a:r>
-            <a:r>
-              <a:rPr lang="en-US" i="1" dirty="0" smtClean="0"/>
-              <a:t>move up to parent directory</a:t>
-            </a:r>
-          </a:p>
-          <a:p>
-            <a:r>
-              <a:rPr lang="en-US" dirty="0" smtClean="0"/>
-              <a:t>	</a:t>
-            </a:r>
-            <a:r>
-              <a:rPr lang="en-US" dirty="0" err="1" smtClean="0"/>
-              <a:t>cd</a:t>
-            </a:r>
-            <a:r>
-              <a:rPr lang="en-US" dirty="0" smtClean="0"/>
-              <a:t> ~ 					</a:t>
-            </a:r>
-            <a:r>
-              <a:rPr lang="en-US" i="1" dirty="0" smtClean="0"/>
-              <a:t>change to home directory</a:t>
-            </a:r>
-          </a:p>
-          <a:p>
-            <a:r>
-              <a:rPr lang="en-US" i="1" dirty="0" smtClean="0"/>
-              <a:t>	</a:t>
-            </a:r>
-            <a:r>
-              <a:rPr lang="en-US" dirty="0" err="1" smtClean="0"/>
-              <a:t>cd</a:t>
-            </a:r>
-            <a:r>
-              <a:rPr lang="en-US" dirty="0" smtClean="0"/>
-              <a:t> /</a:t>
-            </a:r>
-            <a:r>
-              <a:rPr lang="en-US" i="1" dirty="0" smtClean="0"/>
-              <a:t>					change to top level "root" directory	</a:t>
-            </a:r>
-          </a:p>
-          <a:p>
-            <a:r>
-              <a:rPr lang="en-US" i="1" dirty="0" smtClean="0"/>
-              <a:t>	</a:t>
-            </a:r>
-            <a:r>
-              <a:rPr lang="en-US" dirty="0" err="1" smtClean="0"/>
-              <a:t>cd</a:t>
-            </a:r>
-            <a:r>
-              <a:rPr lang="en-US" dirty="0" smtClean="0"/>
-              <a:t> /Users/angus/Music	</a:t>
-            </a:r>
-            <a:r>
-              <a:rPr lang="en-US" i="1" dirty="0" smtClean="0"/>
-              <a:t>change to a directory by providing the absolute path</a:t>
-            </a:r>
-          </a:p>
-          <a:p>
-            <a:r>
-              <a:rPr lang="en-US" i="1" dirty="0" smtClean="0"/>
-              <a:t>	</a:t>
-            </a:r>
-            <a:r>
-              <a:rPr lang="en-US" dirty="0" err="1" smtClean="0"/>
-              <a:t>cd</a:t>
-            </a:r>
-            <a:r>
-              <a:rPr lang="en-US" dirty="0" smtClean="0"/>
-              <a:t> </a:t>
-            </a:r>
-            <a:r>
-              <a:rPr lang="en-US" dirty="0" err="1" smtClean="0"/>
-              <a:t>src</a:t>
-            </a:r>
-            <a:r>
-              <a:rPr lang="en-US" dirty="0" smtClean="0"/>
-              <a:t>				</a:t>
-            </a:r>
-            <a:r>
-              <a:rPr lang="en-US" i="1" dirty="0" smtClean="0"/>
-              <a:t>move into a child folder by providing a relative path</a:t>
-            </a:r>
-          </a:p>
-          <a:p>
-            <a:r>
-              <a:rPr lang="en-US" dirty="0" smtClean="0"/>
-              <a:t>	</a:t>
-            </a:r>
-          </a:p>
-          <a:p>
-            <a:r>
-              <a:rPr lang="en-US" b="1" dirty="0" err="1" smtClean="0"/>
-              <a:t>pwd</a:t>
-            </a:r>
-            <a:r>
-              <a:rPr lang="en-US" b="1" dirty="0" smtClean="0"/>
-              <a:t> = print working directory</a:t>
-            </a:r>
-          </a:p>
-          <a:p>
-            <a:r>
-              <a:rPr lang="en-US" i="1" dirty="0" smtClean="0"/>
-              <a:t> 	</a:t>
-            </a:r>
-            <a:r>
-              <a:rPr lang="en-US" dirty="0" err="1" smtClean="0"/>
-              <a:t>cd</a:t>
-            </a:r>
-            <a:r>
-              <a:rPr lang="en-US" dirty="0" smtClean="0"/>
-              <a:t> ~					</a:t>
-            </a:r>
-            <a:r>
-              <a:rPr lang="en-US" i="1" dirty="0" smtClean="0"/>
-              <a:t>change to home directory</a:t>
-            </a:r>
-            <a:endParaRPr lang="en-US" dirty="0" smtClean="0"/>
-          </a:p>
-          <a:p>
-            <a:r>
-              <a:rPr lang="en-US" i="1" dirty="0" smtClean="0"/>
-              <a:t>	</a:t>
-            </a:r>
-            <a:r>
-              <a:rPr lang="en-US" dirty="0" err="1" smtClean="0"/>
-              <a:t>pwd</a:t>
-            </a:r>
-            <a:r>
-              <a:rPr lang="en-US" dirty="0" smtClean="0"/>
-              <a:t>					</a:t>
-            </a:r>
-            <a:r>
-              <a:rPr lang="en-US" i="1" dirty="0" smtClean="0"/>
-              <a:t>prints out "/Users/angus"</a:t>
-            </a:r>
-          </a:p>
-          <a:p>
-            <a:endParaRPr lang="en-US" dirty="0" smtClean="0"/>
-          </a:p>
-          <a:p>
-            <a:r>
-              <a:rPr lang="en-US" b="1" dirty="0" err="1" smtClean="0"/>
-              <a:t>ls</a:t>
-            </a:r>
-            <a:r>
-              <a:rPr lang="en-US" b="1" dirty="0" smtClean="0"/>
-              <a:t> = list files and directories</a:t>
-            </a:r>
-          </a:p>
-          <a:p>
-            <a:r>
-              <a:rPr lang="en-US" dirty="0" smtClean="0"/>
-              <a:t>	</a:t>
-            </a:r>
-            <a:r>
-              <a:rPr lang="en-US" dirty="0" err="1" smtClean="0"/>
-              <a:t>ls</a:t>
-            </a:r>
-            <a:r>
-              <a:rPr lang="en-US" dirty="0" smtClean="0"/>
-              <a:t>					print out all files in current directory</a:t>
-            </a:r>
-          </a:p>
-          <a:p>
-            <a:r>
-              <a:rPr lang="en-US" dirty="0" smtClean="0"/>
-              <a:t>	</a:t>
-            </a:r>
-            <a:r>
-              <a:rPr lang="en-US" dirty="0" err="1" smtClean="0"/>
-              <a:t>ls</a:t>
-            </a:r>
-            <a:r>
-              <a:rPr lang="en-US" dirty="0" smtClean="0"/>
-              <a:t> -</a:t>
-            </a:r>
-            <a:r>
-              <a:rPr lang="en-US" dirty="0" err="1" smtClean="0"/>
-              <a:t>alh</a:t>
-            </a:r>
-            <a:r>
-              <a:rPr lang="en-US" dirty="0" smtClean="0"/>
-              <a:t>				print out all files include hidden files in a long format</a:t>
-            </a:r>
-          </a:p>
-          <a:p>
-            <a:r>
-              <a:rPr lang="en-US" dirty="0" smtClean="0"/>
-              <a:t>	</a:t>
-            </a:r>
-            <a:r>
-              <a:rPr lang="en-US" dirty="0" err="1" smtClean="0"/>
-              <a:t>ls</a:t>
-            </a:r>
-            <a:r>
-              <a:rPr lang="en-US" dirty="0" smtClean="0"/>
-              <a:t> -R </a:t>
-            </a:r>
-            <a:r>
-              <a:rPr lang="en-US" dirty="0" err="1" smtClean="0"/>
-              <a:t>mydir</a:t>
-            </a:r>
-            <a:r>
-              <a:rPr lang="en-US" dirty="0" smtClean="0"/>
-              <a:t>			recursively list all files in </a:t>
-            </a:r>
-            <a:r>
-              <a:rPr lang="en-US" dirty="0" err="1" smtClean="0"/>
-              <a:t>mydir</a:t>
-            </a:r>
-            <a:endParaRPr lang="en-US" dirty="0" smtClean="0"/>
-          </a:p>
-          <a:p>
-            <a:endParaRPr lang="en-US" dirty="0" smtClean="0"/>
-          </a:p>
-          <a:p>
-            <a:r>
-              <a:rPr lang="en-US" b="1" dirty="0" smtClean="0"/>
-              <a:t>cat = print out file</a:t>
+              <a:t>redirect output &gt;</a:t>
+            </a:r>
+            <a:r>
+              <a:rPr lang="en-US" dirty="0" smtClean="0"/>
+              <a:t> = funnel the output of a program into a file</a:t>
             </a:r>
           </a:p>
           <a:p>
@@ -7571,47 +6184,76 @@
             </a:r>
             <a:r>
               <a:rPr lang="en-US" dirty="0" err="1" smtClean="0"/>
-              <a:t>myText.txt</a:t>
-            </a:r>
-            <a:r>
-              <a:rPr lang="en-US" dirty="0" smtClean="0"/>
-              <a:t>			</a:t>
-            </a:r>
-            <a:r>
-              <a:rPr lang="en-US" i="1" dirty="0" smtClean="0"/>
-              <a:t>prints out contents of "</a:t>
+              <a:t>myfile</a:t>
+            </a:r>
+            <a:r>
+              <a:rPr lang="en-US" dirty="0" smtClean="0"/>
+              <a:t> &gt; </a:t>
+            </a:r>
+            <a:r>
+              <a:rPr lang="en-US" dirty="0" err="1" smtClean="0"/>
+              <a:t>text.txt</a:t>
+            </a:r>
+            <a:r>
+              <a:rPr lang="en-US" dirty="0" smtClean="0"/>
+              <a:t>		</a:t>
+            </a:r>
+            <a:r>
+              <a:rPr lang="en-US" i="1" dirty="0" smtClean="0"/>
+              <a:t>write the output of "cat </a:t>
             </a:r>
             <a:r>
               <a:rPr lang="en-US" i="1" dirty="0" err="1" smtClean="0"/>
-              <a:t>myText.txt</a:t>
-            </a:r>
-            <a:r>
-              <a:rPr lang="en-US" i="1" dirty="0" smtClean="0"/>
-              <a:t>"</a:t>
-            </a:r>
-            <a:r>
-              <a:rPr lang="en-US" dirty="0" smtClean="0"/>
-              <a:t> </a:t>
-            </a:r>
-          </a:p>
-          <a:p>
-            <a:endParaRPr lang="en-US" dirty="0" smtClean="0"/>
-          </a:p>
-          <a:p>
-            <a:r>
-              <a:rPr lang="en-US" b="1" dirty="0" smtClean="0"/>
-              <a:t>echo = print out from command line</a:t>
-            </a:r>
-          </a:p>
-          <a:p>
-            <a:r>
-              <a:rPr lang="en-US" dirty="0" smtClean="0"/>
-              <a:t>	echo hello there!		</a:t>
-            </a:r>
-            <a:r>
-              <a:rPr lang="en-US" i="1" dirty="0" smtClean="0"/>
-              <a:t>prints out "hello there!"</a:t>
-            </a:r>
+              <a:t>myfile</a:t>
+            </a:r>
+            <a:r>
+              <a:rPr lang="en-US" i="1" dirty="0" smtClean="0"/>
+              <a:t>" into the file </a:t>
+            </a:r>
+            <a:r>
+              <a:rPr lang="en-US" i="1" dirty="0" err="1" smtClean="0"/>
+              <a:t>text.txt</a:t>
+            </a:r>
+            <a:endParaRPr lang="en-US" i="1" dirty="0" smtClean="0"/>
+          </a:p>
+          <a:p>
+            <a:r>
+              <a:rPr lang="en-US" dirty="0" smtClean="0"/>
+              <a:t>	cat </a:t>
+            </a:r>
+            <a:r>
+              <a:rPr lang="en-US" dirty="0" err="1" smtClean="0"/>
+              <a:t>myfile</a:t>
+            </a:r>
+            <a:r>
+              <a:rPr lang="en-US" dirty="0" smtClean="0"/>
+              <a:t> &gt;&gt; </a:t>
+            </a:r>
+            <a:r>
+              <a:rPr lang="en-US" dirty="0" err="1" smtClean="0"/>
+              <a:t>text.txt</a:t>
+            </a:r>
+            <a:r>
+              <a:rPr lang="en-US" dirty="0" smtClean="0"/>
+              <a:t>		</a:t>
+            </a:r>
+            <a:r>
+              <a:rPr lang="en-US" i="1" dirty="0" smtClean="0"/>
+              <a:t>append the output to the end of </a:t>
+            </a:r>
+            <a:r>
+              <a:rPr lang="en-US" i="1" dirty="0" err="1" smtClean="0"/>
+              <a:t>text.txt</a:t>
+            </a:r>
+            <a:endParaRPr lang="en-US" i="1" dirty="0" smtClean="0"/>
+          </a:p>
+          <a:p>
+            <a:endParaRPr lang="en-US" dirty="0" smtClean="0"/>
+          </a:p>
+          <a:p>
+            <a:endParaRPr lang="en-US" dirty="0" smtClean="0"/>
+          </a:p>
+          <a:p>
             <a:endParaRPr lang="en-US" dirty="0" smtClean="0"/>
           </a:p>
           <a:p>
@@ -7678,7 +6320,7 @@
           <a:p>
             <a:r>
               <a:rPr lang="en-US" dirty="0" smtClean="0"/>
-              <a:t>Unix - Common Commands</a:t>
+              <a:t>Unix - Connect to Other Machines</a:t>
             </a:r>
             <a:endParaRPr lang="en-US" dirty="0"/>
           </a:p>
@@ -7703,22 +6345,78 @@
           </a:p>
           <a:p>
             <a:r>
+              <a:rPr lang="en-US" b="1" dirty="0" err="1" smtClean="0"/>
+              <a:t>ssh</a:t>
+            </a:r>
+            <a:r>
               <a:rPr lang="en-US" b="1" dirty="0" smtClean="0"/>
-              <a:t>cp </a:t>
+              <a:t> = open a secure shell to a remote server</a:t>
+            </a:r>
+          </a:p>
+          <a:p>
+            <a:r>
+              <a:rPr lang="en-US" dirty="0" smtClean="0"/>
+              <a:t>	</a:t>
+            </a:r>
+            <a:r>
+              <a:rPr lang="en-US" dirty="0" err="1" smtClean="0"/>
+              <a:t>ssh</a:t>
+            </a:r>
+            <a:r>
+              <a:rPr lang="en-US" dirty="0" smtClean="0"/>
+              <a:t> </a:t>
+            </a:r>
+            <a:r>
+              <a:rPr lang="en-US" dirty="0" err="1" smtClean="0"/>
+              <a:t>my.name@my.server</a:t>
+            </a:r>
+            <a:r>
+              <a:rPr lang="en-US" dirty="0" smtClean="0"/>
+              <a:t> 		</a:t>
+            </a:r>
+            <a:r>
+              <a:rPr lang="en-US" i="1" dirty="0" smtClean="0"/>
+              <a:t>logs you into your home directory on "</a:t>
+            </a:r>
+            <a:r>
+              <a:rPr lang="en-US" i="1" dirty="0" err="1" smtClean="0"/>
+              <a:t>my.server</a:t>
+            </a:r>
+            <a:r>
+              <a:rPr lang="en-US" i="1" dirty="0" smtClean="0"/>
+              <a:t>"</a:t>
+            </a:r>
+            <a:endParaRPr lang="en-US" dirty="0" smtClean="0"/>
+          </a:p>
+          <a:p>
+            <a:endParaRPr lang="en-US" i="1" dirty="0" smtClean="0"/>
+          </a:p>
+          <a:p>
+            <a:r>
+              <a:rPr lang="en-US" b="1" dirty="0" err="1" smtClean="0"/>
+              <a:t>sftp</a:t>
             </a:r>
             <a:r>
               <a:rPr lang="en-US" b="1" dirty="0" smtClean="0"/>
-              <a:t>= copy file</a:t>
-            </a:r>
-          </a:p>
-          <a:p>
-            <a:r>
-              <a:rPr lang="en-US" dirty="0" smtClean="0"/>
-              <a:t>	cp </a:t>
-            </a:r>
-            <a:r>
-              <a:rPr lang="en-US" dirty="0" err="1" smtClean="0"/>
-              <a:t>fileA</a:t>
+              <a:t> = secure file transfer protocol (using </a:t>
+            </a:r>
+            <a:r>
+              <a:rPr lang="en-US" b="1" dirty="0" err="1" smtClean="0"/>
+              <a:t>ssh</a:t>
+            </a:r>
+            <a:r>
+              <a:rPr lang="en-US" b="1" dirty="0" smtClean="0"/>
+              <a:t>)</a:t>
+            </a:r>
+          </a:p>
+          <a:p>
+            <a:r>
+              <a:rPr lang="en-US" dirty="0" smtClean="0"/>
+              <a:t>	</a:t>
+            </a:r>
+            <a:r>
+              <a:rPr lang="en-US" dirty="0" err="1" smtClean="0"/>
+              <a:t>sftp</a:t>
             </a:r>
             <a:r>
               <a:rPr lang="en-US" dirty="0" smtClean="0"/>
@@ -7726,7 +6424,7 @@
             </a:r>
             <a:r>
               <a:rPr lang="en-US" dirty="0" err="1" smtClean="0"/>
-              <a:t>fileB</a:t>
+              <a:t>my.name@my.server</a:t>
             </a:r>
             <a:r>
               <a:rPr lang="en-US" dirty="0" smtClean="0"/>
@@ -7734,19 +6432,11 @@
             </a:r>
             <a:r>
               <a:rPr lang="en-US" i="1" dirty="0" smtClean="0"/>
-              <a:t>copies the contents of "</a:t>
+              <a:t>browse through and transfer files from "</a:t>
             </a:r>
             <a:r>
               <a:rPr lang="en-US" i="1" dirty="0" err="1" smtClean="0"/>
-              <a:t>fileA</a:t>
-            </a:r>
-            <a:r>
-              <a:rPr lang="en-US" i="1" dirty="0" smtClean="0"/>
-              <a:t>" into a new file named "</a:t>
-            </a:r>
-            <a:r>
-              <a:rPr lang="en-US" i="1" dirty="0" err="1" smtClean="0"/>
-              <a:t>fileB</a:t>
+              <a:t>my.server</a:t>
             </a:r>
             <a:r>
               <a:rPr lang="en-US" i="1" dirty="0" smtClean="0"/>
@@ -7754,407 +6444,14 @@
             </a:r>
           </a:p>
           <a:p>
-            <a:r>
-              <a:rPr lang="en-US" dirty="0" smtClean="0"/>
-              <a:t>	cp </a:t>
-            </a:r>
-            <a:r>
-              <a:rPr lang="en-US" dirty="0" err="1" smtClean="0"/>
-              <a:t>src</a:t>
-            </a:r>
-            <a:r>
-              <a:rPr lang="en-US" dirty="0" smtClean="0"/>
-              <a:t>/* ../</a:t>
-            </a:r>
-            <a:r>
-              <a:rPr lang="en-US" dirty="0" err="1" smtClean="0"/>
-              <a:t>dest</a:t>
-            </a:r>
-            <a:r>
-              <a:rPr lang="en-US" dirty="0" smtClean="0"/>
-              <a:t>/	</a:t>
-            </a:r>
-            <a:r>
-              <a:rPr lang="en-US" i="1" dirty="0" smtClean="0"/>
-              <a:t>copies all files in "</a:t>
-            </a:r>
-            <a:r>
-              <a:rPr lang="en-US" i="1" dirty="0" err="1" smtClean="0"/>
-              <a:t>src</a:t>
-            </a:r>
-            <a:r>
-              <a:rPr lang="en-US" i="1" dirty="0" smtClean="0"/>
-              <a:t>" into "</a:t>
-            </a:r>
-            <a:r>
-              <a:rPr lang="en-US" i="1" dirty="0" err="1" smtClean="0"/>
-              <a:t>dest</a:t>
-            </a:r>
-            <a:r>
-              <a:rPr lang="en-US" i="1" dirty="0" smtClean="0"/>
-              <a:t>" inside the parent directory</a:t>
-            </a:r>
-          </a:p>
-          <a:p>
-            <a:r>
-              <a:rPr lang="en-US" dirty="0" smtClean="0"/>
-              <a:t>	cp –</a:t>
-            </a:r>
-            <a:r>
-              <a:rPr lang="en-US" dirty="0" err="1" smtClean="0"/>
-              <a:t>r</a:t>
-            </a:r>
+            <a:endParaRPr lang="en-US" dirty="0" smtClean="0"/>
+          </a:p>
+          <a:p>
             <a:r>
               <a:rPr lang="en-US" dirty="0" smtClean="0"/>
               <a:t> </a:t>
             </a:r>
-            <a:r>
-              <a:rPr lang="en-US" dirty="0" err="1" smtClean="0"/>
-              <a:t>src</a:t>
-            </a:r>
-            <a:r>
-              <a:rPr lang="en-US" dirty="0" smtClean="0"/>
-              <a:t>/ </a:t>
-            </a:r>
-            <a:r>
-              <a:rPr lang="en-US" dirty="0" err="1" smtClean="0"/>
-              <a:t>dest</a:t>
-            </a:r>
-            <a:r>
-              <a:rPr lang="en-US" dirty="0" smtClean="0"/>
-              <a:t>/	</a:t>
-            </a:r>
-            <a:r>
-              <a:rPr lang="en-US" i="1" dirty="0" smtClean="0"/>
-              <a:t>copies all files and directories in "</a:t>
-            </a:r>
-            <a:r>
-              <a:rPr lang="en-US" i="1" dirty="0" err="1" smtClean="0"/>
-              <a:t>src</a:t>
-            </a:r>
-            <a:r>
-              <a:rPr lang="en-US" i="1" dirty="0" smtClean="0"/>
-              <a:t>" recursively into "</a:t>
-            </a:r>
-            <a:r>
-              <a:rPr lang="en-US" i="1" dirty="0" err="1" smtClean="0"/>
-              <a:t>dest</a:t>
-            </a:r>
-            <a:r>
-              <a:rPr lang="en-US" i="1" dirty="0" smtClean="0"/>
-              <a:t>"</a:t>
-            </a:r>
-          </a:p>
-          <a:p>
-            <a:r>
-              <a:rPr lang="en-US" dirty="0" smtClean="0"/>
-              <a:t> </a:t>
-            </a:r>
-          </a:p>
-          <a:p>
-            <a:r>
-              <a:rPr lang="en-US" b="1" dirty="0" err="1" smtClean="0"/>
-              <a:t>mv</a:t>
-            </a:r>
-            <a:r>
-              <a:rPr lang="en-US" b="1" dirty="0" smtClean="0"/>
-              <a:t> = move file</a:t>
-            </a:r>
-          </a:p>
-          <a:p>
-            <a:r>
-              <a:rPr lang="en-US" i="1" dirty="0" smtClean="0"/>
-              <a:t> 	</a:t>
-            </a:r>
-            <a:r>
-              <a:rPr lang="en-US" dirty="0" err="1" smtClean="0"/>
-              <a:t>mv</a:t>
-            </a:r>
-            <a:r>
-              <a:rPr lang="en-US" dirty="0" smtClean="0"/>
-              <a:t> </a:t>
-            </a:r>
-            <a:r>
-              <a:rPr lang="en-US" dirty="0" err="1" smtClean="0"/>
-              <a:t>fileA</a:t>
-            </a:r>
-            <a:r>
-              <a:rPr lang="en-US" dirty="0" smtClean="0"/>
-              <a:t> </a:t>
-            </a:r>
-            <a:r>
-              <a:rPr lang="en-US" dirty="0" err="1" smtClean="0"/>
-              <a:t>fileB</a:t>
-            </a:r>
-            <a:r>
-              <a:rPr lang="en-US" dirty="0" smtClean="0"/>
-              <a:t>		</a:t>
-            </a:r>
-            <a:r>
-              <a:rPr lang="en-US" i="1" dirty="0" smtClean="0"/>
-              <a:t>renames "</a:t>
-            </a:r>
-            <a:r>
-              <a:rPr lang="en-US" i="1" dirty="0" err="1" smtClean="0"/>
-              <a:t>fileA</a:t>
-            </a:r>
-            <a:r>
-              <a:rPr lang="en-US" i="1" dirty="0" smtClean="0"/>
-              <a:t>" to "</a:t>
-            </a:r>
-            <a:r>
-              <a:rPr lang="en-US" i="1" dirty="0" err="1" smtClean="0"/>
-              <a:t>fileB</a:t>
-            </a:r>
-            <a:r>
-              <a:rPr lang="en-US" i="1" dirty="0" smtClean="0"/>
-              <a:t>"</a:t>
-            </a:r>
-            <a:endParaRPr lang="en-US" dirty="0" smtClean="0"/>
-          </a:p>
-          <a:p>
-            <a:r>
-              <a:rPr lang="en-US" i="1" dirty="0" smtClean="0"/>
-              <a:t>	</a:t>
-            </a:r>
-            <a:r>
-              <a:rPr lang="en-US" dirty="0" err="1" smtClean="0"/>
-              <a:t>mv</a:t>
-            </a:r>
-            <a:r>
-              <a:rPr lang="en-US" dirty="0" smtClean="0"/>
-              <a:t> </a:t>
-            </a:r>
-            <a:r>
-              <a:rPr lang="en-US" dirty="0" err="1" smtClean="0"/>
-              <a:t>dirA</a:t>
-            </a:r>
-            <a:r>
-              <a:rPr lang="en-US" dirty="0" smtClean="0"/>
-              <a:t> ~/</a:t>
-            </a:r>
-            <a:r>
-              <a:rPr lang="en-US" dirty="0" err="1" smtClean="0"/>
-              <a:t>dirZ</a:t>
-            </a:r>
-            <a:r>
-              <a:rPr lang="en-US" dirty="0" smtClean="0"/>
-              <a:t> 		</a:t>
-            </a:r>
-            <a:r>
-              <a:rPr lang="en-US" i="1" dirty="0" smtClean="0"/>
-              <a:t>moves "</a:t>
-            </a:r>
-            <a:r>
-              <a:rPr lang="en-US" i="1" dirty="0" err="1" smtClean="0"/>
-              <a:t>dirA</a:t>
-            </a:r>
-            <a:r>
-              <a:rPr lang="en-US" i="1" dirty="0" smtClean="0"/>
-              <a:t>" into the home directory, renaming it "</a:t>
-            </a:r>
-            <a:r>
-              <a:rPr lang="en-US" i="1" dirty="0" err="1" smtClean="0"/>
-              <a:t>dirZ</a:t>
-            </a:r>
-            <a:r>
-              <a:rPr lang="en-US" i="1" dirty="0" smtClean="0"/>
-              <a:t>"</a:t>
-            </a:r>
-          </a:p>
-          <a:p>
-            <a:endParaRPr lang="en-US" dirty="0" smtClean="0"/>
-          </a:p>
-          <a:p>
-            <a:r>
-              <a:rPr lang="en-US" b="1" dirty="0" err="1" smtClean="0"/>
-              <a:t>mkdir</a:t>
-            </a:r>
-            <a:r>
-              <a:rPr lang="en-US" b="1" dirty="0" smtClean="0"/>
-              <a:t> = make a new directory</a:t>
-            </a:r>
-          </a:p>
-          <a:p>
-            <a:r>
-              <a:rPr lang="en-US" b="1" dirty="0" smtClean="0"/>
-              <a:t>	</a:t>
-            </a:r>
-            <a:r>
-              <a:rPr lang="en-US" dirty="0" err="1" smtClean="0"/>
-              <a:t>mkdir</a:t>
-            </a:r>
-            <a:r>
-              <a:rPr lang="en-US" dirty="0" smtClean="0"/>
-              <a:t> </a:t>
-            </a:r>
-            <a:r>
-              <a:rPr lang="en-US" dirty="0" err="1" smtClean="0"/>
-              <a:t>newdir</a:t>
-            </a:r>
-            <a:r>
-              <a:rPr lang="en-US" b="1" dirty="0" smtClean="0"/>
-              <a:t>		</a:t>
-            </a:r>
-            <a:r>
-              <a:rPr lang="en-US" i="1" dirty="0" smtClean="0"/>
-              <a:t>makes a new directory "</a:t>
-            </a:r>
-            <a:r>
-              <a:rPr lang="en-US" i="1" dirty="0" err="1" smtClean="0"/>
-              <a:t>newdir</a:t>
-            </a:r>
-            <a:r>
-              <a:rPr lang="en-US" i="1" dirty="0" smtClean="0"/>
-              <a:t>" under the current directory</a:t>
-            </a:r>
-          </a:p>
-          <a:p>
-            <a:endParaRPr lang="en-US" dirty="0" smtClean="0"/>
-          </a:p>
-          <a:p>
-            <a:r>
-              <a:rPr lang="en-US" b="1" dirty="0" err="1" smtClean="0"/>
-              <a:t>rmdir</a:t>
-            </a:r>
-            <a:r>
-              <a:rPr lang="en-US" b="1" dirty="0" smtClean="0"/>
-              <a:t> = delete an empty directory</a:t>
-            </a:r>
-          </a:p>
-          <a:p>
-            <a:r>
-              <a:rPr lang="en-US" dirty="0" smtClean="0"/>
-              <a:t>	</a:t>
-            </a:r>
-            <a:r>
-              <a:rPr lang="en-US" dirty="0" err="1" smtClean="0"/>
-              <a:t>rmdir</a:t>
-            </a:r>
-            <a:r>
-              <a:rPr lang="en-US" dirty="0" smtClean="0"/>
-              <a:t> </a:t>
-            </a:r>
-            <a:r>
-              <a:rPr lang="en-US" dirty="0" err="1" smtClean="0"/>
-              <a:t>emptydir</a:t>
-            </a:r>
-            <a:r>
-              <a:rPr lang="en-US" dirty="0" smtClean="0"/>
-              <a:t>		</a:t>
-            </a:r>
-            <a:r>
-              <a:rPr lang="en-US" i="1" dirty="0" smtClean="0"/>
-              <a:t>empty dir is deleted</a:t>
-            </a:r>
-          </a:p>
-          <a:p>
-            <a:endParaRPr lang="en-US" dirty="0" smtClean="0"/>
-          </a:p>
-          <a:p>
-            <a:r>
-              <a:rPr lang="en-US" b="1" dirty="0" err="1" smtClean="0"/>
-              <a:t>rm</a:t>
-            </a:r>
-            <a:r>
-              <a:rPr lang="en-US" b="1" dirty="0" smtClean="0"/>
-              <a:t> = permanently removes a file or directory</a:t>
-            </a:r>
-          </a:p>
-          <a:p>
-            <a:r>
-              <a:rPr lang="en-US" dirty="0" smtClean="0"/>
-              <a:t>	</a:t>
-            </a:r>
-            <a:r>
-              <a:rPr lang="en-US" dirty="0" err="1" smtClean="0"/>
-              <a:t>rm</a:t>
-            </a:r>
-            <a:r>
-              <a:rPr lang="en-US" dirty="0" smtClean="0"/>
-              <a:t> </a:t>
-            </a:r>
-            <a:r>
-              <a:rPr lang="en-US" dirty="0" err="1" smtClean="0"/>
-              <a:t>fileA</a:t>
-            </a:r>
-            <a:r>
-              <a:rPr lang="en-US" dirty="0" smtClean="0"/>
-              <a:t>			</a:t>
-            </a:r>
-            <a:r>
-              <a:rPr lang="en-US" i="1" dirty="0" smtClean="0"/>
-              <a:t>deletes "</a:t>
-            </a:r>
-            <a:r>
-              <a:rPr lang="en-US" i="1" dirty="0" err="1" smtClean="0"/>
-              <a:t>fileA</a:t>
-            </a:r>
-            <a:r>
-              <a:rPr lang="en-US" i="1" dirty="0" smtClean="0"/>
-              <a:t>"</a:t>
-            </a:r>
-          </a:p>
-          <a:p>
-            <a:r>
-              <a:rPr lang="en-US" i="1" dirty="0" smtClean="0"/>
-              <a:t>	</a:t>
-            </a:r>
-            <a:r>
-              <a:rPr lang="en-US" dirty="0" err="1" smtClean="0"/>
-              <a:t>rm</a:t>
-            </a:r>
-            <a:r>
-              <a:rPr lang="en-US" dirty="0" smtClean="0"/>
-              <a:t> –</a:t>
-            </a:r>
-            <a:r>
-              <a:rPr lang="en-US" dirty="0" err="1" smtClean="0"/>
-              <a:t>rf</a:t>
-            </a:r>
-            <a:r>
-              <a:rPr lang="en-US" dirty="0" smtClean="0"/>
-              <a:t> </a:t>
-            </a:r>
-            <a:r>
-              <a:rPr lang="en-US" dirty="0" err="1" smtClean="0"/>
-              <a:t>dirA</a:t>
-            </a:r>
-            <a:r>
-              <a:rPr lang="en-US" i="1" dirty="0" smtClean="0"/>
-              <a:t>		VERY DANGEROUS! recursively deletes everything in "</a:t>
-            </a:r>
-            <a:r>
-              <a:rPr lang="en-US" i="1" dirty="0" err="1" smtClean="0"/>
-              <a:t>dirA</a:t>
-            </a:r>
-            <a:r>
-              <a:rPr lang="en-US" i="1" dirty="0" smtClean="0"/>
-              <a:t>"</a:t>
-            </a:r>
-          </a:p>
-          <a:p>
-            <a:r>
-              <a:rPr lang="en-US" i="1" dirty="0" smtClean="0"/>
-              <a:t> </a:t>
-            </a:r>
-            <a:r>
-              <a:rPr lang="en-US" dirty="0" smtClean="0"/>
-              <a:t> </a:t>
-            </a:r>
-          </a:p>
-          <a:p>
-            <a:endParaRPr lang="en-US" dirty="0" smtClean="0"/>
-          </a:p>
-          <a:p>
-            <a:endParaRPr lang="en-US" dirty="0" smtClean="0"/>
-          </a:p>
-          <a:p>
-            <a:r>
-              <a:rPr lang="en-US" i="1" dirty="0" smtClean="0"/>
-              <a:t> </a:t>
-            </a:r>
-            <a:endParaRPr lang="en-US" i="1" dirty="0"/>
+            <a:endParaRPr lang="en-US" dirty="0"/>
           </a:p>
         </p:txBody>
       </p:sp>
@@ -8207,7 +6504,7 @@
           <a:p>
             <a:r>
               <a:rPr lang="en-US" dirty="0" smtClean="0"/>
-              <a:t>Unix - Common Commands</a:t>
+              <a:t>Unix - Misc.</a:t>
             </a:r>
             <a:endParaRPr lang="en-US" dirty="0"/>
           </a:p>
@@ -8228,379 +6525,176 @@
           <a:bodyPr/>
           <a:lstStyle/>
           <a:p>
+            <a:endParaRPr lang="en-US" b="1" dirty="0" smtClean="0"/>
+          </a:p>
+          <a:p>
+            <a:r>
+              <a:rPr lang="en-US" dirty="0" smtClean="0"/>
+              <a:t>There are hundreds of other more specialized helper programs bundled with the various Unix distributions (FreeBSD for OSX).</a:t>
+            </a:r>
+          </a:p>
+          <a:p>
+            <a:endParaRPr lang="en-US" dirty="0" smtClean="0"/>
+          </a:p>
+          <a:p>
+            <a:r>
+              <a:rPr lang="en-US" dirty="0" smtClean="0"/>
+              <a:t>You can see what these are by typing</a:t>
+            </a:r>
+          </a:p>
+          <a:p>
             <a:endParaRPr lang="en-US" dirty="0" smtClean="0"/>
           </a:p>
           <a:p>
             <a:r>
               <a:rPr lang="en-US" b="1" dirty="0" smtClean="0"/>
-              <a:t>more = page through text</a:t>
-            </a:r>
-          </a:p>
-          <a:p>
-            <a:r>
-              <a:rPr lang="en-US" dirty="0" smtClean="0"/>
-              <a:t>	more </a:t>
-            </a:r>
-            <a:r>
-              <a:rPr lang="en-US" dirty="0" err="1" smtClean="0"/>
-              <a:t>bigfile.txt</a:t>
-            </a:r>
-            <a:r>
-              <a:rPr lang="en-US" dirty="0" smtClean="0"/>
-              <a:t> 		</a:t>
-            </a:r>
-            <a:r>
-              <a:rPr lang="en-US" i="1" dirty="0" smtClean="0"/>
-              <a:t>pages through </a:t>
+              <a:t>&gt; echo $PATH</a:t>
+            </a:r>
+          </a:p>
+          <a:p>
+            <a:endParaRPr lang="en-US" dirty="0" smtClean="0"/>
+          </a:p>
+          <a:p>
+            <a:r>
+              <a:rPr lang="en-US" dirty="0" smtClean="0"/>
+              <a:t>from the command line, which will list all of the places the terminal will look for a command</a:t>
+            </a:r>
+          </a:p>
+          <a:p>
+            <a:endParaRPr lang="en-US" dirty="0" smtClean="0"/>
+          </a:p>
+          <a:p>
+            <a:r>
+              <a:rPr lang="en-US" dirty="0" smtClean="0"/>
+              <a:t>you can list out the contents of one these directories, e.g.</a:t>
+            </a:r>
+          </a:p>
+          <a:p>
+            <a:endParaRPr lang="en-US" dirty="0" smtClean="0"/>
+          </a:p>
+          <a:p>
+            <a:r>
+              <a:rPr lang="en-US" b="1" dirty="0" smtClean="0"/>
+              <a:t>&gt; </a:t>
+            </a:r>
+            <a:r>
+              <a:rPr lang="en-US" b="1" dirty="0" err="1" smtClean="0"/>
+              <a:t>ls</a:t>
+            </a:r>
+            <a:r>
+              <a:rPr lang="en-US" b="1" dirty="0" smtClean="0"/>
+              <a:t> /</a:t>
+            </a:r>
+            <a:r>
+              <a:rPr lang="en-US" b="1" dirty="0" err="1" smtClean="0"/>
+              <a:t>usr</a:t>
+            </a:r>
+            <a:r>
+              <a:rPr lang="en-US" b="1" dirty="0" smtClean="0"/>
+              <a:t>/bin</a:t>
+            </a:r>
+          </a:p>
+          <a:p>
+            <a:endParaRPr lang="en-US" dirty="0" smtClean="0"/>
+          </a:p>
+          <a:p>
+            <a:r>
+              <a:rPr lang="en-US" dirty="0" smtClean="0"/>
+              <a:t>most of these are little C programs and you can find out how they work by looking at their </a:t>
+            </a:r>
+            <a:r>
+              <a:rPr lang="en-US" i="1" dirty="0" smtClean="0"/>
+              <a:t>man</a:t>
+            </a:r>
+            <a:r>
+              <a:rPr lang="en-US" dirty="0" smtClean="0"/>
+              <a:t> page.</a:t>
+            </a:r>
+          </a:p>
+          <a:p>
+            <a:endParaRPr lang="en-US" dirty="0" smtClean="0"/>
+          </a:p>
+          <a:p>
+            <a:r>
+              <a:rPr lang="en-US" dirty="0" smtClean="0"/>
+              <a:t>If you want to know where a program you use lives, you can use the </a:t>
+            </a:r>
+            <a:r>
+              <a:rPr lang="en-US" i="1" dirty="0" smtClean="0"/>
+              <a:t>which</a:t>
+            </a:r>
+            <a:r>
+              <a:rPr lang="en-US" dirty="0" smtClean="0"/>
+              <a:t> command, e.g.</a:t>
+            </a:r>
+          </a:p>
+          <a:p>
+            <a:endParaRPr lang="en-US" dirty="0" smtClean="0"/>
+          </a:p>
+          <a:p>
+            <a:r>
+              <a:rPr lang="en-US" b="1" dirty="0" smtClean="0"/>
+              <a:t>&gt; which </a:t>
+            </a:r>
+            <a:r>
+              <a:rPr lang="en-US" b="1" dirty="0" err="1" smtClean="0"/>
+              <a:t>ls</a:t>
+            </a:r>
+            <a:r>
+              <a:rPr lang="en-US" b="1" dirty="0" smtClean="0"/>
+              <a:t> </a:t>
+            </a:r>
+            <a:r>
+              <a:rPr lang="en-US" dirty="0" smtClean="0"/>
+              <a:t>  		</a:t>
+            </a:r>
+            <a:r>
+              <a:rPr lang="en-US" i="1" dirty="0" smtClean="0"/>
+              <a:t>//prints out /bin/</a:t>
             </a:r>
             <a:r>
               <a:rPr lang="en-US" i="1" dirty="0" err="1" smtClean="0"/>
-              <a:t>bigfile.txt</a:t>
-            </a:r>
-            <a:r>
-              <a:rPr lang="en-US" i="1" dirty="0" smtClean="0"/>
-              <a:t> (by pressing space)</a:t>
-            </a:r>
-          </a:p>
-          <a:p>
+              <a:t>ls</a:t>
+            </a:r>
             <a:endParaRPr lang="en-US" i="1" dirty="0" smtClean="0"/>
           </a:p>
           <a:p>
             <a:r>
               <a:rPr lang="en-US" b="1" dirty="0" smtClean="0"/>
-              <a:t>head / tail = print out first or last lines of a file</a:t>
-            </a:r>
-          </a:p>
-          <a:p>
-            <a:r>
-              <a:rPr lang="en-US" dirty="0" smtClean="0"/>
-              <a:t>	head -</a:t>
-            </a:r>
-            <a:r>
-              <a:rPr lang="en-US" dirty="0" err="1" smtClean="0"/>
-              <a:t>n</a:t>
-            </a:r>
-            <a:r>
-              <a:rPr lang="en-US" dirty="0" smtClean="0"/>
-              <a:t> 5 </a:t>
-            </a:r>
-            <a:r>
-              <a:rPr lang="en-US" dirty="0" err="1" smtClean="0"/>
-              <a:t>file.txt</a:t>
-            </a:r>
-            <a:r>
-              <a:rPr lang="en-US" dirty="0" smtClean="0"/>
-              <a:t> 		</a:t>
-            </a:r>
-            <a:r>
-              <a:rPr lang="en-US" i="1" dirty="0" smtClean="0"/>
-              <a:t>prints out first 5 lines of </a:t>
+              <a:t>&gt; which which </a:t>
+            </a:r>
+            <a:r>
+              <a:rPr lang="en-US" dirty="0" smtClean="0"/>
+              <a:t>		</a:t>
+            </a:r>
+            <a:r>
+              <a:rPr lang="en-US" i="1" dirty="0" smtClean="0"/>
+              <a:t>//prints out /</a:t>
             </a:r>
             <a:r>
               <a:rPr lang="en-US" i="1" dirty="0" err="1" smtClean="0"/>
-              <a:t>file.txt</a:t>
-            </a:r>
-            <a:endParaRPr lang="en-US" i="1" dirty="0" smtClean="0"/>
-          </a:p>
-          <a:p>
-            <a:r>
-              <a:rPr lang="en-US" dirty="0" smtClean="0"/>
-              <a:t>	tail -</a:t>
-            </a:r>
-            <a:r>
-              <a:rPr lang="en-US" dirty="0" err="1" smtClean="0"/>
-              <a:t>n</a:t>
-            </a:r>
-            <a:r>
-              <a:rPr lang="en-US" dirty="0" smtClean="0"/>
-              <a:t> 5 </a:t>
-            </a:r>
-            <a:r>
-              <a:rPr lang="en-US" dirty="0" err="1" smtClean="0"/>
-              <a:t>file.txt</a:t>
-            </a:r>
-            <a:r>
-              <a:rPr lang="en-US" dirty="0" smtClean="0"/>
-              <a:t> 		</a:t>
-            </a:r>
-            <a:r>
-              <a:rPr lang="en-US" i="1" dirty="0" smtClean="0"/>
-              <a:t>prints out last 5 lines of </a:t>
-            </a:r>
-            <a:r>
-              <a:rPr lang="en-US" i="1" dirty="0" err="1" smtClean="0"/>
-              <a:t>file.txt</a:t>
-            </a:r>
-            <a:endParaRPr lang="en-US" i="1" dirty="0" smtClean="0"/>
-          </a:p>
-          <a:p>
-            <a:endParaRPr lang="en-US" i="1" dirty="0" smtClean="0"/>
-          </a:p>
-          <a:p>
-            <a:r>
-              <a:rPr lang="en-US" b="1" dirty="0" smtClean="0"/>
-              <a:t>find = find files</a:t>
-            </a:r>
-          </a:p>
-          <a:p>
-            <a:r>
-              <a:rPr lang="en-US" i="1" dirty="0" smtClean="0"/>
-              <a:t>	</a:t>
-            </a:r>
-            <a:r>
-              <a:rPr lang="en-US" dirty="0" smtClean="0"/>
-              <a:t>find .</a:t>
-            </a:r>
-            <a:r>
-              <a:rPr lang="en-US" i="1" dirty="0" smtClean="0"/>
-              <a:t> 				recursively list all files from the current directory</a:t>
-            </a:r>
-          </a:p>
-          <a:p>
-            <a:r>
-              <a:rPr lang="en-US" i="1" dirty="0" smtClean="0"/>
-              <a:t>	</a:t>
-            </a:r>
-            <a:r>
-              <a:rPr lang="en-US" dirty="0" smtClean="0"/>
-              <a:t>find ~/logs/*2010*</a:t>
-            </a:r>
-            <a:r>
-              <a:rPr lang="en-US" i="1" dirty="0" smtClean="0"/>
-              <a:t>		list all files in the logs dir that contain "2010"</a:t>
-            </a:r>
-          </a:p>
-          <a:p>
-            <a:endParaRPr lang="en-US" i="1" dirty="0" smtClean="0"/>
-          </a:p>
-          <a:p>
-            <a:r>
-              <a:rPr lang="en-US" b="1" dirty="0" err="1" smtClean="0"/>
-              <a:t>grep</a:t>
-            </a:r>
-            <a:r>
-              <a:rPr lang="en-US" b="1" dirty="0" smtClean="0"/>
-              <a:t> = print lines matching a pattern</a:t>
-            </a:r>
-          </a:p>
-          <a:p>
-            <a:r>
-              <a:rPr lang="en-US" b="1" dirty="0" smtClean="0"/>
-              <a:t>	</a:t>
-            </a:r>
-            <a:r>
-              <a:rPr lang="en-US" dirty="0" err="1" smtClean="0"/>
-              <a:t>grep</a:t>
-            </a:r>
-            <a:r>
-              <a:rPr lang="en-US" dirty="0" smtClean="0"/>
-              <a:t> "</a:t>
-            </a:r>
-            <a:r>
-              <a:rPr lang="en-US" dirty="0"/>
-              <a:t>A</a:t>
-            </a:r>
-            <a:r>
-              <a:rPr lang="en-US" dirty="0" smtClean="0"/>
-              <a:t>" cell* 			</a:t>
-            </a:r>
-            <a:r>
-              <a:rPr lang="en-US" i="1" dirty="0" smtClean="0"/>
-              <a:t>print lines containing "</a:t>
-            </a:r>
-            <a:r>
-              <a:rPr lang="en-US" i="1" dirty="0"/>
-              <a:t>A</a:t>
-            </a:r>
-            <a:r>
-              <a:rPr lang="en-US" i="1" dirty="0" smtClean="0"/>
-              <a:t>" from files starting with "cell"</a:t>
-            </a:r>
-          </a:p>
-          <a:p>
-            <a:r>
-              <a:rPr lang="en-US" i="1" dirty="0" smtClean="0"/>
-              <a:t>	</a:t>
-            </a:r>
-            <a:r>
-              <a:rPr lang="en-US" dirty="0" err="1" smtClean="0"/>
-              <a:t>grep</a:t>
-            </a:r>
-            <a:r>
-              <a:rPr lang="en-US" dirty="0" smtClean="0"/>
-              <a:t> -</a:t>
-            </a:r>
-            <a:r>
-              <a:rPr lang="en-US" dirty="0" err="1" smtClean="0"/>
-              <a:t>i</a:t>
-            </a:r>
-            <a:r>
-              <a:rPr lang="en-US" dirty="0" smtClean="0"/>
-              <a:t> "a" </a:t>
-            </a:r>
-            <a:r>
-              <a:rPr lang="en-US" dirty="0" err="1" smtClean="0"/>
-              <a:t>file.txt</a:t>
-            </a:r>
-            <a:r>
-              <a:rPr lang="en-US" i="1" dirty="0" smtClean="0"/>
-              <a:t>	print lines containing "a" or "A" from </a:t>
-            </a:r>
-            <a:r>
-              <a:rPr lang="en-US" i="1" dirty="0" err="1" smtClean="0"/>
-              <a:t>file.txt</a:t>
-            </a:r>
-            <a:endParaRPr lang="en-US" i="1" dirty="0" smtClean="0"/>
-          </a:p>
-          <a:p>
-            <a:r>
-              <a:rPr lang="en-US" i="1" dirty="0" smtClean="0"/>
-              <a:t>	</a:t>
-            </a:r>
-            <a:r>
-              <a:rPr lang="en-US" dirty="0" err="1" smtClean="0"/>
-              <a:t>grep</a:t>
-            </a:r>
-            <a:r>
-              <a:rPr lang="en-US" dirty="0" smtClean="0"/>
-              <a:t> -</a:t>
-            </a:r>
-            <a:r>
-              <a:rPr lang="en-US" dirty="0" err="1" smtClean="0"/>
-              <a:t>v</a:t>
-            </a:r>
-            <a:r>
-              <a:rPr lang="en-US" dirty="0" smtClean="0"/>
-              <a:t> "a" </a:t>
-            </a:r>
-            <a:r>
-              <a:rPr lang="en-US" dirty="0" err="1" smtClean="0"/>
-              <a:t>file.txt</a:t>
-            </a:r>
-            <a:r>
-              <a:rPr lang="en-US" i="1" dirty="0" smtClean="0"/>
-              <a:t>	print lines that don't contain "a" from </a:t>
-            </a:r>
-            <a:r>
-              <a:rPr lang="en-US" i="1" dirty="0" err="1" smtClean="0"/>
-              <a:t>file.txt</a:t>
-            </a:r>
-            <a:endParaRPr lang="en-US" i="1" dirty="0" smtClean="0"/>
-          </a:p>
-          <a:p>
-            <a:endParaRPr lang="en-US" i="1" dirty="0" smtClean="0"/>
-          </a:p>
-          <a:p>
-            <a:r>
-              <a:rPr lang="en-US" b="1" dirty="0" smtClean="0"/>
-              <a:t>man = get the manual for a command</a:t>
-            </a:r>
-          </a:p>
-          <a:p>
-            <a:r>
-              <a:rPr lang="en-US" b="1" i="1" dirty="0" smtClean="0"/>
-              <a:t>	</a:t>
-            </a:r>
-            <a:r>
-              <a:rPr lang="en-US" dirty="0" smtClean="0"/>
-              <a:t>man </a:t>
-            </a:r>
-            <a:r>
-              <a:rPr lang="en-US" dirty="0" err="1" smtClean="0"/>
-              <a:t>grep</a:t>
-            </a:r>
-            <a:r>
-              <a:rPr lang="en-US" dirty="0" smtClean="0"/>
-              <a:t>				</a:t>
-            </a:r>
-            <a:r>
-              <a:rPr lang="en-US" i="1" dirty="0" smtClean="0"/>
-              <a:t>page through documentation about the </a:t>
-            </a:r>
-            <a:r>
-              <a:rPr lang="en-US" i="1" dirty="0" err="1" smtClean="0"/>
-              <a:t>grep</a:t>
-            </a:r>
-            <a:r>
-              <a:rPr lang="en-US" i="1" dirty="0" smtClean="0"/>
-              <a:t> command</a:t>
-            </a:r>
-            <a:r>
-              <a:rPr lang="en-US" b="1" i="1" dirty="0" smtClean="0"/>
+              <a:t>usr</a:t>
+            </a:r>
+            <a:r>
+              <a:rPr lang="en-US" i="1" dirty="0" smtClean="0"/>
+              <a:t>/bin/which</a:t>
+            </a:r>
+          </a:p>
+          <a:p>
+            <a:endParaRPr lang="en-US" dirty="0" smtClean="0"/>
+          </a:p>
+          <a:p>
+            <a:endParaRPr lang="en-US" dirty="0" smtClean="0"/>
+          </a:p>
+          <a:p>
+            <a:endParaRPr lang="en-US" dirty="0" smtClean="0"/>
+          </a:p>
+          <a:p>
+            <a:r>
+              <a:rPr lang="en-US" dirty="0" smtClean="0"/>
               <a:t> </a:t>
             </a:r>
-          </a:p>
-          <a:p>
-            <a:endParaRPr lang="en-US" b="1" i="1" dirty="0" smtClean="0"/>
-          </a:p>
-          <a:p>
-            <a:endParaRPr lang="en-US" b="1" i="1" dirty="0"/>
-          </a:p>
-          <a:p>
-            <a:endParaRPr lang="en-US" b="1" i="1" dirty="0" smtClean="0"/>
-          </a:p>
-          <a:p>
-            <a:r>
-              <a:rPr lang="en-US" i="1" dirty="0"/>
-              <a:t>	</a:t>
-            </a:r>
-            <a:endParaRPr lang="en-US" i="1" dirty="0" smtClean="0"/>
-          </a:p>
-          <a:p>
-            <a:endParaRPr lang="en-US" i="1" dirty="0" smtClean="0"/>
-          </a:p>
-          <a:p>
-            <a:endParaRPr lang="en-US" i="1" dirty="0" smtClean="0"/>
-          </a:p>
-          <a:p>
-            <a:r>
-              <a:rPr lang="en-US" i="1" dirty="0" smtClean="0"/>
-              <a:t> </a:t>
-            </a:r>
-          </a:p>
-          <a:p>
-            <a:r>
-              <a:rPr lang="en-US" i="1" dirty="0" smtClean="0"/>
-              <a:t> </a:t>
-            </a:r>
-          </a:p>
-          <a:p>
-            <a:r>
-              <a:rPr lang="en-US" dirty="0" smtClean="0"/>
-              <a:t>	</a:t>
-            </a:r>
-          </a:p>
-          <a:p>
-            <a:endParaRPr lang="en-US" dirty="0" smtClean="0"/>
-          </a:p>
-          <a:p>
             <a:endParaRPr lang="en-US" dirty="0"/>
-          </a:p>
-          <a:p>
-            <a:endParaRPr lang="en-US" dirty="0" smtClean="0"/>
-          </a:p>
-          <a:p>
-            <a:r>
-              <a:rPr lang="en-US" i="1" dirty="0" smtClean="0"/>
-              <a:t> </a:t>
-            </a:r>
-            <a:r>
-              <a:rPr lang="en-US" dirty="0" smtClean="0"/>
-              <a:t> </a:t>
-            </a:r>
-          </a:p>
-          <a:p>
-            <a:endParaRPr lang="en-US" dirty="0" smtClean="0"/>
-          </a:p>
-          <a:p>
-            <a:endParaRPr lang="en-US" dirty="0" smtClean="0"/>
-          </a:p>
-          <a:p>
-            <a:r>
-              <a:rPr lang="en-US" i="1" dirty="0" smtClean="0"/>
-              <a:t> </a:t>
-            </a:r>
-            <a:endParaRPr lang="en-US" i="1" dirty="0"/>
           </a:p>
         </p:txBody>
       </p:sp>
@@ -8653,7 +6747,15 @@
           <a:p>
             <a:r>
               <a:rPr lang="en-US" dirty="0" smtClean="0"/>
-              <a:t>Unix - I/O Redirection</a:t>
+              <a:t>Unix -</a:t>
+            </a:r>
+            <a:r>
+              <a:rPr lang="en-US" dirty="0" smtClean="0"/>
+              <a:t> </a:t>
+            </a:r>
+            <a:r>
+              <a:rPr lang="en-US" dirty="0" smtClean="0"/>
+              <a:t>bash profile</a:t>
             </a:r>
             <a:endParaRPr lang="en-US" dirty="0"/>
           </a:p>
@@ -8674,215 +6776,178 @@
           <a:bodyPr/>
           <a:lstStyle/>
           <a:p>
-            <a:endParaRPr lang="en-US" dirty="0" smtClean="0"/>
-          </a:p>
-          <a:p>
+            <a:endParaRPr lang="en-US" b="1" dirty="0" smtClean="0"/>
+          </a:p>
+          <a:p>
+            <a:r>
+              <a:rPr lang="en-US" dirty="0" smtClean="0"/>
+              <a:t>The actual terminal you use is handled by a program called a "shell." Most Unix shells are quite similar, at least in their basic functionality. </a:t>
+            </a:r>
+            <a:r>
+              <a:rPr lang="en-US" dirty="0" err="1" smtClean="0"/>
+              <a:t>Cygwin</a:t>
+            </a:r>
+            <a:r>
+              <a:rPr lang="en-US" dirty="0" smtClean="0"/>
+              <a:t> and OSX both default to a shell called "bash", which is by far the most common shell in use.</a:t>
+            </a:r>
+          </a:p>
+          <a:p>
+            <a:endParaRPr lang="en-US" dirty="0" smtClean="0"/>
+          </a:p>
+          <a:p>
+            <a:r>
+              <a:rPr lang="en-US" dirty="0" smtClean="0"/>
+              <a:t>You can customize your shell by editing your "profile" which lives at ~/.</a:t>
+            </a:r>
+            <a:r>
+              <a:rPr lang="en-US" dirty="0" err="1" smtClean="0"/>
+              <a:t>bash_profile</a:t>
+            </a:r>
+            <a:endParaRPr lang="en-US" dirty="0" smtClean="0"/>
+          </a:p>
+          <a:p>
+            <a:endParaRPr lang="en-US" dirty="0" smtClean="0"/>
+          </a:p>
+          <a:p>
+            <a:r>
+              <a:rPr lang="en-US" dirty="0" smtClean="0"/>
+              <a:t>The most common things to do are to define </a:t>
+            </a:r>
             <a:r>
               <a:rPr lang="en-US" b="1" dirty="0" smtClean="0"/>
-              <a:t>pipe |</a:t>
-            </a:r>
-            <a:r>
-              <a:rPr lang="en-US" dirty="0" smtClean="0"/>
-              <a:t> = funnel the output of one program into the input of another one</a:t>
-            </a:r>
-          </a:p>
-          <a:p>
-            <a:r>
-              <a:rPr lang="en-US" dirty="0" smtClean="0"/>
-              <a:t>	cat </a:t>
-            </a:r>
-            <a:r>
-              <a:rPr lang="en-US" dirty="0" err="1" smtClean="0"/>
-              <a:t>bigfile</a:t>
-            </a:r>
-            <a:r>
-              <a:rPr lang="en-US" dirty="0" smtClean="0"/>
-              <a:t> | more			</a:t>
-            </a:r>
-            <a:r>
-              <a:rPr lang="en-US" i="1" dirty="0" smtClean="0"/>
-              <a:t>pages through </a:t>
-            </a:r>
-            <a:r>
-              <a:rPr lang="en-US" i="1" dirty="0" err="1" smtClean="0"/>
-              <a:t>bigfile</a:t>
+              <a:t>environment variables</a:t>
+            </a:r>
+            <a:r>
+              <a:rPr lang="en-US" dirty="0" smtClean="0"/>
+              <a:t>, which includes the default search path to Unix programs, and to set </a:t>
+            </a:r>
+            <a:r>
+              <a:rPr lang="en-US" b="1" dirty="0" smtClean="0"/>
+              <a:t>aliases</a:t>
+            </a:r>
+            <a:r>
+              <a:rPr lang="en-US" dirty="0" smtClean="0"/>
+              <a:t> for common commands.  </a:t>
+            </a:r>
+            <a:endParaRPr lang="en-US" dirty="0" smtClean="0"/>
+          </a:p>
+          <a:p>
+            <a:endParaRPr lang="en-US" dirty="0" smtClean="0"/>
+          </a:p>
+          <a:p>
+            <a:r>
+              <a:rPr lang="en-US" dirty="0" smtClean="0"/>
+              <a:t>To set an environment variable in bash you use the "export" command. For example:</a:t>
+            </a:r>
+          </a:p>
+          <a:p>
+            <a:endParaRPr lang="en-US" dirty="0" smtClean="0"/>
+          </a:p>
+          <a:p>
+            <a:r>
+              <a:rPr lang="en-US" dirty="0" smtClean="0"/>
+              <a:t>&gt; </a:t>
+            </a:r>
+            <a:r>
+              <a:rPr lang="en-US" b="1" dirty="0" smtClean="0"/>
+              <a:t>export MYNAME='angus'	</a:t>
+            </a:r>
+            <a:r>
+              <a:rPr lang="en-US" dirty="0" smtClean="0"/>
+              <a:t>	</a:t>
+            </a:r>
+            <a:r>
+              <a:rPr lang="en-US" i="1" dirty="0" smtClean="0"/>
+              <a:t>//</a:t>
+            </a:r>
+            <a:r>
+              <a:rPr lang="en-US" i="1" dirty="0" smtClean="0"/>
+              <a:t>defines your variable</a:t>
             </a:r>
             <a:endParaRPr lang="en-US" i="1" dirty="0" smtClean="0"/>
           </a:p>
           <a:p>
             <a:r>
               <a:rPr lang="en-US" dirty="0" smtClean="0"/>
-              <a:t>	</a:t>
-            </a:r>
-            <a:r>
-              <a:rPr lang="en-US" dirty="0" err="1" smtClean="0"/>
-              <a:t>ls</a:t>
-            </a:r>
-            <a:r>
-              <a:rPr lang="en-US" dirty="0" smtClean="0"/>
-              <a:t> </a:t>
-            </a:r>
-            <a:r>
-              <a:rPr lang="en-US" dirty="0" err="1" smtClean="0"/>
-              <a:t>mydir</a:t>
-            </a:r>
-            <a:r>
-              <a:rPr lang="en-US" dirty="0" smtClean="0"/>
-              <a:t> | </a:t>
-            </a:r>
-            <a:r>
-              <a:rPr lang="en-US" dirty="0" err="1" smtClean="0"/>
-              <a:t>grep</a:t>
-            </a:r>
-            <a:r>
-              <a:rPr lang="en-US" dirty="0" smtClean="0"/>
-              <a:t> a*			</a:t>
-            </a:r>
-            <a:r>
-              <a:rPr lang="en-US" i="1" dirty="0" smtClean="0"/>
-              <a:t>only prints out filenames that start with an "a"</a:t>
-            </a:r>
-          </a:p>
-          <a:p>
-            <a:r>
-              <a:rPr lang="en-US" dirty="0" smtClean="0"/>
-              <a:t>	cat </a:t>
-            </a:r>
-            <a:r>
-              <a:rPr lang="en-US" dirty="0" err="1"/>
-              <a:t>a</a:t>
-            </a:r>
-            <a:r>
-              <a:rPr lang="en-US" dirty="0" err="1" smtClean="0"/>
-              <a:t>file</a:t>
-            </a:r>
-            <a:r>
-              <a:rPr lang="en-US" dirty="0" smtClean="0"/>
-              <a:t> | </a:t>
-            </a:r>
-            <a:r>
-              <a:rPr lang="en-US" dirty="0" err="1" smtClean="0"/>
-              <a:t>grep</a:t>
-            </a:r>
-            <a:r>
-              <a:rPr lang="en-US" dirty="0" smtClean="0"/>
-              <a:t> a* | more	</a:t>
-            </a:r>
-            <a:r>
-              <a:rPr lang="en-US" i="1" dirty="0" smtClean="0"/>
-              <a:t>pages through lines that start with "a"</a:t>
-            </a:r>
-          </a:p>
-          <a:p>
-            <a:endParaRPr lang="en-US" dirty="0" smtClean="0"/>
-          </a:p>
-          <a:p>
+              <a:t>&gt; </a:t>
+            </a:r>
             <a:r>
               <a:rPr lang="en-US" b="1" dirty="0" smtClean="0"/>
-              <a:t>redirect output &gt;</a:t>
-            </a:r>
-            <a:r>
-              <a:rPr lang="en-US" dirty="0" smtClean="0"/>
-              <a:t> = funnel the output of a program into a file</a:t>
-            </a:r>
-          </a:p>
-          <a:p>
-            <a:r>
-              <a:rPr lang="en-US" dirty="0" smtClean="0"/>
-              <a:t>	cat </a:t>
-            </a:r>
-            <a:r>
-              <a:rPr lang="en-US" dirty="0" err="1" smtClean="0"/>
-              <a:t>myfile</a:t>
-            </a:r>
-            <a:r>
-              <a:rPr lang="en-US" dirty="0" smtClean="0"/>
-              <a:t> &gt; </a:t>
-            </a:r>
-            <a:r>
-              <a:rPr lang="en-US" dirty="0" err="1" smtClean="0"/>
-              <a:t>text.txt</a:t>
-            </a:r>
-            <a:r>
-              <a:rPr lang="en-US" dirty="0" smtClean="0"/>
-              <a:t>		</a:t>
-            </a:r>
-            <a:r>
-              <a:rPr lang="en-US" i="1" dirty="0" smtClean="0"/>
-              <a:t>write the output of "cat </a:t>
-            </a:r>
-            <a:r>
-              <a:rPr lang="en-US" i="1" dirty="0" err="1" smtClean="0"/>
-              <a:t>myfile</a:t>
-            </a:r>
-            <a:r>
-              <a:rPr lang="en-US" i="1" dirty="0" smtClean="0"/>
-              <a:t>" into the file </a:t>
-            </a:r>
-            <a:r>
-              <a:rPr lang="en-US" i="1" dirty="0" err="1" smtClean="0"/>
-              <a:t>text.txt</a:t>
-            </a:r>
-            <a:endParaRPr lang="en-US" i="1" dirty="0" smtClean="0"/>
-          </a:p>
-          <a:p>
-            <a:r>
-              <a:rPr lang="en-US" dirty="0" smtClean="0"/>
-              <a:t>	cat </a:t>
-            </a:r>
-            <a:r>
-              <a:rPr lang="en-US" dirty="0" err="1" smtClean="0"/>
-              <a:t>myfile</a:t>
-            </a:r>
-            <a:r>
-              <a:rPr lang="en-US" dirty="0" smtClean="0"/>
-              <a:t> &gt;&gt; </a:t>
-            </a:r>
-            <a:r>
-              <a:rPr lang="en-US" dirty="0" err="1" smtClean="0"/>
-              <a:t>text.txt</a:t>
-            </a:r>
-            <a:r>
-              <a:rPr lang="en-US" dirty="0" smtClean="0"/>
-              <a:t>		</a:t>
-            </a:r>
-            <a:r>
-              <a:rPr lang="en-US" i="1" dirty="0" smtClean="0"/>
-              <a:t>append the </a:t>
-            </a:r>
-            <a:r>
-              <a:rPr lang="en-US" i="1" dirty="0" smtClean="0"/>
-              <a:t>output </a:t>
-            </a:r>
-            <a:r>
-              <a:rPr lang="en-US" i="1" dirty="0" smtClean="0"/>
-              <a:t>to the end of </a:t>
-            </a:r>
-            <a:r>
-              <a:rPr lang="en-US" i="1" dirty="0" err="1" smtClean="0"/>
-              <a:t>text.txt</a:t>
-            </a:r>
-            <a:endParaRPr lang="en-US" i="1" dirty="0" smtClean="0"/>
-          </a:p>
-          <a:p>
-            <a:endParaRPr lang="en-US" dirty="0" smtClean="0"/>
-          </a:p>
-          <a:p>
-            <a:endParaRPr lang="en-US" dirty="0" smtClean="0"/>
-          </a:p>
-          <a:p>
-            <a:endParaRPr lang="en-US" dirty="0" smtClean="0"/>
-          </a:p>
-          <a:p>
-            <a:endParaRPr lang="en-US" dirty="0" smtClean="0"/>
-          </a:p>
-          <a:p>
-            <a:endParaRPr lang="en-US" dirty="0" smtClean="0"/>
-          </a:p>
-          <a:p>
-            <a:r>
-              <a:rPr lang="en-US" i="1" dirty="0" smtClean="0"/>
-              <a:t> </a:t>
+              <a:t>echo $MYNAME	</a:t>
+            </a:r>
+            <a:r>
+              <a:rPr lang="en-US" dirty="0" smtClean="0"/>
+              <a:t>			</a:t>
+            </a:r>
+            <a:r>
+              <a:rPr lang="en-US" i="1" dirty="0" smtClean="0"/>
+              <a:t>//prints 'angus' to the console</a:t>
+            </a:r>
+          </a:p>
+          <a:p>
+            <a:endParaRPr lang="en-US" dirty="0" smtClean="0"/>
+          </a:p>
+          <a:p>
+            <a:r>
+              <a:rPr lang="en-US" dirty="0" smtClean="0"/>
+              <a:t>(show example of editing PATH variable)</a:t>
+            </a:r>
+          </a:p>
+          <a:p>
+            <a:endParaRPr lang="en-US" dirty="0" smtClean="0"/>
+          </a:p>
+          <a:p>
+            <a:r>
+              <a:rPr lang="en-US" dirty="0" smtClean="0"/>
+              <a:t>To set up an alias in bash, you use the "alias" command. For example:</a:t>
+            </a:r>
+          </a:p>
+          <a:p>
+            <a:endParaRPr lang="en-US" dirty="0" smtClean="0"/>
+          </a:p>
+          <a:p>
+            <a:r>
+              <a:rPr lang="en-US" dirty="0" smtClean="0"/>
+              <a:t>&gt; </a:t>
+            </a:r>
+            <a:r>
+              <a:rPr lang="en-US" b="1" dirty="0" smtClean="0"/>
+              <a:t>alias cd201b='</a:t>
+            </a:r>
+            <a:r>
+              <a:rPr lang="en-US" b="1" dirty="0" err="1" smtClean="0"/>
+              <a:t>cd</a:t>
+            </a:r>
+            <a:r>
+              <a:rPr lang="en-US" b="1" dirty="0" smtClean="0"/>
+              <a:t> /Users/angus/teaching/201b/website'</a:t>
+            </a:r>
+            <a:r>
+              <a:rPr lang="en-US" dirty="0" smtClean="0"/>
+              <a:t>  </a:t>
+            </a:r>
+            <a:r>
+              <a:rPr lang="en-US" i="1" dirty="0" smtClean="0"/>
+              <a:t>//creates the alias</a:t>
+            </a:r>
+          </a:p>
+          <a:p>
+            <a:r>
+              <a:rPr lang="en-US" dirty="0" smtClean="0"/>
+              <a:t>&gt; </a:t>
+            </a:r>
+            <a:r>
+              <a:rPr lang="en-US" b="1" dirty="0" smtClean="0"/>
+              <a:t>cd201b</a:t>
+            </a:r>
+            <a:r>
+              <a:rPr lang="en-US" dirty="0" smtClean="0"/>
+              <a:t>											</a:t>
+            </a:r>
+            <a:r>
+              <a:rPr lang="en-US" i="1" dirty="0" smtClean="0"/>
+              <a:t>//moves to my 201b directory </a:t>
             </a:r>
             <a:endParaRPr lang="en-US" i="1" dirty="0"/>
           </a:p>
@@ -8941,23 +7006,11 @@
             </a:r>
             <a:r>
               <a:rPr lang="en-US" dirty="0" smtClean="0"/>
-              <a:t> Connect </a:t>
-            </a:r>
-            <a:r>
-              <a:rPr lang="en-US" dirty="0" smtClean="0"/>
-              <a:t>to</a:t>
-            </a:r>
-            <a:r>
-              <a:rPr lang="en-US" dirty="0" smtClean="0"/>
-              <a:t> Other </a:t>
-            </a:r>
-            <a:r>
-              <a:rPr lang="en-US" dirty="0" smtClean="0"/>
-              <a:t>M</a:t>
-            </a:r>
-            <a:r>
-              <a:rPr lang="en-US" dirty="0" smtClean="0"/>
-              <a:t>achines</a:t>
+              <a:t> archiving/compressing</a:t>
+            </a:r>
+            <a:r>
+              <a:rPr lang="en-US" dirty="0" smtClean="0"/>
+              <a:t> files</a:t>
             </a:r>
             <a:endParaRPr lang="en-US" dirty="0"/>
           </a:p>
@@ -8982,113 +7035,207 @@
           </a:p>
           <a:p>
             <a:r>
+              <a:rPr lang="en-US" dirty="0" smtClean="0"/>
+              <a:t>There are various methods to bundle and then compress a file. We'll look at a common archiving program called "tar", which is short for "tape archive" but has outgrown its original format...</a:t>
+            </a:r>
+          </a:p>
+          <a:p>
+            <a:endParaRPr lang="en-US" dirty="0" smtClean="0"/>
+          </a:p>
+          <a:p>
+            <a:r>
+              <a:rPr lang="en-US" dirty="0" smtClean="0"/>
+              <a:t> You create an archive by specifying the files and directories you want to store:</a:t>
+            </a:r>
+          </a:p>
+          <a:p>
+            <a:endParaRPr lang="en-US" dirty="0" smtClean="0"/>
+          </a:p>
+          <a:p>
+            <a:r>
+              <a:rPr lang="en-US" dirty="0" smtClean="0"/>
+              <a:t>&gt; </a:t>
+            </a:r>
+            <a:r>
+              <a:rPr lang="en-US" b="1" dirty="0" smtClean="0"/>
+              <a:t>tar -</a:t>
+            </a:r>
+            <a:r>
               <a:rPr lang="en-US" b="1" dirty="0" err="1" smtClean="0"/>
-              <a:t>ssh</a:t>
+              <a:t>cvf</a:t>
             </a:r>
             <a:r>
               <a:rPr lang="en-US" b="1" dirty="0" smtClean="0"/>
-              <a:t> = open a secure shell to a remote server</a:t>
-            </a:r>
-          </a:p>
-          <a:p>
+              <a:t> </a:t>
+            </a:r>
+            <a:r>
+              <a:rPr lang="en-US" b="1" dirty="0" err="1" smtClean="0"/>
+              <a:t>myArchive.tar</a:t>
+            </a:r>
+            <a:r>
+              <a:rPr lang="en-US" b="1" dirty="0" smtClean="0"/>
+              <a:t> file1.txt dir1 file2.txt</a:t>
+            </a:r>
+            <a:r>
+              <a:rPr lang="en-US" dirty="0" smtClean="0"/>
+              <a:t>   </a:t>
+            </a:r>
+            <a:r>
+              <a:rPr lang="en-US" i="1" dirty="0" smtClean="0"/>
+              <a:t>//as many as you want </a:t>
+            </a:r>
+          </a:p>
+          <a:p>
+            <a:endParaRPr lang="en-US" dirty="0" smtClean="0"/>
+          </a:p>
+          <a:p>
+            <a:r>
+              <a:rPr lang="en-US" dirty="0" smtClean="0"/>
+              <a:t>The option "</a:t>
+            </a:r>
+            <a:r>
+              <a:rPr lang="en-US" dirty="0" err="1" smtClean="0"/>
+              <a:t>c</a:t>
+            </a:r>
+            <a:r>
+              <a:rPr lang="en-US" dirty="0" smtClean="0"/>
+              <a:t>" = create, "</a:t>
+            </a:r>
+            <a:r>
+              <a:rPr lang="en-US" dirty="0" err="1" smtClean="0"/>
+              <a:t>f</a:t>
+            </a:r>
+            <a:r>
+              <a:rPr lang="en-US" dirty="0" smtClean="0"/>
+              <a:t>" = file, "</a:t>
+            </a:r>
+            <a:r>
+              <a:rPr lang="en-US" dirty="0" err="1" smtClean="0"/>
+              <a:t>v</a:t>
+            </a:r>
+            <a:r>
+              <a:rPr lang="en-US" dirty="0" smtClean="0"/>
+              <a:t>" = verbose</a:t>
+            </a:r>
+          </a:p>
+          <a:p>
+            <a:endParaRPr lang="en-US" dirty="0" smtClean="0"/>
+          </a:p>
+          <a:p>
+            <a:r>
+              <a:rPr lang="en-US" dirty="0" smtClean="0"/>
+              <a:t>The first argument ("</a:t>
+            </a:r>
+            <a:r>
+              <a:rPr lang="en-US" dirty="0" err="1" smtClean="0"/>
+              <a:t>myArchive.tar</a:t>
+            </a:r>
+            <a:r>
+              <a:rPr lang="en-US" dirty="0" smtClean="0"/>
+              <a:t>") = the name of the archive file we're creating</a:t>
+            </a:r>
+          </a:p>
+          <a:p>
+            <a:endParaRPr lang="en-US" dirty="0" smtClean="0"/>
+          </a:p>
+          <a:p>
+            <a:r>
+              <a:rPr lang="en-US" dirty="0" smtClean="0"/>
+              <a:t>The other arguments </a:t>
+            </a:r>
+            <a:r>
+              <a:rPr lang="en-US" dirty="0" smtClean="0"/>
+              <a:t>indicate what we are going to put into that archive.</a:t>
+            </a:r>
+          </a:p>
+          <a:p>
+            <a:endParaRPr lang="en-US" dirty="0" smtClean="0"/>
+          </a:p>
+          <a:p>
+            <a:r>
+              <a:rPr lang="en-US" dirty="0" smtClean="0"/>
+              <a:t>so our command means:</a:t>
+            </a:r>
+          </a:p>
+          <a:p>
+            <a:endParaRPr lang="en-US" dirty="0" smtClean="0"/>
+          </a:p>
+          <a:p>
+            <a:r>
+              <a:rPr lang="en-US" dirty="0" smtClean="0"/>
+              <a:t>create an archive named "</a:t>
+            </a:r>
+            <a:r>
+              <a:rPr lang="en-US" dirty="0" err="1" smtClean="0"/>
+              <a:t>myArchive.tar</a:t>
+            </a:r>
+            <a:r>
+              <a:rPr lang="en-US" dirty="0" smtClean="0"/>
+              <a:t>" with the files file1.txt, file2.txt, and all the files in dir1, and give me verbose output as you do it.</a:t>
+            </a:r>
+          </a:p>
+          <a:p>
+            <a:endParaRPr lang="en-US" dirty="0" smtClean="0"/>
+          </a:p>
+          <a:p>
+            <a:r>
+              <a:rPr lang="en-US" dirty="0" smtClean="0"/>
+              <a:t>We extract an archive by using the "</a:t>
+            </a:r>
+            <a:r>
+              <a:rPr lang="en-US" dirty="0" err="1" smtClean="0"/>
+              <a:t>x</a:t>
+            </a:r>
+            <a:r>
+              <a:rPr lang="en-US" dirty="0" smtClean="0"/>
+              <a:t>" = extract option instead of the "</a:t>
+            </a:r>
+            <a:r>
+              <a:rPr lang="en-US" dirty="0" err="1" smtClean="0"/>
+              <a:t>c</a:t>
+            </a:r>
+            <a:r>
+              <a:rPr lang="en-US" dirty="0" smtClean="0"/>
+              <a:t>" option</a:t>
+            </a:r>
+          </a:p>
+          <a:p>
+            <a:endParaRPr lang="en-US" dirty="0" smtClean="0"/>
+          </a:p>
+          <a:p>
+            <a:r>
+              <a:rPr lang="en-US" dirty="0" smtClean="0"/>
+              <a:t>&gt; </a:t>
+            </a:r>
+            <a:r>
+              <a:rPr lang="en-US" b="1" dirty="0" smtClean="0"/>
+              <a:t>tar -</a:t>
+            </a:r>
+            <a:r>
+              <a:rPr lang="en-US" b="1" dirty="0" err="1" smtClean="0"/>
+              <a:t>xvf</a:t>
+            </a:r>
+            <a:r>
+              <a:rPr lang="en-US" b="1" dirty="0" smtClean="0"/>
+              <a:t> </a:t>
+            </a:r>
+            <a:r>
+              <a:rPr lang="en-US" b="1" dirty="0" err="1" smtClean="0"/>
+              <a:t>myArchive.tar</a:t>
+            </a:r>
+            <a:r>
+              <a:rPr lang="en-US" b="1" dirty="0" smtClean="0"/>
+              <a:t> </a:t>
+            </a:r>
             <a:r>
               <a:rPr lang="en-US" dirty="0" smtClean="0"/>
               <a:t>	</a:t>
             </a:r>
             <a:r>
-              <a:rPr lang="en-US" dirty="0" err="1" smtClean="0"/>
-              <a:t>ssh</a:t>
-            </a:r>
-            <a:r>
-              <a:rPr lang="en-US" dirty="0" smtClean="0"/>
-              <a:t> </a:t>
-            </a:r>
-            <a:r>
-              <a:rPr lang="en-US" dirty="0" err="1" smtClean="0"/>
-              <a:t>my.name@my.server</a:t>
-            </a:r>
-            <a:r>
-              <a:rPr lang="en-US" dirty="0" smtClean="0"/>
-              <a:t> 		</a:t>
-            </a:r>
-            <a:r>
-              <a:rPr lang="en-US" i="1" dirty="0" smtClean="0"/>
-              <a:t>logs you into your home directory on "</a:t>
-            </a:r>
-            <a:r>
-              <a:rPr lang="en-US" i="1" dirty="0" err="1" smtClean="0"/>
-              <a:t>my.server</a:t>
-            </a:r>
-            <a:r>
-              <a:rPr lang="en-US" i="1" dirty="0" smtClean="0"/>
-              <a:t>"</a:t>
-            </a:r>
-            <a:endParaRPr lang="en-US" dirty="0" smtClean="0"/>
-          </a:p>
-          <a:p>
-            <a:endParaRPr lang="en-US" i="1" dirty="0" smtClean="0"/>
-          </a:p>
-          <a:p>
-            <a:r>
-              <a:rPr lang="en-US" b="1" dirty="0" err="1" smtClean="0"/>
-              <a:t>sftp</a:t>
-            </a:r>
-            <a:r>
-              <a:rPr lang="en-US" b="1" dirty="0" smtClean="0"/>
-              <a:t> = secure file transfer protocol (using </a:t>
-            </a:r>
-            <a:r>
-              <a:rPr lang="en-US" b="1" dirty="0" err="1" smtClean="0"/>
-              <a:t>ssh</a:t>
-            </a:r>
-            <a:r>
-              <a:rPr lang="en-US" b="1" dirty="0" smtClean="0"/>
-              <a:t>)</a:t>
-            </a:r>
-          </a:p>
-          <a:p>
-            <a:r>
-              <a:rPr lang="en-US" dirty="0" smtClean="0"/>
-              <a:t>	</a:t>
-            </a:r>
-            <a:r>
-              <a:rPr lang="en-US" dirty="0" err="1" smtClean="0"/>
-              <a:t>sftp</a:t>
-            </a:r>
-            <a:r>
-              <a:rPr lang="en-US" dirty="0" smtClean="0"/>
-              <a:t> </a:t>
-            </a:r>
-            <a:r>
-              <a:rPr lang="en-US" dirty="0" err="1" smtClean="0"/>
-              <a:t>my.name@my.server</a:t>
-            </a:r>
-            <a:r>
-              <a:rPr lang="en-US" dirty="0" smtClean="0"/>
-              <a:t> 		</a:t>
-            </a:r>
-            <a:r>
-              <a:rPr lang="en-US" i="1" dirty="0" smtClean="0"/>
-              <a:t>browse through and transfer files from "</a:t>
-            </a:r>
-            <a:r>
-              <a:rPr lang="en-US" i="1" dirty="0" err="1" smtClean="0"/>
-              <a:t>my.server</a:t>
-            </a:r>
-            <a:r>
-              <a:rPr lang="en-US" i="1" dirty="0" smtClean="0"/>
-              <a:t>"</a:t>
-            </a:r>
-          </a:p>
-          <a:p>
-            <a:endParaRPr lang="en-US" dirty="0" smtClean="0"/>
-          </a:p>
-          <a:p>
-            <a:r>
-              <a:rPr lang="en-US" dirty="0" smtClean="0"/>
-              <a:t> </a:t>
-            </a:r>
-            <a:endParaRPr lang="en-US" dirty="0"/>
+              <a:rPr lang="en-US" i="1" dirty="0" smtClean="0"/>
+              <a:t>//unpacks the archive into your current directory</a:t>
+            </a:r>
+            <a:endParaRPr lang="en-US" b="1" i="1" dirty="0" smtClean="0"/>
           </a:p>
         </p:txBody>
       </p:sp>

--- a/slides/week1_tues.pptx
+++ b/slides/week1_tues.pptx
@@ -5,10 +5,10 @@
     <p:sldMasterId id="2147483648" r:id="rId1"/>
   </p:sldMasterIdLst>
   <p:notesMasterIdLst>
-    <p:notesMasterId r:id="rId13"/>
+    <p:notesMasterId r:id="rId14"/>
   </p:notesMasterIdLst>
   <p:handoutMasterIdLst>
-    <p:handoutMasterId r:id="rId14"/>
+    <p:handoutMasterId r:id="rId15"/>
   </p:handoutMasterIdLst>
   <p:sldIdLst>
     <p:sldId id="262" r:id="rId2"/>
@@ -22,6 +22,7 @@
     <p:sldId id="278" r:id="rId10"/>
     <p:sldId id="279" r:id="rId11"/>
     <p:sldId id="277" r:id="rId12"/>
+    <p:sldId id="280" r:id="rId13"/>
   </p:sldIdLst>
   <p:sldSz cx="9144000" cy="6858000" type="screen4x3"/>
   <p:notesSz cx="6858000" cy="9144000"/>
@@ -4192,6 +4193,13 @@
   <p:clrMapOvr>
     <a:masterClrMapping/>
   </p:clrMapOvr>
+  <p:timing>
+    <p:tnLst>
+      <p:par>
+        <p:cTn id="1" dur="indefinite" restart="never" nodeType="tmRoot"/>
+      </p:par>
+    </p:tnLst>
+  </p:timing>
 </p:sld>
 </file>
 
@@ -4613,6 +4621,76 @@
               <a:t> </a:t>
             </a:r>
             <a:endParaRPr lang="en-US" dirty="0"/>
+          </a:p>
+        </p:txBody>
+      </p:sp>
+    </p:spTree>
+  </p:cSld>
+  <p:clrMapOvr>
+    <a:masterClrMapping/>
+  </p:clrMapOvr>
+  <p:timing>
+    <p:tnLst>
+      <p:par>
+        <p:cTn id="1" dur="indefinite" restart="never" nodeType="tmRoot"/>
+      </p:par>
+    </p:tnLst>
+  </p:timing>
+</p:sld>
+</file>
+
+<file path=ppt/slides/slide12.xml><?xml version="1.0" encoding="utf-8"?>
+<p:sld xmlns:a="http://schemas.openxmlformats.org/drawingml/2006/main" xmlns:r="http://schemas.openxmlformats.org/officeDocument/2006/relationships" xmlns:mc="http://schemas.openxmlformats.org/markup-compatibility/2006" xmlns:mv="urn:schemas-microsoft-com:mac:vml" xmlns:p="http://schemas.openxmlformats.org/presentationml/2006/main" mc:Ignorable="mv" mc:PreserveAttributes="mv:*">
+  <p:cSld>
+    <p:spTree>
+      <p:nvGrpSpPr>
+        <p:cNvPr id="1" name=""/>
+        <p:cNvGrpSpPr/>
+        <p:nvPr/>
+      </p:nvGrpSpPr>
+      <p:grpSpPr>
+        <a:xfrm>
+          <a:off x="0" y="0"/>
+          <a:ext cx="0" cy="0"/>
+          <a:chOff x="0" y="0"/>
+          <a:chExt cx="0" cy="0"/>
+        </a:xfrm>
+      </p:grpSpPr>
+      <p:sp>
+        <p:nvSpPr>
+          <p:cNvPr id="2" name="Title 1"/>
+          <p:cNvSpPr>
+            <a:spLocks noGrp="1"/>
+          </p:cNvSpPr>
+          <p:nvPr>
+            <p:ph type="title"/>
+          </p:nvPr>
+        </p:nvSpPr>
+        <p:spPr/>
+        <p:txBody>
+          <a:bodyPr/>
+          <a:lstStyle/>
+          <a:p>
+            <a:endParaRPr lang="en-US"/>
+          </a:p>
+        </p:txBody>
+      </p:sp>
+      <p:sp>
+        <p:nvSpPr>
+          <p:cNvPr id="3" name="Content Placeholder 2"/>
+          <p:cNvSpPr>
+            <a:spLocks noGrp="1"/>
+          </p:cNvSpPr>
+          <p:nvPr>
+            <p:ph idx="1"/>
+          </p:nvPr>
+        </p:nvSpPr>
+        <p:spPr/>
+        <p:txBody>
+          <a:bodyPr/>
+          <a:lstStyle/>
+          <a:p>
+            <a:endParaRPr lang="en-US"/>
           </a:p>
         </p:txBody>
       </p:sp>
